--- a/ECOFLOW.pptx
+++ b/ECOFLOW.pptx
@@ -14,11 +14,11 @@
     <p:sldId id="256" r:id="rId5"/>
     <p:sldId id="258" r:id="rId6"/>
     <p:sldId id="263" r:id="rId7"/>
-    <p:sldId id="264" r:id="rId8"/>
-    <p:sldId id="259" r:id="rId9"/>
-    <p:sldId id="266" r:id="rId10"/>
-    <p:sldId id="265" r:id="rId11"/>
-    <p:sldId id="262" r:id="rId12"/>
+    <p:sldId id="259" r:id="rId8"/>
+    <p:sldId id="266" r:id="rId9"/>
+    <p:sldId id="265" r:id="rId10"/>
+    <p:sldId id="267" r:id="rId11"/>
+    <p:sldId id="268" r:id="rId12"/>
     <p:sldId id="260" r:id="rId13"/>
   </p:sldIdLst>
   <p:sldSz cx="12192000" cy="6858000"/>
@@ -878,753 +878,6 @@
 </dgm:colorsDef>
 </file>
 
-<file path=ppt/diagrams/colors2.xml><?xml version="1.0" encoding="utf-8"?>
-<dgm:colorsDef xmlns:dgm="http://schemas.openxmlformats.org/drawingml/2006/diagram" xmlns:a="http://schemas.openxmlformats.org/drawingml/2006/main" uniqueId="urn:microsoft.com/office/officeart/2005/8/colors/accent1_2">
-  <dgm:title val=""/>
-  <dgm:desc val=""/>
-  <dgm:catLst>
-    <dgm:cat type="accent1" pri="11200"/>
-  </dgm:catLst>
-  <dgm:styleLbl name="node0">
-    <dgm:fillClrLst meth="repeat">
-      <a:schemeClr val="accent1"/>
-    </dgm:fillClrLst>
-    <dgm:linClrLst meth="repeat">
-      <a:schemeClr val="lt1"/>
-    </dgm:linClrLst>
-    <dgm:effectClrLst/>
-    <dgm:txLinClrLst/>
-    <dgm:txFillClrLst/>
-    <dgm:txEffectClrLst/>
-  </dgm:styleLbl>
-  <dgm:styleLbl name="alignNode1">
-    <dgm:fillClrLst meth="repeat">
-      <a:schemeClr val="accent1"/>
-    </dgm:fillClrLst>
-    <dgm:linClrLst meth="repeat">
-      <a:schemeClr val="accent1"/>
-    </dgm:linClrLst>
-    <dgm:effectClrLst/>
-    <dgm:txLinClrLst/>
-    <dgm:txFillClrLst/>
-    <dgm:txEffectClrLst/>
-  </dgm:styleLbl>
-  <dgm:styleLbl name="node1">
-    <dgm:fillClrLst meth="repeat">
-      <a:schemeClr val="accent1"/>
-    </dgm:fillClrLst>
-    <dgm:linClrLst meth="repeat">
-      <a:schemeClr val="lt1"/>
-    </dgm:linClrLst>
-    <dgm:effectClrLst/>
-    <dgm:txLinClrLst/>
-    <dgm:txFillClrLst/>
-    <dgm:txEffectClrLst/>
-  </dgm:styleLbl>
-  <dgm:styleLbl name="lnNode1">
-    <dgm:fillClrLst meth="repeat">
-      <a:schemeClr val="accent1"/>
-    </dgm:fillClrLst>
-    <dgm:linClrLst meth="repeat">
-      <a:schemeClr val="lt1"/>
-    </dgm:linClrLst>
-    <dgm:effectClrLst/>
-    <dgm:txLinClrLst/>
-    <dgm:txFillClrLst/>
-    <dgm:txEffectClrLst/>
-  </dgm:styleLbl>
-  <dgm:styleLbl name="vennNode1">
-    <dgm:fillClrLst meth="repeat">
-      <a:schemeClr val="accent1">
-        <a:alpha val="50000"/>
-      </a:schemeClr>
-    </dgm:fillClrLst>
-    <dgm:linClrLst meth="repeat">
-      <a:schemeClr val="lt1"/>
-    </dgm:linClrLst>
-    <dgm:effectClrLst/>
-    <dgm:txLinClrLst/>
-    <dgm:txFillClrLst/>
-    <dgm:txEffectClrLst/>
-  </dgm:styleLbl>
-  <dgm:styleLbl name="node2">
-    <dgm:fillClrLst meth="repeat">
-      <a:schemeClr val="accent1"/>
-    </dgm:fillClrLst>
-    <dgm:linClrLst meth="repeat">
-      <a:schemeClr val="lt1"/>
-    </dgm:linClrLst>
-    <dgm:effectClrLst/>
-    <dgm:txLinClrLst/>
-    <dgm:txFillClrLst/>
-    <dgm:txEffectClrLst/>
-  </dgm:styleLbl>
-  <dgm:styleLbl name="node3">
-    <dgm:fillClrLst meth="repeat">
-      <a:schemeClr val="accent1"/>
-    </dgm:fillClrLst>
-    <dgm:linClrLst meth="repeat">
-      <a:schemeClr val="lt1"/>
-    </dgm:linClrLst>
-    <dgm:effectClrLst/>
-    <dgm:txLinClrLst/>
-    <dgm:txFillClrLst/>
-    <dgm:txEffectClrLst/>
-  </dgm:styleLbl>
-  <dgm:styleLbl name="node4">
-    <dgm:fillClrLst meth="repeat">
-      <a:schemeClr val="accent1"/>
-    </dgm:fillClrLst>
-    <dgm:linClrLst meth="repeat">
-      <a:schemeClr val="lt1"/>
-    </dgm:linClrLst>
-    <dgm:effectClrLst/>
-    <dgm:txLinClrLst/>
-    <dgm:txFillClrLst/>
-    <dgm:txEffectClrLst/>
-  </dgm:styleLbl>
-  <dgm:styleLbl name="fgImgPlace1">
-    <dgm:fillClrLst meth="repeat">
-      <a:schemeClr val="accent1">
-        <a:tint val="50000"/>
-      </a:schemeClr>
-    </dgm:fillClrLst>
-    <dgm:linClrLst meth="repeat">
-      <a:schemeClr val="lt1"/>
-    </dgm:linClrLst>
-    <dgm:effectClrLst/>
-    <dgm:txLinClrLst/>
-    <dgm:txFillClrLst meth="repeat">
-      <a:schemeClr val="lt1"/>
-    </dgm:txFillClrLst>
-    <dgm:txEffectClrLst/>
-  </dgm:styleLbl>
-  <dgm:styleLbl name="alignImgPlace1">
-    <dgm:fillClrLst meth="repeat">
-      <a:schemeClr val="accent1">
-        <a:tint val="50000"/>
-      </a:schemeClr>
-    </dgm:fillClrLst>
-    <dgm:linClrLst meth="repeat">
-      <a:schemeClr val="lt1"/>
-    </dgm:linClrLst>
-    <dgm:effectClrLst/>
-    <dgm:txLinClrLst/>
-    <dgm:txFillClrLst meth="repeat">
-      <a:schemeClr val="lt1"/>
-    </dgm:txFillClrLst>
-    <dgm:txEffectClrLst/>
-  </dgm:styleLbl>
-  <dgm:styleLbl name="bgImgPlace1">
-    <dgm:fillClrLst meth="repeat">
-      <a:schemeClr val="accent1">
-        <a:tint val="50000"/>
-      </a:schemeClr>
-    </dgm:fillClrLst>
-    <dgm:linClrLst meth="repeat">
-      <a:schemeClr val="lt1"/>
-    </dgm:linClrLst>
-    <dgm:effectClrLst/>
-    <dgm:txLinClrLst/>
-    <dgm:txFillClrLst meth="repeat">
-      <a:schemeClr val="lt1"/>
-    </dgm:txFillClrLst>
-    <dgm:txEffectClrLst/>
-  </dgm:styleLbl>
-  <dgm:styleLbl name="sibTrans2D1">
-    <dgm:fillClrLst meth="repeat">
-      <a:schemeClr val="accent1">
-        <a:tint val="60000"/>
-      </a:schemeClr>
-    </dgm:fillClrLst>
-    <dgm:linClrLst meth="repeat">
-      <a:schemeClr val="accent1">
-        <a:tint val="60000"/>
-      </a:schemeClr>
-    </dgm:linClrLst>
-    <dgm:effectClrLst/>
-    <dgm:txLinClrLst/>
-    <dgm:txFillClrLst/>
-    <dgm:txEffectClrLst/>
-  </dgm:styleLbl>
-  <dgm:styleLbl name="fgSibTrans2D1">
-    <dgm:fillClrLst meth="repeat">
-      <a:schemeClr val="accent1">
-        <a:tint val="60000"/>
-      </a:schemeClr>
-    </dgm:fillClrLst>
-    <dgm:linClrLst meth="repeat">
-      <a:schemeClr val="accent1">
-        <a:tint val="60000"/>
-      </a:schemeClr>
-    </dgm:linClrLst>
-    <dgm:effectClrLst/>
-    <dgm:txLinClrLst/>
-    <dgm:txFillClrLst/>
-    <dgm:txEffectClrLst/>
-  </dgm:styleLbl>
-  <dgm:styleLbl name="bgSibTrans2D1">
-    <dgm:fillClrLst meth="repeat">
-      <a:schemeClr val="accent1">
-        <a:tint val="60000"/>
-      </a:schemeClr>
-    </dgm:fillClrLst>
-    <dgm:linClrLst meth="repeat">
-      <a:schemeClr val="accent1">
-        <a:tint val="60000"/>
-      </a:schemeClr>
-    </dgm:linClrLst>
-    <dgm:effectClrLst/>
-    <dgm:txLinClrLst/>
-    <dgm:txFillClrLst/>
-    <dgm:txEffectClrLst/>
-  </dgm:styleLbl>
-  <dgm:styleLbl name="sibTrans1D1">
-    <dgm:fillClrLst meth="repeat">
-      <a:schemeClr val="accent1"/>
-    </dgm:fillClrLst>
-    <dgm:linClrLst meth="repeat">
-      <a:schemeClr val="accent1"/>
-    </dgm:linClrLst>
-    <dgm:effectClrLst/>
-    <dgm:txLinClrLst/>
-    <dgm:txFillClrLst meth="repeat">
-      <a:schemeClr val="tx1"/>
-    </dgm:txFillClrLst>
-    <dgm:txEffectClrLst/>
-  </dgm:styleLbl>
-  <dgm:styleLbl name="callout">
-    <dgm:fillClrLst meth="repeat">
-      <a:schemeClr val="accent1"/>
-    </dgm:fillClrLst>
-    <dgm:linClrLst meth="repeat">
-      <a:schemeClr val="accent1">
-        <a:tint val="50000"/>
-      </a:schemeClr>
-    </dgm:linClrLst>
-    <dgm:effectClrLst/>
-    <dgm:txLinClrLst/>
-    <dgm:txFillClrLst meth="repeat">
-      <a:schemeClr val="tx1"/>
-    </dgm:txFillClrLst>
-    <dgm:txEffectClrLst/>
-  </dgm:styleLbl>
-  <dgm:styleLbl name="asst0">
-    <dgm:fillClrLst meth="repeat">
-      <a:schemeClr val="accent1"/>
-    </dgm:fillClrLst>
-    <dgm:linClrLst meth="repeat">
-      <a:schemeClr val="lt1"/>
-    </dgm:linClrLst>
-    <dgm:effectClrLst/>
-    <dgm:txLinClrLst/>
-    <dgm:txFillClrLst/>
-    <dgm:txEffectClrLst/>
-  </dgm:styleLbl>
-  <dgm:styleLbl name="asst1">
-    <dgm:fillClrLst meth="repeat">
-      <a:schemeClr val="accent1"/>
-    </dgm:fillClrLst>
-    <dgm:linClrLst meth="repeat">
-      <a:schemeClr val="lt1"/>
-    </dgm:linClrLst>
-    <dgm:effectClrLst/>
-    <dgm:txLinClrLst/>
-    <dgm:txFillClrLst/>
-    <dgm:txEffectClrLst/>
-  </dgm:styleLbl>
-  <dgm:styleLbl name="asst2">
-    <dgm:fillClrLst meth="repeat">
-      <a:schemeClr val="accent1"/>
-    </dgm:fillClrLst>
-    <dgm:linClrLst meth="repeat">
-      <a:schemeClr val="lt1"/>
-    </dgm:linClrLst>
-    <dgm:effectClrLst/>
-    <dgm:txLinClrLst/>
-    <dgm:txFillClrLst/>
-    <dgm:txEffectClrLst/>
-  </dgm:styleLbl>
-  <dgm:styleLbl name="asst3">
-    <dgm:fillClrLst meth="repeat">
-      <a:schemeClr val="accent1"/>
-    </dgm:fillClrLst>
-    <dgm:linClrLst meth="repeat">
-      <a:schemeClr val="lt1"/>
-    </dgm:linClrLst>
-    <dgm:effectClrLst/>
-    <dgm:txLinClrLst/>
-    <dgm:txFillClrLst/>
-    <dgm:txEffectClrLst/>
-  </dgm:styleLbl>
-  <dgm:styleLbl name="asst4">
-    <dgm:fillClrLst meth="repeat">
-      <a:schemeClr val="accent1"/>
-    </dgm:fillClrLst>
-    <dgm:linClrLst meth="repeat">
-      <a:schemeClr val="lt1"/>
-    </dgm:linClrLst>
-    <dgm:effectClrLst/>
-    <dgm:txLinClrLst/>
-    <dgm:txFillClrLst/>
-    <dgm:txEffectClrLst/>
-  </dgm:styleLbl>
-  <dgm:styleLbl name="parChTrans2D1">
-    <dgm:fillClrLst meth="repeat">
-      <a:schemeClr val="accent1">
-        <a:tint val="60000"/>
-      </a:schemeClr>
-    </dgm:fillClrLst>
-    <dgm:linClrLst meth="repeat">
-      <a:schemeClr val="accent1">
-        <a:tint val="60000"/>
-      </a:schemeClr>
-    </dgm:linClrLst>
-    <dgm:effectClrLst/>
-    <dgm:txLinClrLst/>
-    <dgm:txFillClrLst meth="repeat">
-      <a:schemeClr val="lt1"/>
-    </dgm:txFillClrLst>
-    <dgm:txEffectClrLst/>
-  </dgm:styleLbl>
-  <dgm:styleLbl name="parChTrans2D2">
-    <dgm:fillClrLst meth="repeat">
-      <a:schemeClr val="accent1"/>
-    </dgm:fillClrLst>
-    <dgm:linClrLst meth="repeat">
-      <a:schemeClr val="accent1"/>
-    </dgm:linClrLst>
-    <dgm:effectClrLst/>
-    <dgm:txLinClrLst/>
-    <dgm:txFillClrLst meth="repeat">
-      <a:schemeClr val="lt1"/>
-    </dgm:txFillClrLst>
-    <dgm:txEffectClrLst/>
-  </dgm:styleLbl>
-  <dgm:styleLbl name="parChTrans2D3">
-    <dgm:fillClrLst meth="repeat">
-      <a:schemeClr val="accent1"/>
-    </dgm:fillClrLst>
-    <dgm:linClrLst meth="repeat">
-      <a:schemeClr val="accent1"/>
-    </dgm:linClrLst>
-    <dgm:effectClrLst/>
-    <dgm:txLinClrLst/>
-    <dgm:txFillClrLst meth="repeat">
-      <a:schemeClr val="lt1"/>
-    </dgm:txFillClrLst>
-    <dgm:txEffectClrLst/>
-  </dgm:styleLbl>
-  <dgm:styleLbl name="parChTrans2D4">
-    <dgm:fillClrLst meth="repeat">
-      <a:schemeClr val="accent1"/>
-    </dgm:fillClrLst>
-    <dgm:linClrLst meth="repeat">
-      <a:schemeClr val="accent1"/>
-    </dgm:linClrLst>
-    <dgm:effectClrLst/>
-    <dgm:txLinClrLst/>
-    <dgm:txFillClrLst meth="repeat">
-      <a:schemeClr val="lt1"/>
-    </dgm:txFillClrLst>
-    <dgm:txEffectClrLst/>
-  </dgm:styleLbl>
-  <dgm:styleLbl name="parChTrans1D1">
-    <dgm:fillClrLst meth="repeat">
-      <a:schemeClr val="accent1"/>
-    </dgm:fillClrLst>
-    <dgm:linClrLst meth="repeat">
-      <a:schemeClr val="accent1">
-        <a:shade val="60000"/>
-      </a:schemeClr>
-    </dgm:linClrLst>
-    <dgm:effectClrLst/>
-    <dgm:txLinClrLst/>
-    <dgm:txFillClrLst meth="repeat">
-      <a:schemeClr val="tx1"/>
-    </dgm:txFillClrLst>
-    <dgm:txEffectClrLst/>
-  </dgm:styleLbl>
-  <dgm:styleLbl name="parChTrans1D2">
-    <dgm:fillClrLst meth="repeat">
-      <a:schemeClr val="accent1"/>
-    </dgm:fillClrLst>
-    <dgm:linClrLst meth="repeat">
-      <a:schemeClr val="accent1">
-        <a:shade val="60000"/>
-      </a:schemeClr>
-    </dgm:linClrLst>
-    <dgm:effectClrLst/>
-    <dgm:txLinClrLst/>
-    <dgm:txFillClrLst meth="repeat">
-      <a:schemeClr val="tx1"/>
-    </dgm:txFillClrLst>
-    <dgm:txEffectClrLst/>
-  </dgm:styleLbl>
-  <dgm:styleLbl name="parChTrans1D3">
-    <dgm:fillClrLst meth="repeat">
-      <a:schemeClr val="accent1"/>
-    </dgm:fillClrLst>
-    <dgm:linClrLst meth="repeat">
-      <a:schemeClr val="accent1">
-        <a:shade val="80000"/>
-      </a:schemeClr>
-    </dgm:linClrLst>
-    <dgm:effectClrLst/>
-    <dgm:txLinClrLst/>
-    <dgm:txFillClrLst meth="repeat">
-      <a:schemeClr val="tx1"/>
-    </dgm:txFillClrLst>
-    <dgm:txEffectClrLst/>
-  </dgm:styleLbl>
-  <dgm:styleLbl name="parChTrans1D4">
-    <dgm:fillClrLst meth="repeat">
-      <a:schemeClr val="accent1"/>
-    </dgm:fillClrLst>
-    <dgm:linClrLst meth="repeat">
-      <a:schemeClr val="accent1">
-        <a:shade val="80000"/>
-      </a:schemeClr>
-    </dgm:linClrLst>
-    <dgm:effectClrLst/>
-    <dgm:txLinClrLst/>
-    <dgm:txFillClrLst meth="repeat">
-      <a:schemeClr val="tx1"/>
-    </dgm:txFillClrLst>
-    <dgm:txEffectClrLst/>
-  </dgm:styleLbl>
-  <dgm:styleLbl name="fgAcc1">
-    <dgm:fillClrLst meth="repeat">
-      <a:schemeClr val="lt1">
-        <a:alpha val="90000"/>
-      </a:schemeClr>
-    </dgm:fillClrLst>
-    <dgm:linClrLst meth="repeat">
-      <a:schemeClr val="accent1"/>
-    </dgm:linClrLst>
-    <dgm:effectClrLst/>
-    <dgm:txLinClrLst/>
-    <dgm:txFillClrLst meth="repeat">
-      <a:schemeClr val="dk1"/>
-    </dgm:txFillClrLst>
-    <dgm:txEffectClrLst/>
-  </dgm:styleLbl>
-  <dgm:styleLbl name="conFgAcc1">
-    <dgm:fillClrLst meth="repeat">
-      <a:schemeClr val="lt1">
-        <a:alpha val="90000"/>
-      </a:schemeClr>
-    </dgm:fillClrLst>
-    <dgm:linClrLst meth="repeat">
-      <a:schemeClr val="accent1"/>
-    </dgm:linClrLst>
-    <dgm:effectClrLst/>
-    <dgm:txLinClrLst/>
-    <dgm:txFillClrLst meth="repeat">
-      <a:schemeClr val="dk1"/>
-    </dgm:txFillClrLst>
-    <dgm:txEffectClrLst/>
-  </dgm:styleLbl>
-  <dgm:styleLbl name="alignAcc1">
-    <dgm:fillClrLst meth="repeat">
-      <a:schemeClr val="lt1">
-        <a:alpha val="90000"/>
-      </a:schemeClr>
-    </dgm:fillClrLst>
-    <dgm:linClrLst meth="repeat">
-      <a:schemeClr val="accent1"/>
-    </dgm:linClrLst>
-    <dgm:effectClrLst/>
-    <dgm:txLinClrLst/>
-    <dgm:txFillClrLst meth="repeat">
-      <a:schemeClr val="dk1"/>
-    </dgm:txFillClrLst>
-    <dgm:txEffectClrLst/>
-  </dgm:styleLbl>
-  <dgm:styleLbl name="trAlignAcc1">
-    <dgm:fillClrLst meth="repeat">
-      <a:schemeClr val="lt1">
-        <a:alpha val="40000"/>
-      </a:schemeClr>
-    </dgm:fillClrLst>
-    <dgm:linClrLst meth="repeat">
-      <a:schemeClr val="accent1"/>
-    </dgm:linClrLst>
-    <dgm:effectClrLst/>
-    <dgm:txLinClrLst/>
-    <dgm:txFillClrLst meth="repeat">
-      <a:schemeClr val="dk1"/>
-    </dgm:txFillClrLst>
-    <dgm:txEffectClrLst/>
-  </dgm:styleLbl>
-  <dgm:styleLbl name="bgAcc1">
-    <dgm:fillClrLst meth="repeat">
-      <a:schemeClr val="lt1">
-        <a:alpha val="90000"/>
-      </a:schemeClr>
-    </dgm:fillClrLst>
-    <dgm:linClrLst meth="repeat">
-      <a:schemeClr val="accent1"/>
-    </dgm:linClrLst>
-    <dgm:effectClrLst/>
-    <dgm:txLinClrLst/>
-    <dgm:txFillClrLst meth="repeat">
-      <a:schemeClr val="dk1"/>
-    </dgm:txFillClrLst>
-    <dgm:txEffectClrLst/>
-  </dgm:styleLbl>
-  <dgm:styleLbl name="solidFgAcc1">
-    <dgm:fillClrLst meth="repeat">
-      <a:schemeClr val="lt1"/>
-    </dgm:fillClrLst>
-    <dgm:linClrLst meth="repeat">
-      <a:schemeClr val="accent1"/>
-    </dgm:linClrLst>
-    <dgm:effectClrLst/>
-    <dgm:txLinClrLst/>
-    <dgm:txFillClrLst meth="repeat">
-      <a:schemeClr val="dk1"/>
-    </dgm:txFillClrLst>
-    <dgm:txEffectClrLst/>
-  </dgm:styleLbl>
-  <dgm:styleLbl name="solidAlignAcc1">
-    <dgm:fillClrLst meth="repeat">
-      <a:schemeClr val="lt1"/>
-    </dgm:fillClrLst>
-    <dgm:linClrLst meth="repeat">
-      <a:schemeClr val="accent1"/>
-    </dgm:linClrLst>
-    <dgm:effectClrLst/>
-    <dgm:txLinClrLst/>
-    <dgm:txFillClrLst meth="repeat">
-      <a:schemeClr val="dk1"/>
-    </dgm:txFillClrLst>
-    <dgm:txEffectClrLst/>
-  </dgm:styleLbl>
-  <dgm:styleLbl name="solidBgAcc1">
-    <dgm:fillClrLst meth="repeat">
-      <a:schemeClr val="lt1"/>
-    </dgm:fillClrLst>
-    <dgm:linClrLst meth="repeat">
-      <a:schemeClr val="accent1"/>
-    </dgm:linClrLst>
-    <dgm:effectClrLst/>
-    <dgm:txLinClrLst/>
-    <dgm:txFillClrLst meth="repeat">
-      <a:schemeClr val="dk1"/>
-    </dgm:txFillClrLst>
-    <dgm:txEffectClrLst/>
-  </dgm:styleLbl>
-  <dgm:styleLbl name="fgAccFollowNode1">
-    <dgm:fillClrLst meth="repeat">
-      <a:schemeClr val="accent1">
-        <a:alpha val="90000"/>
-        <a:tint val="40000"/>
-      </a:schemeClr>
-    </dgm:fillClrLst>
-    <dgm:linClrLst meth="repeat">
-      <a:schemeClr val="accent1">
-        <a:alpha val="90000"/>
-        <a:tint val="40000"/>
-      </a:schemeClr>
-    </dgm:linClrLst>
-    <dgm:effectClrLst/>
-    <dgm:txLinClrLst/>
-    <dgm:txFillClrLst meth="repeat">
-      <a:schemeClr val="dk1"/>
-    </dgm:txFillClrLst>
-    <dgm:txEffectClrLst/>
-  </dgm:styleLbl>
-  <dgm:styleLbl name="alignAccFollowNode1">
-    <dgm:fillClrLst meth="repeat">
-      <a:schemeClr val="accent1">
-        <a:alpha val="90000"/>
-        <a:tint val="40000"/>
-      </a:schemeClr>
-    </dgm:fillClrLst>
-    <dgm:linClrLst meth="repeat">
-      <a:schemeClr val="accent1">
-        <a:alpha val="90000"/>
-        <a:tint val="40000"/>
-      </a:schemeClr>
-    </dgm:linClrLst>
-    <dgm:effectClrLst/>
-    <dgm:txLinClrLst/>
-    <dgm:txFillClrLst meth="repeat">
-      <a:schemeClr val="dk1"/>
-    </dgm:txFillClrLst>
-    <dgm:txEffectClrLst/>
-  </dgm:styleLbl>
-  <dgm:styleLbl name="bgAccFollowNode1">
-    <dgm:fillClrLst meth="repeat">
-      <a:schemeClr val="accent1">
-        <a:alpha val="90000"/>
-        <a:tint val="40000"/>
-      </a:schemeClr>
-    </dgm:fillClrLst>
-    <dgm:linClrLst meth="repeat">
-      <a:schemeClr val="accent1">
-        <a:alpha val="90000"/>
-        <a:tint val="40000"/>
-      </a:schemeClr>
-    </dgm:linClrLst>
-    <dgm:effectClrLst/>
-    <dgm:txLinClrLst/>
-    <dgm:txFillClrLst meth="repeat">
-      <a:schemeClr val="dk1"/>
-    </dgm:txFillClrLst>
-    <dgm:txEffectClrLst/>
-  </dgm:styleLbl>
-  <dgm:styleLbl name="fgAcc0">
-    <dgm:fillClrLst meth="repeat">
-      <a:schemeClr val="lt1">
-        <a:alpha val="90000"/>
-      </a:schemeClr>
-    </dgm:fillClrLst>
-    <dgm:linClrLst meth="repeat">
-      <a:schemeClr val="accent1"/>
-    </dgm:linClrLst>
-    <dgm:effectClrLst/>
-    <dgm:txLinClrLst/>
-    <dgm:txFillClrLst meth="repeat">
-      <a:schemeClr val="dk1"/>
-    </dgm:txFillClrLst>
-    <dgm:txEffectClrLst/>
-  </dgm:styleLbl>
-  <dgm:styleLbl name="fgAcc2">
-    <dgm:fillClrLst meth="repeat">
-      <a:schemeClr val="lt1">
-        <a:alpha val="90000"/>
-      </a:schemeClr>
-    </dgm:fillClrLst>
-    <dgm:linClrLst meth="repeat">
-      <a:schemeClr val="accent1"/>
-    </dgm:linClrLst>
-    <dgm:effectClrLst/>
-    <dgm:txLinClrLst/>
-    <dgm:txFillClrLst meth="repeat">
-      <a:schemeClr val="dk1"/>
-    </dgm:txFillClrLst>
-    <dgm:txEffectClrLst/>
-  </dgm:styleLbl>
-  <dgm:styleLbl name="fgAcc3">
-    <dgm:fillClrLst meth="repeat">
-      <a:schemeClr val="lt1">
-        <a:alpha val="90000"/>
-      </a:schemeClr>
-    </dgm:fillClrLst>
-    <dgm:linClrLst meth="repeat">
-      <a:schemeClr val="accent1"/>
-    </dgm:linClrLst>
-    <dgm:effectClrLst/>
-    <dgm:txLinClrLst/>
-    <dgm:txFillClrLst meth="repeat">
-      <a:schemeClr val="dk1"/>
-    </dgm:txFillClrLst>
-    <dgm:txEffectClrLst/>
-  </dgm:styleLbl>
-  <dgm:styleLbl name="fgAcc4">
-    <dgm:fillClrLst meth="repeat">
-      <a:schemeClr val="lt1">
-        <a:alpha val="90000"/>
-      </a:schemeClr>
-    </dgm:fillClrLst>
-    <dgm:linClrLst meth="repeat">
-      <a:schemeClr val="accent1"/>
-    </dgm:linClrLst>
-    <dgm:effectClrLst/>
-    <dgm:txLinClrLst/>
-    <dgm:txFillClrLst meth="repeat">
-      <a:schemeClr val="dk1"/>
-    </dgm:txFillClrLst>
-    <dgm:txEffectClrLst/>
-  </dgm:styleLbl>
-  <dgm:styleLbl name="bgShp">
-    <dgm:fillClrLst meth="repeat">
-      <a:schemeClr val="accent1">
-        <a:tint val="40000"/>
-      </a:schemeClr>
-    </dgm:fillClrLst>
-    <dgm:linClrLst meth="repeat">
-      <a:schemeClr val="accent1"/>
-    </dgm:linClrLst>
-    <dgm:effectClrLst/>
-    <dgm:txLinClrLst/>
-    <dgm:txFillClrLst meth="repeat">
-      <a:schemeClr val="dk1"/>
-    </dgm:txFillClrLst>
-    <dgm:txEffectClrLst/>
-  </dgm:styleLbl>
-  <dgm:styleLbl name="dkBgShp">
-    <dgm:fillClrLst meth="repeat">
-      <a:schemeClr val="accent1">
-        <a:shade val="80000"/>
-      </a:schemeClr>
-    </dgm:fillClrLst>
-    <dgm:linClrLst meth="repeat">
-      <a:schemeClr val="accent1"/>
-    </dgm:linClrLst>
-    <dgm:effectClrLst/>
-    <dgm:txLinClrLst/>
-    <dgm:txFillClrLst meth="repeat">
-      <a:schemeClr val="lt1"/>
-    </dgm:txFillClrLst>
-    <dgm:txEffectClrLst/>
-  </dgm:styleLbl>
-  <dgm:styleLbl name="trBgShp">
-    <dgm:fillClrLst meth="repeat">
-      <a:schemeClr val="accent1">
-        <a:tint val="50000"/>
-        <a:alpha val="40000"/>
-      </a:schemeClr>
-    </dgm:fillClrLst>
-    <dgm:linClrLst meth="repeat">
-      <a:schemeClr val="accent1"/>
-    </dgm:linClrLst>
-    <dgm:effectClrLst/>
-    <dgm:txLinClrLst/>
-    <dgm:txFillClrLst meth="repeat">
-      <a:schemeClr val="lt1"/>
-    </dgm:txFillClrLst>
-    <dgm:txEffectClrLst/>
-  </dgm:styleLbl>
-  <dgm:styleLbl name="fgShp">
-    <dgm:fillClrLst meth="repeat">
-      <a:schemeClr val="accent1">
-        <a:tint val="60000"/>
-      </a:schemeClr>
-    </dgm:fillClrLst>
-    <dgm:linClrLst meth="repeat">
-      <a:schemeClr val="lt1"/>
-    </dgm:linClrLst>
-    <dgm:effectClrLst/>
-    <dgm:txLinClrLst/>
-    <dgm:txFillClrLst meth="repeat">
-      <a:schemeClr val="dk1"/>
-    </dgm:txFillClrLst>
-    <dgm:txEffectClrLst/>
-  </dgm:styleLbl>
-  <dgm:styleLbl name="revTx">
-    <dgm:fillClrLst meth="repeat">
-      <a:schemeClr val="lt1">
-        <a:alpha val="0"/>
-      </a:schemeClr>
-    </dgm:fillClrLst>
-    <dgm:linClrLst meth="repeat">
-      <a:schemeClr val="dk1">
-        <a:alpha val="0"/>
-      </a:schemeClr>
-    </dgm:linClrLst>
-    <dgm:effectClrLst/>
-    <dgm:txLinClrLst/>
-    <dgm:txFillClrLst meth="repeat">
-      <a:schemeClr val="tx1"/>
-    </dgm:txFillClrLst>
-    <dgm:txEffectClrLst/>
-  </dgm:styleLbl>
-</dgm:colorsDef>
-</file>
-
 <file path=ppt/diagrams/data1.xml><?xml version="1.0" encoding="utf-8"?>
 <dgm:dataModel xmlns:dgm="http://schemas.openxmlformats.org/drawingml/2006/diagram" xmlns:a="http://schemas.openxmlformats.org/drawingml/2006/main">
   <dgm:ptLst>
@@ -1639,6 +892,11 @@
         <a:bodyPr/>
         <a:lstStyle/>
         <a:p>
+          <a:pPr>
+            <a:lnSpc>
+              <a:spcPct val="100000"/>
+            </a:lnSpc>
+          </a:pPr>
           <a:r>
             <a:rPr lang="en-US" b="0" i="0" u="none" dirty="0"/>
             <a:t>To develop an automated irrigation system for potted plants or small gardens using soil moisture sensors.</a:t>
@@ -1711,6 +969,88 @@
         </a:p>
       </dgm:t>
     </dgm:pt>
+    <dgm:pt modelId="{3509C4EC-0095-4AA7-9B7D-18666178BF82}">
+      <dgm:prSet phldrT="[Text]"/>
+      <dgm:spPr/>
+      <dgm:t>
+        <a:bodyPr/>
+        <a:lstStyle/>
+        <a:p>
+          <a:pPr>
+            <a:lnSpc>
+              <a:spcPct val="100000"/>
+            </a:lnSpc>
+          </a:pPr>
+          <a:r>
+            <a:rPr lang="en-US" dirty="0"/>
+            <a:t>To allow manual and automated control of plant watering via an app.</a:t>
+          </a:r>
+        </a:p>
+      </dgm:t>
+    </dgm:pt>
+    <dgm:pt modelId="{953EF88D-8C61-4C8A-940A-E1AE15215BFB}" type="parTrans" cxnId="{6C15F30F-6A9A-45E3-A884-AA85B318A728}">
+      <dgm:prSet/>
+      <dgm:spPr/>
+      <dgm:t>
+        <a:bodyPr/>
+        <a:lstStyle/>
+        <a:p>
+          <a:endParaRPr lang="en-IN"/>
+        </a:p>
+      </dgm:t>
+    </dgm:pt>
+    <dgm:pt modelId="{26924CC4-8999-4940-BF13-E988E830E2C0}" type="sibTrans" cxnId="{6C15F30F-6A9A-45E3-A884-AA85B318A728}">
+      <dgm:prSet/>
+      <dgm:spPr/>
+      <dgm:t>
+        <a:bodyPr/>
+        <a:lstStyle/>
+        <a:p>
+          <a:endParaRPr lang="en-IN"/>
+        </a:p>
+      </dgm:t>
+    </dgm:pt>
+    <dgm:pt modelId="{B166BCE3-23EB-4489-9CAC-D90EEE7FB57C}">
+      <dgm:prSet phldrT="[Text]"/>
+      <dgm:spPr/>
+      <dgm:t>
+        <a:bodyPr/>
+        <a:lstStyle/>
+        <a:p>
+          <a:pPr>
+            <a:lnSpc>
+              <a:spcPct val="100000"/>
+            </a:lnSpc>
+          </a:pPr>
+          <a:r>
+            <a:rPr lang="en-US" dirty="0"/>
+            <a:t>To be able to view the history of the soil moisture status and the pump status.</a:t>
+          </a:r>
+        </a:p>
+      </dgm:t>
+    </dgm:pt>
+    <dgm:pt modelId="{33C89B44-FEE2-4620-A7F9-FD8D645A7E52}" type="parTrans" cxnId="{1790BAA2-DB75-4336-BDE4-923DA3D6BF96}">
+      <dgm:prSet/>
+      <dgm:spPr/>
+      <dgm:t>
+        <a:bodyPr/>
+        <a:lstStyle/>
+        <a:p>
+          <a:endParaRPr lang="en-IN"/>
+        </a:p>
+      </dgm:t>
+    </dgm:pt>
+    <dgm:pt modelId="{BF700FDD-30BC-4998-83B1-50516293B02D}" type="sibTrans" cxnId="{1790BAA2-DB75-4336-BDE4-923DA3D6BF96}">
+      <dgm:prSet/>
+      <dgm:spPr/>
+      <dgm:t>
+        <a:bodyPr/>
+        <a:lstStyle/>
+        <a:p>
+          <a:endParaRPr lang="en-IN"/>
+        </a:p>
+      </dgm:t>
+    </dgm:pt>
     <dgm:pt modelId="{333BA55A-4FB9-4CDB-BE45-5B2839A9588A}" type="pres">
       <dgm:prSet presAssocID="{C7720856-93F0-4CC7-B7FD-2466914A11D4}" presName="root" presStyleCnt="0">
         <dgm:presLayoutVars>
@@ -1725,11 +1065,11 @@
       <dgm:spPr/>
     </dgm:pt>
     <dgm:pt modelId="{9E0B2482-4830-4D46-8929-F9D2DADF178F}" type="pres">
-      <dgm:prSet presAssocID="{4AF52931-E4CA-4429-AACB-B8747CDB2409}" presName="bgRect" presStyleLbl="bgShp" presStyleIdx="0" presStyleCnt="2"/>
+      <dgm:prSet presAssocID="{4AF52931-E4CA-4429-AACB-B8747CDB2409}" presName="bgRect" presStyleLbl="bgShp" presStyleIdx="0" presStyleCnt="4"/>
       <dgm:spPr/>
     </dgm:pt>
     <dgm:pt modelId="{D1AB7B5A-7CB4-433B-BDAD-61D154FBB639}" type="pres">
-      <dgm:prSet presAssocID="{4AF52931-E4CA-4429-AACB-B8747CDB2409}" presName="iconRect" presStyleLbl="node1" presStyleIdx="0" presStyleCnt="2"/>
+      <dgm:prSet presAssocID="{4AF52931-E4CA-4429-AACB-B8747CDB2409}" presName="iconRect" presStyleLbl="node1" presStyleIdx="0" presStyleCnt="4"/>
       <dgm:spPr>
         <a:blipFill>
           <a:blip xmlns:r="http://schemas.openxmlformats.org/officeDocument/2006/relationships" r:embed="rId1">
@@ -1759,7 +1099,7 @@
       <dgm:spPr/>
     </dgm:pt>
     <dgm:pt modelId="{DC3FF7F7-2836-45AE-B06A-2E337C2233AC}" type="pres">
-      <dgm:prSet presAssocID="{4AF52931-E4CA-4429-AACB-B8747CDB2409}" presName="parTx" presStyleLbl="revTx" presStyleIdx="0" presStyleCnt="2">
+      <dgm:prSet presAssocID="{4AF52931-E4CA-4429-AACB-B8747CDB2409}" presName="parTx" presStyleLbl="revTx" presStyleIdx="0" presStyleCnt="4">
         <dgm:presLayoutVars>
           <dgm:chMax val="0"/>
           <dgm:chPref val="0"/>
@@ -1776,11 +1116,11 @@
       <dgm:spPr/>
     </dgm:pt>
     <dgm:pt modelId="{3A0D703B-098B-4E59-8765-DFD90796F008}" type="pres">
-      <dgm:prSet presAssocID="{81BEB84D-9A77-49C6-9301-B3359FCAC75F}" presName="bgRect" presStyleLbl="bgShp" presStyleIdx="1" presStyleCnt="2"/>
+      <dgm:prSet presAssocID="{81BEB84D-9A77-49C6-9301-B3359FCAC75F}" presName="bgRect" presStyleLbl="bgShp" presStyleIdx="1" presStyleCnt="4"/>
       <dgm:spPr/>
     </dgm:pt>
     <dgm:pt modelId="{F065CC5F-0D7E-438D-A290-6D28C1B3EDF2}" type="pres">
-      <dgm:prSet presAssocID="{81BEB84D-9A77-49C6-9301-B3359FCAC75F}" presName="iconRect" presStyleLbl="node1" presStyleIdx="1" presStyleCnt="2"/>
+      <dgm:prSet presAssocID="{81BEB84D-9A77-49C6-9301-B3359FCAC75F}" presName="iconRect" presStyleLbl="node1" presStyleIdx="1" presStyleCnt="4"/>
       <dgm:spPr>
         <a:blipFill>
           <a:blip xmlns:r="http://schemas.openxmlformats.org/officeDocument/2006/relationships" r:embed="rId3">
@@ -1812,7 +1152,103 @@
       <dgm:spPr/>
     </dgm:pt>
     <dgm:pt modelId="{4CBA5ED1-114D-4BE5-A41A-79565ED13248}" type="pres">
-      <dgm:prSet presAssocID="{81BEB84D-9A77-49C6-9301-B3359FCAC75F}" presName="parTx" presStyleLbl="revTx" presStyleIdx="1" presStyleCnt="2">
+      <dgm:prSet presAssocID="{81BEB84D-9A77-49C6-9301-B3359FCAC75F}" presName="parTx" presStyleLbl="revTx" presStyleIdx="1" presStyleCnt="4">
+        <dgm:presLayoutVars>
+          <dgm:chMax val="0"/>
+          <dgm:chPref val="0"/>
+        </dgm:presLayoutVars>
+      </dgm:prSet>
+      <dgm:spPr/>
+    </dgm:pt>
+    <dgm:pt modelId="{616F23CB-211D-47A0-97F3-725016943991}" type="pres">
+      <dgm:prSet presAssocID="{5D260F18-25D2-4074-87F1-7E78DDA61C58}" presName="sibTrans" presStyleCnt="0"/>
+      <dgm:spPr/>
+    </dgm:pt>
+    <dgm:pt modelId="{5C2E20A5-1B72-46FA-A0F0-6D83709B90C1}" type="pres">
+      <dgm:prSet presAssocID="{3509C4EC-0095-4AA7-9B7D-18666178BF82}" presName="compNode" presStyleCnt="0"/>
+      <dgm:spPr/>
+    </dgm:pt>
+    <dgm:pt modelId="{1CF27F44-8EFC-4852-AF9C-A4DE1F09989B}" type="pres">
+      <dgm:prSet presAssocID="{3509C4EC-0095-4AA7-9B7D-18666178BF82}" presName="bgRect" presStyleLbl="bgShp" presStyleIdx="2" presStyleCnt="4"/>
+      <dgm:spPr/>
+    </dgm:pt>
+    <dgm:pt modelId="{BAB72DE4-40AF-47FE-AFAE-F352000A3D9B}" type="pres">
+      <dgm:prSet presAssocID="{3509C4EC-0095-4AA7-9B7D-18666178BF82}" presName="iconRect" presStyleLbl="node1" presStyleIdx="2" presStyleCnt="4"/>
+      <dgm:spPr>
+        <a:blipFill>
+          <a:blip xmlns:r="http://schemas.openxmlformats.org/officeDocument/2006/relationships" r:embed="rId5">
+            <a:extLst>
+              <a:ext uri="{96DAC541-7B7A-43D3-8B79-37D633B846F1}">
+                <asvg:svgBlip xmlns:asvg="http://schemas.microsoft.com/office/drawing/2016/SVG/main" r:embed="rId6"/>
+              </a:ext>
+            </a:extLst>
+          </a:blip>
+          <a:srcRect/>
+          <a:stretch>
+            <a:fillRect/>
+          </a:stretch>
+        </a:blipFill>
+      </dgm:spPr>
+      <dgm:extLst>
+        <a:ext uri="{E40237B7-FDA0-4F09-8148-C483321AD2D9}">
+          <dgm14:cNvPr xmlns:dgm14="http://schemas.microsoft.com/office/drawing/2010/diagram" id="0" name="" descr="Wireless"/>
+        </a:ext>
+      </dgm:extLst>
+    </dgm:pt>
+    <dgm:pt modelId="{EC26DD9B-F4F0-4BD8-B25C-EB63915B1503}" type="pres">
+      <dgm:prSet presAssocID="{3509C4EC-0095-4AA7-9B7D-18666178BF82}" presName="spaceRect" presStyleCnt="0"/>
+      <dgm:spPr/>
+    </dgm:pt>
+    <dgm:pt modelId="{E3FF7277-330C-40BA-AB7E-7D9F8C5B63C2}" type="pres">
+      <dgm:prSet presAssocID="{3509C4EC-0095-4AA7-9B7D-18666178BF82}" presName="parTx" presStyleLbl="revTx" presStyleIdx="2" presStyleCnt="4">
+        <dgm:presLayoutVars>
+          <dgm:chMax val="0"/>
+          <dgm:chPref val="0"/>
+        </dgm:presLayoutVars>
+      </dgm:prSet>
+      <dgm:spPr/>
+    </dgm:pt>
+    <dgm:pt modelId="{5D46781B-A323-4DCB-80F0-16E59FC8C87E}" type="pres">
+      <dgm:prSet presAssocID="{26924CC4-8999-4940-BF13-E988E830E2C0}" presName="sibTrans" presStyleCnt="0"/>
+      <dgm:spPr/>
+    </dgm:pt>
+    <dgm:pt modelId="{BA106692-A4FC-44CB-8D6C-B038493E8FA4}" type="pres">
+      <dgm:prSet presAssocID="{B166BCE3-23EB-4489-9CAC-D90EEE7FB57C}" presName="compNode" presStyleCnt="0"/>
+      <dgm:spPr/>
+    </dgm:pt>
+    <dgm:pt modelId="{10C8851B-B8F0-4B8E-B46D-399DCD76EA8C}" type="pres">
+      <dgm:prSet presAssocID="{B166BCE3-23EB-4489-9CAC-D90EEE7FB57C}" presName="bgRect" presStyleLbl="bgShp" presStyleIdx="3" presStyleCnt="4"/>
+      <dgm:spPr/>
+    </dgm:pt>
+    <dgm:pt modelId="{AA5CF857-EAD2-496E-AAFB-F8F8B04CE56D}" type="pres">
+      <dgm:prSet presAssocID="{B166BCE3-23EB-4489-9CAC-D90EEE7FB57C}" presName="iconRect" presStyleLbl="node1" presStyleIdx="3" presStyleCnt="4"/>
+      <dgm:spPr>
+        <a:blipFill>
+          <a:blip xmlns:r="http://schemas.openxmlformats.org/officeDocument/2006/relationships" r:embed="rId7">
+            <a:extLst>
+              <a:ext uri="{96DAC541-7B7A-43D3-8B79-37D633B846F1}">
+                <asvg:svgBlip xmlns:asvg="http://schemas.microsoft.com/office/drawing/2016/SVG/main" r:embed="rId8"/>
+              </a:ext>
+            </a:extLst>
+          </a:blip>
+          <a:srcRect/>
+          <a:stretch>
+            <a:fillRect/>
+          </a:stretch>
+        </a:blipFill>
+      </dgm:spPr>
+      <dgm:extLst>
+        <a:ext uri="{E40237B7-FDA0-4F09-8148-C483321AD2D9}">
+          <dgm14:cNvPr xmlns:dgm14="http://schemas.microsoft.com/office/drawing/2010/diagram" id="0" name="" descr="Upward trend"/>
+        </a:ext>
+      </dgm:extLst>
+    </dgm:pt>
+    <dgm:pt modelId="{49FEE254-B95F-490C-9469-7A4A7698C4A8}" type="pres">
+      <dgm:prSet presAssocID="{B166BCE3-23EB-4489-9CAC-D90EEE7FB57C}" presName="spaceRect" presStyleCnt="0"/>
+      <dgm:spPr/>
+    </dgm:pt>
+    <dgm:pt modelId="{C4B89530-1D96-4FE4-8FF2-5FD8D3B4D0F6}" type="pres">
+      <dgm:prSet presAssocID="{B166BCE3-23EB-4489-9CAC-D90EEE7FB57C}" presName="parTx" presStyleLbl="revTx" presStyleIdx="3" presStyleCnt="4">
         <dgm:presLayoutVars>
           <dgm:chMax val="0"/>
           <dgm:chPref val="0"/>
@@ -1823,9 +1259,13 @@
   </dgm:ptLst>
   <dgm:cxnLst>
     <dgm:cxn modelId="{063EE20D-F15A-4699-8713-589FF62B5DDF}" type="presOf" srcId="{4AF52931-E4CA-4429-AACB-B8747CDB2409}" destId="{DC3FF7F7-2836-45AE-B06A-2E337C2233AC}" srcOrd="0" destOrd="0" presId="urn:microsoft.com/office/officeart/2018/2/layout/IconVerticalSolidList"/>
+    <dgm:cxn modelId="{6C15F30F-6A9A-45E3-A884-AA85B318A728}" srcId="{C7720856-93F0-4CC7-B7FD-2466914A11D4}" destId="{3509C4EC-0095-4AA7-9B7D-18666178BF82}" srcOrd="2" destOrd="0" parTransId="{953EF88D-8C61-4C8A-940A-E1AE15215BFB}" sibTransId="{26924CC4-8999-4940-BF13-E988E830E2C0}"/>
     <dgm:cxn modelId="{90A3AE9C-7EDA-4EDC-9AFA-1A3CBA52AC92}" type="presOf" srcId="{81BEB84D-9A77-49C6-9301-B3359FCAC75F}" destId="{4CBA5ED1-114D-4BE5-A41A-79565ED13248}" srcOrd="0" destOrd="0" presId="urn:microsoft.com/office/officeart/2018/2/layout/IconVerticalSolidList"/>
+    <dgm:cxn modelId="{1790BAA2-DB75-4336-BDE4-923DA3D6BF96}" srcId="{C7720856-93F0-4CC7-B7FD-2466914A11D4}" destId="{B166BCE3-23EB-4489-9CAC-D90EEE7FB57C}" srcOrd="3" destOrd="0" parTransId="{33C89B44-FEE2-4620-A7F9-FD8D645A7E52}" sibTransId="{BF700FDD-30BC-4998-83B1-50516293B02D}"/>
+    <dgm:cxn modelId="{390AFFB2-65BD-469C-8033-FF9377E5EE07}" type="presOf" srcId="{B166BCE3-23EB-4489-9CAC-D90EEE7FB57C}" destId="{C4B89530-1D96-4FE4-8FF2-5FD8D3B4D0F6}" srcOrd="0" destOrd="0" presId="urn:microsoft.com/office/officeart/2018/2/layout/IconVerticalSolidList"/>
     <dgm:cxn modelId="{420EF6C4-7321-43BE-A2FC-253606B1E06A}" srcId="{C7720856-93F0-4CC7-B7FD-2466914A11D4}" destId="{81BEB84D-9A77-49C6-9301-B3359FCAC75F}" srcOrd="1" destOrd="0" parTransId="{AE4D0D43-0332-4F79-8D35-BCD8C10758AE}" sibTransId="{5D260F18-25D2-4074-87F1-7E78DDA61C58}"/>
     <dgm:cxn modelId="{F82329C8-C3B2-4E9B-9033-528488D72705}" srcId="{C7720856-93F0-4CC7-B7FD-2466914A11D4}" destId="{4AF52931-E4CA-4429-AACB-B8747CDB2409}" srcOrd="0" destOrd="0" parTransId="{67B2FC97-2FAE-4EFE-9DEE-E4216C657F35}" sibTransId="{D86AF01C-9CBC-41F8-9354-48CD82BDFDC9}"/>
+    <dgm:cxn modelId="{1470EDC9-54DF-4D53-8480-109DE7963531}" type="presOf" srcId="{3509C4EC-0095-4AA7-9B7D-18666178BF82}" destId="{E3FF7277-330C-40BA-AB7E-7D9F8C5B63C2}" srcOrd="0" destOrd="0" presId="urn:microsoft.com/office/officeart/2018/2/layout/IconVerticalSolidList"/>
     <dgm:cxn modelId="{5D25EDCD-23D4-4BDB-8CF3-68BB138857BA}" type="presOf" srcId="{C7720856-93F0-4CC7-B7FD-2466914A11D4}" destId="{333BA55A-4FB9-4CDB-BE45-5B2839A9588A}" srcOrd="0" destOrd="0" presId="urn:microsoft.com/office/officeart/2018/2/layout/IconVerticalSolidList"/>
     <dgm:cxn modelId="{24215397-9BF3-43BD-8BE6-B67C43C17BB4}" type="presParOf" srcId="{333BA55A-4FB9-4CDB-BE45-5B2839A9588A}" destId="{4130BD56-E415-4C77-B902-1C7745EECC0A}" srcOrd="0" destOrd="0" presId="urn:microsoft.com/office/officeart/2018/2/layout/IconVerticalSolidList"/>
     <dgm:cxn modelId="{71409055-5E4C-45F9-8F81-0404D1F52BB5}" type="presParOf" srcId="{4130BD56-E415-4C77-B902-1C7745EECC0A}" destId="{9E0B2482-4830-4D46-8929-F9D2DADF178F}" srcOrd="0" destOrd="0" presId="urn:microsoft.com/office/officeart/2018/2/layout/IconVerticalSolidList"/>
@@ -1838,410 +1278,24 @@
     <dgm:cxn modelId="{61EC41A3-02C7-4A47-B293-CE1F62322095}" type="presParOf" srcId="{FCE925AA-5329-46CB-93D2-5C01F58583CE}" destId="{F065CC5F-0D7E-438D-A290-6D28C1B3EDF2}" srcOrd="1" destOrd="0" presId="urn:microsoft.com/office/officeart/2018/2/layout/IconVerticalSolidList"/>
     <dgm:cxn modelId="{349689AD-CDE3-4FB9-AFB4-0DCCB109A4B2}" type="presParOf" srcId="{FCE925AA-5329-46CB-93D2-5C01F58583CE}" destId="{FCFDB9D5-350E-4BFF-92DC-C71BD2A82972}" srcOrd="2" destOrd="0" presId="urn:microsoft.com/office/officeart/2018/2/layout/IconVerticalSolidList"/>
     <dgm:cxn modelId="{7CBAFDAF-2BE7-4CB2-A164-F487FC642633}" type="presParOf" srcId="{FCE925AA-5329-46CB-93D2-5C01F58583CE}" destId="{4CBA5ED1-114D-4BE5-A41A-79565ED13248}" srcOrd="3" destOrd="0" presId="urn:microsoft.com/office/officeart/2018/2/layout/IconVerticalSolidList"/>
+    <dgm:cxn modelId="{4657F02D-5077-4A88-9235-DD9D3B5ECA8B}" type="presParOf" srcId="{333BA55A-4FB9-4CDB-BE45-5B2839A9588A}" destId="{616F23CB-211D-47A0-97F3-725016943991}" srcOrd="3" destOrd="0" presId="urn:microsoft.com/office/officeart/2018/2/layout/IconVerticalSolidList"/>
+    <dgm:cxn modelId="{DDFFF28B-FEB4-45C9-8931-3BA0701889D8}" type="presParOf" srcId="{333BA55A-4FB9-4CDB-BE45-5B2839A9588A}" destId="{5C2E20A5-1B72-46FA-A0F0-6D83709B90C1}" srcOrd="4" destOrd="0" presId="urn:microsoft.com/office/officeart/2018/2/layout/IconVerticalSolidList"/>
+    <dgm:cxn modelId="{509C8C97-5B44-4A55-BB63-BAC7056A093D}" type="presParOf" srcId="{5C2E20A5-1B72-46FA-A0F0-6D83709B90C1}" destId="{1CF27F44-8EFC-4852-AF9C-A4DE1F09989B}" srcOrd="0" destOrd="0" presId="urn:microsoft.com/office/officeart/2018/2/layout/IconVerticalSolidList"/>
+    <dgm:cxn modelId="{879A2A99-FF9A-48E7-BDE1-69C6093A9A37}" type="presParOf" srcId="{5C2E20A5-1B72-46FA-A0F0-6D83709B90C1}" destId="{BAB72DE4-40AF-47FE-AFAE-F352000A3D9B}" srcOrd="1" destOrd="0" presId="urn:microsoft.com/office/officeart/2018/2/layout/IconVerticalSolidList"/>
+    <dgm:cxn modelId="{A0A6D0FD-B797-4DB0-AE98-4C6441623257}" type="presParOf" srcId="{5C2E20A5-1B72-46FA-A0F0-6D83709B90C1}" destId="{EC26DD9B-F4F0-4BD8-B25C-EB63915B1503}" srcOrd="2" destOrd="0" presId="urn:microsoft.com/office/officeart/2018/2/layout/IconVerticalSolidList"/>
+    <dgm:cxn modelId="{E08C81CC-43A5-4D18-BA6D-EC50060B4715}" type="presParOf" srcId="{5C2E20A5-1B72-46FA-A0F0-6D83709B90C1}" destId="{E3FF7277-330C-40BA-AB7E-7D9F8C5B63C2}" srcOrd="3" destOrd="0" presId="urn:microsoft.com/office/officeart/2018/2/layout/IconVerticalSolidList"/>
+    <dgm:cxn modelId="{5AE8F2E3-A575-4302-B54E-FD33E8661ACE}" type="presParOf" srcId="{333BA55A-4FB9-4CDB-BE45-5B2839A9588A}" destId="{5D46781B-A323-4DCB-80F0-16E59FC8C87E}" srcOrd="5" destOrd="0" presId="urn:microsoft.com/office/officeart/2018/2/layout/IconVerticalSolidList"/>
+    <dgm:cxn modelId="{F2D2B5EF-1539-481A-8485-5285615A13D4}" type="presParOf" srcId="{333BA55A-4FB9-4CDB-BE45-5B2839A9588A}" destId="{BA106692-A4FC-44CB-8D6C-B038493E8FA4}" srcOrd="6" destOrd="0" presId="urn:microsoft.com/office/officeart/2018/2/layout/IconVerticalSolidList"/>
+    <dgm:cxn modelId="{EF7CF9D0-06D4-4FF8-A12C-E34A355A5DAF}" type="presParOf" srcId="{BA106692-A4FC-44CB-8D6C-B038493E8FA4}" destId="{10C8851B-B8F0-4B8E-B46D-399DCD76EA8C}" srcOrd="0" destOrd="0" presId="urn:microsoft.com/office/officeart/2018/2/layout/IconVerticalSolidList"/>
+    <dgm:cxn modelId="{CABC5ACF-35BF-4053-841F-2032A5C7F986}" type="presParOf" srcId="{BA106692-A4FC-44CB-8D6C-B038493E8FA4}" destId="{AA5CF857-EAD2-496E-AAFB-F8F8B04CE56D}" srcOrd="1" destOrd="0" presId="urn:microsoft.com/office/officeart/2018/2/layout/IconVerticalSolidList"/>
+    <dgm:cxn modelId="{C314ECC1-A2B9-47BB-A7FC-AADBA4CA3749}" type="presParOf" srcId="{BA106692-A4FC-44CB-8D6C-B038493E8FA4}" destId="{49FEE254-B95F-490C-9469-7A4A7698C4A8}" srcOrd="2" destOrd="0" presId="urn:microsoft.com/office/officeart/2018/2/layout/IconVerticalSolidList"/>
+    <dgm:cxn modelId="{EE344671-5012-4FB4-83BB-08F90A12DB0A}" type="presParOf" srcId="{BA106692-A4FC-44CB-8D6C-B038493E8FA4}" destId="{C4B89530-1D96-4FE4-8FF2-5FD8D3B4D0F6}" srcOrd="3" destOrd="0" presId="urn:microsoft.com/office/officeart/2018/2/layout/IconVerticalSolidList"/>
   </dgm:cxnLst>
   <dgm:bg/>
   <dgm:whole/>
   <dgm:extLst>
     <a:ext uri="http://schemas.microsoft.com/office/drawing/2008/diagram">
       <dsp:dataModelExt xmlns:dsp="http://schemas.microsoft.com/office/drawing/2008/diagram" relId="rId8" minVer="http://schemas.openxmlformats.org/drawingml/2006/diagram"/>
-    </a:ext>
-  </dgm:extLst>
-</dgm:dataModel>
-</file>
-
-<file path=ppt/diagrams/data2.xml><?xml version="1.0" encoding="utf-8"?>
-<dgm:dataModel xmlns:dgm="http://schemas.openxmlformats.org/drawingml/2006/diagram" xmlns:a="http://schemas.openxmlformats.org/drawingml/2006/main">
-  <dgm:ptLst>
-    <dgm:pt modelId="{71EBD32D-BC3F-499A-96DD-08DCDF5CF0F9}" type="doc">
-      <dgm:prSet loTypeId="urn:microsoft.com/office/officeart/2005/8/layout/StepDownProcess" loCatId="process" qsTypeId="urn:microsoft.com/office/officeart/2005/8/quickstyle/3d1" qsCatId="3D" csTypeId="urn:microsoft.com/office/officeart/2005/8/colors/accent1_2" csCatId="accent1" phldr="1"/>
-      <dgm:spPr/>
-      <dgm:t>
-        <a:bodyPr/>
-        <a:lstStyle/>
-        <a:p>
-          <a:endParaRPr lang="en-IN"/>
-        </a:p>
-      </dgm:t>
-    </dgm:pt>
-    <dgm:pt modelId="{CEFC49C7-8960-42C7-AC26-2974D79D9CC8}">
-      <dgm:prSet/>
-      <dgm:spPr/>
-      <dgm:t>
-        <a:bodyPr/>
-        <a:lstStyle/>
-        <a:p>
-          <a:r>
-            <a:rPr lang="en-US" b="1" i="0" baseline="0" dirty="0"/>
-            <a:t>The sensor continuously monitors soil moisture.</a:t>
-          </a:r>
-          <a:endParaRPr lang="en-IN" b="1" dirty="0"/>
-        </a:p>
-      </dgm:t>
-    </dgm:pt>
-    <dgm:pt modelId="{4D3D3444-EA58-4010-8125-D556DF70B77C}" type="parTrans" cxnId="{FF2E1A04-1C85-4DC5-9177-4F4BCCDD0A01}">
-      <dgm:prSet/>
-      <dgm:spPr/>
-      <dgm:t>
-        <a:bodyPr/>
-        <a:lstStyle/>
-        <a:p>
-          <a:endParaRPr lang="en-IN"/>
-        </a:p>
-      </dgm:t>
-    </dgm:pt>
-    <dgm:pt modelId="{74865795-D3DC-4E79-8568-8BE1C6009721}" type="sibTrans" cxnId="{FF2E1A04-1C85-4DC5-9177-4F4BCCDD0A01}">
-      <dgm:prSet/>
-      <dgm:spPr/>
-      <dgm:t>
-        <a:bodyPr/>
-        <a:lstStyle/>
-        <a:p>
-          <a:endParaRPr lang="en-IN"/>
-        </a:p>
-      </dgm:t>
-    </dgm:pt>
-    <dgm:pt modelId="{2A5B6DD9-62AF-4AED-90E9-FFD83F650BA6}">
-      <dgm:prSet/>
-      <dgm:spPr/>
-      <dgm:t>
-        <a:bodyPr/>
-        <a:lstStyle/>
-        <a:p>
-          <a:r>
-            <a:rPr lang="en-US" b="1" i="0" baseline="0"/>
-            <a:t>The Arduino reads the sensor’s analog output and compares it to a predefined threshold.</a:t>
-          </a:r>
-          <a:endParaRPr lang="en-IN" b="1" dirty="0"/>
-        </a:p>
-      </dgm:t>
-    </dgm:pt>
-    <dgm:pt modelId="{BC54808A-2F94-45E1-96FD-AAE8BA56694C}" type="parTrans" cxnId="{34FBE6B3-2F74-44E9-87BE-14AD660B754C}">
-      <dgm:prSet/>
-      <dgm:spPr/>
-      <dgm:t>
-        <a:bodyPr/>
-        <a:lstStyle/>
-        <a:p>
-          <a:endParaRPr lang="en-IN"/>
-        </a:p>
-      </dgm:t>
-    </dgm:pt>
-    <dgm:pt modelId="{1A6C9EA0-90D3-4E4F-8915-189E0C1F0568}" type="sibTrans" cxnId="{34FBE6B3-2F74-44E9-87BE-14AD660B754C}">
-      <dgm:prSet/>
-      <dgm:spPr/>
-      <dgm:t>
-        <a:bodyPr/>
-        <a:lstStyle/>
-        <a:p>
-          <a:endParaRPr lang="en-IN"/>
-        </a:p>
-      </dgm:t>
-    </dgm:pt>
-    <dgm:pt modelId="{9CCCEF9E-A882-49CC-AD5B-FDF96F49D6CA}">
-      <dgm:prSet/>
-      <dgm:spPr/>
-      <dgm:t>
-        <a:bodyPr/>
-        <a:lstStyle/>
-        <a:p>
-          <a:r>
-            <a:rPr lang="en-US" b="1" i="0" baseline="0" dirty="0"/>
-            <a:t>If the soil is too dry (below the threshold), the Arduino sends a digital signal to the relay.</a:t>
-          </a:r>
-          <a:endParaRPr lang="en-IN" b="1" dirty="0"/>
-        </a:p>
-      </dgm:t>
-    </dgm:pt>
-    <dgm:pt modelId="{FB0833A3-3744-4854-AEF8-83B5EB5DEA19}" type="parTrans" cxnId="{39DB33B8-4E39-46F1-8397-F02699BD3E8F}">
-      <dgm:prSet/>
-      <dgm:spPr/>
-      <dgm:t>
-        <a:bodyPr/>
-        <a:lstStyle/>
-        <a:p>
-          <a:endParaRPr lang="en-IN"/>
-        </a:p>
-      </dgm:t>
-    </dgm:pt>
-    <dgm:pt modelId="{303B6A74-DA99-4297-A099-3AC7B6667D99}" type="sibTrans" cxnId="{39DB33B8-4E39-46F1-8397-F02699BD3E8F}">
-      <dgm:prSet/>
-      <dgm:spPr/>
-      <dgm:t>
-        <a:bodyPr/>
-        <a:lstStyle/>
-        <a:p>
-          <a:endParaRPr lang="en-IN"/>
-        </a:p>
-      </dgm:t>
-    </dgm:pt>
-    <dgm:pt modelId="{CA49CEDF-76B2-4459-8445-72E2D2F09207}">
-      <dgm:prSet/>
-      <dgm:spPr/>
-      <dgm:t>
-        <a:bodyPr/>
-        <a:lstStyle/>
-        <a:p>
-          <a:r>
-            <a:rPr lang="en-US" b="1" i="0" baseline="0" dirty="0"/>
-            <a:t>The relay then closes the circuit, powering the water pump to water the plants</a:t>
-          </a:r>
-          <a:endParaRPr lang="en-IN" b="1" dirty="0"/>
-        </a:p>
-      </dgm:t>
-    </dgm:pt>
-    <dgm:pt modelId="{FE237B9F-8E99-4152-B612-C554D74AFE60}" type="parTrans" cxnId="{8FEA9107-3370-4FF6-8B71-2D8B358C6DF8}">
-      <dgm:prSet/>
-      <dgm:spPr/>
-      <dgm:t>
-        <a:bodyPr/>
-        <a:lstStyle/>
-        <a:p>
-          <a:endParaRPr lang="en-IN"/>
-        </a:p>
-      </dgm:t>
-    </dgm:pt>
-    <dgm:pt modelId="{D10948B6-EB94-454E-B130-AA877A89B4F2}" type="sibTrans" cxnId="{8FEA9107-3370-4FF6-8B71-2D8B358C6DF8}">
-      <dgm:prSet/>
-      <dgm:spPr/>
-      <dgm:t>
-        <a:bodyPr/>
-        <a:lstStyle/>
-        <a:p>
-          <a:endParaRPr lang="en-IN"/>
-        </a:p>
-      </dgm:t>
-    </dgm:pt>
-    <dgm:pt modelId="{8390DA71-AD6C-48BE-9E31-3CCC6BE4939B}">
-      <dgm:prSet custT="1"/>
-      <dgm:spPr/>
-      <dgm:t>
-        <a:bodyPr/>
-        <a:lstStyle/>
-        <a:p>
-          <a:r>
-            <a:rPr lang="en-US" sz="1400" b="1" i="0" baseline="0" dirty="0"/>
-            <a:t>Once the soil reaches an adequate moisture level, the Arduino stops the signal, the relay opens, and the pump turns off. </a:t>
-          </a:r>
-          <a:endParaRPr lang="en-IN" sz="1400" b="1" dirty="0"/>
-        </a:p>
-      </dgm:t>
-    </dgm:pt>
-    <dgm:pt modelId="{033A1908-6D4B-4B03-9A21-E6F47D5736BC}" type="parTrans" cxnId="{34EEE20F-122E-41DC-8615-C51DCCC8F2FB}">
-      <dgm:prSet/>
-      <dgm:spPr/>
-      <dgm:t>
-        <a:bodyPr/>
-        <a:lstStyle/>
-        <a:p>
-          <a:endParaRPr lang="en-IN"/>
-        </a:p>
-      </dgm:t>
-    </dgm:pt>
-    <dgm:pt modelId="{EF543AC4-52D7-48B7-BA9F-E7DE163EF479}" type="sibTrans" cxnId="{34EEE20F-122E-41DC-8615-C51DCCC8F2FB}">
-      <dgm:prSet/>
-      <dgm:spPr/>
-      <dgm:t>
-        <a:bodyPr/>
-        <a:lstStyle/>
-        <a:p>
-          <a:endParaRPr lang="en-IN"/>
-        </a:p>
-      </dgm:t>
-    </dgm:pt>
-    <dgm:pt modelId="{01434D6A-0617-4B14-8AC9-93E004FBA831}" type="pres">
-      <dgm:prSet presAssocID="{71EBD32D-BC3F-499A-96DD-08DCDF5CF0F9}" presName="rootnode" presStyleCnt="0">
-        <dgm:presLayoutVars>
-          <dgm:chMax/>
-          <dgm:chPref/>
-          <dgm:dir/>
-          <dgm:animLvl val="lvl"/>
-        </dgm:presLayoutVars>
-      </dgm:prSet>
-      <dgm:spPr/>
-    </dgm:pt>
-    <dgm:pt modelId="{08FEB9C2-5039-4E57-8AD8-CFFD1512482C}" type="pres">
-      <dgm:prSet presAssocID="{CEFC49C7-8960-42C7-AC26-2974D79D9CC8}" presName="composite" presStyleCnt="0"/>
-      <dgm:spPr/>
-    </dgm:pt>
-    <dgm:pt modelId="{13FA9986-DFEB-490F-8D2E-EC643195BEC7}" type="pres">
-      <dgm:prSet presAssocID="{CEFC49C7-8960-42C7-AC26-2974D79D9CC8}" presName="bentUpArrow1" presStyleLbl="alignImgPlace1" presStyleIdx="0" presStyleCnt="4" custLinFactNeighborX="-60175" custLinFactNeighborY="-1489"/>
-      <dgm:spPr/>
-    </dgm:pt>
-    <dgm:pt modelId="{1920FCED-B454-4790-95A9-5A869BC8F94B}" type="pres">
-      <dgm:prSet presAssocID="{CEFC49C7-8960-42C7-AC26-2974D79D9CC8}" presName="ParentText" presStyleLbl="node1" presStyleIdx="0" presStyleCnt="5" custScaleX="353505" custLinFactNeighborX="36272">
-        <dgm:presLayoutVars>
-          <dgm:chMax val="1"/>
-          <dgm:chPref val="1"/>
-          <dgm:bulletEnabled val="1"/>
-        </dgm:presLayoutVars>
-      </dgm:prSet>
-      <dgm:spPr/>
-    </dgm:pt>
-    <dgm:pt modelId="{908574FD-2078-4355-B468-A2B6F4B14769}" type="pres">
-      <dgm:prSet presAssocID="{CEFC49C7-8960-42C7-AC26-2974D79D9CC8}" presName="ChildText" presStyleLbl="revTx" presStyleIdx="0" presStyleCnt="4">
-        <dgm:presLayoutVars>
-          <dgm:chMax val="0"/>
-          <dgm:chPref val="0"/>
-          <dgm:bulletEnabled val="1"/>
-        </dgm:presLayoutVars>
-      </dgm:prSet>
-      <dgm:spPr/>
-    </dgm:pt>
-    <dgm:pt modelId="{F0258A3F-E4EE-4DDA-B677-DEE59E3B399F}" type="pres">
-      <dgm:prSet presAssocID="{74865795-D3DC-4E79-8568-8BE1C6009721}" presName="sibTrans" presStyleCnt="0"/>
-      <dgm:spPr/>
-    </dgm:pt>
-    <dgm:pt modelId="{44E30CF3-29D9-4146-85A6-9C3370873A1B}" type="pres">
-      <dgm:prSet presAssocID="{2A5B6DD9-62AF-4AED-90E9-FFD83F650BA6}" presName="composite" presStyleCnt="0"/>
-      <dgm:spPr/>
-    </dgm:pt>
-    <dgm:pt modelId="{AAFF5B55-3FFA-4B79-A45A-4AC41A3B2431}" type="pres">
-      <dgm:prSet presAssocID="{2A5B6DD9-62AF-4AED-90E9-FFD83F650BA6}" presName="bentUpArrow1" presStyleLbl="alignImgPlace1" presStyleIdx="1" presStyleCnt="4" custLinFactX="-51746" custLinFactNeighborX="-100000" custLinFactNeighborY="4468"/>
-      <dgm:spPr/>
-    </dgm:pt>
-    <dgm:pt modelId="{EA88AB25-7535-47E4-B473-7F2E2C1F2B60}" type="pres">
-      <dgm:prSet presAssocID="{2A5B6DD9-62AF-4AED-90E9-FFD83F650BA6}" presName="ParentText" presStyleLbl="node1" presStyleIdx="1" presStyleCnt="5" custScaleX="482910">
-        <dgm:presLayoutVars>
-          <dgm:chMax val="1"/>
-          <dgm:chPref val="1"/>
-          <dgm:bulletEnabled val="1"/>
-        </dgm:presLayoutVars>
-      </dgm:prSet>
-      <dgm:spPr/>
-    </dgm:pt>
-    <dgm:pt modelId="{3256E5CC-A88E-4332-9432-85E142F4ACCB}" type="pres">
-      <dgm:prSet presAssocID="{2A5B6DD9-62AF-4AED-90E9-FFD83F650BA6}" presName="ChildText" presStyleLbl="revTx" presStyleIdx="1" presStyleCnt="4">
-        <dgm:presLayoutVars>
-          <dgm:chMax val="0"/>
-          <dgm:chPref val="0"/>
-          <dgm:bulletEnabled val="1"/>
-        </dgm:presLayoutVars>
-      </dgm:prSet>
-      <dgm:spPr/>
-    </dgm:pt>
-    <dgm:pt modelId="{C1952814-DFF7-43FD-A094-8627C7021E38}" type="pres">
-      <dgm:prSet presAssocID="{1A6C9EA0-90D3-4E4F-8915-189E0C1F0568}" presName="sibTrans" presStyleCnt="0"/>
-      <dgm:spPr/>
-    </dgm:pt>
-    <dgm:pt modelId="{A9781109-CB76-49B3-923F-16297CA54EA6}" type="pres">
-      <dgm:prSet presAssocID="{9CCCEF9E-A882-49CC-AD5B-FDF96F49D6CA}" presName="composite" presStyleCnt="0"/>
-      <dgm:spPr/>
-    </dgm:pt>
-    <dgm:pt modelId="{D35C0976-D6D1-4B1A-AE5B-C6B58936E390}" type="pres">
-      <dgm:prSet presAssocID="{9CCCEF9E-A882-49CC-AD5B-FDF96F49D6CA}" presName="bentUpArrow1" presStyleLbl="alignImgPlace1" presStyleIdx="2" presStyleCnt="4" custLinFactX="-39384" custLinFactNeighborX="-100000" custLinFactNeighborY="0"/>
-      <dgm:spPr/>
-    </dgm:pt>
-    <dgm:pt modelId="{F9BD109C-A988-40EF-A59D-E225FA7C1D44}" type="pres">
-      <dgm:prSet presAssocID="{9CCCEF9E-A882-49CC-AD5B-FDF96F49D6CA}" presName="ParentText" presStyleLbl="node1" presStyleIdx="2" presStyleCnt="5" custScaleX="467339">
-        <dgm:presLayoutVars>
-          <dgm:chMax val="1"/>
-          <dgm:chPref val="1"/>
-          <dgm:bulletEnabled val="1"/>
-        </dgm:presLayoutVars>
-      </dgm:prSet>
-      <dgm:spPr/>
-    </dgm:pt>
-    <dgm:pt modelId="{01061652-FFCA-47BF-8505-15B6CD40A66E}" type="pres">
-      <dgm:prSet presAssocID="{9CCCEF9E-A882-49CC-AD5B-FDF96F49D6CA}" presName="ChildText" presStyleLbl="revTx" presStyleIdx="2" presStyleCnt="4">
-        <dgm:presLayoutVars>
-          <dgm:chMax val="0"/>
-          <dgm:chPref val="0"/>
-          <dgm:bulletEnabled val="1"/>
-        </dgm:presLayoutVars>
-      </dgm:prSet>
-      <dgm:spPr/>
-    </dgm:pt>
-    <dgm:pt modelId="{85B65BBB-91A7-41A5-BCD9-7E98E08F226D}" type="pres">
-      <dgm:prSet presAssocID="{303B6A74-DA99-4297-A099-3AC7B6667D99}" presName="sibTrans" presStyleCnt="0"/>
-      <dgm:spPr/>
-    </dgm:pt>
-    <dgm:pt modelId="{06FBE7AF-CF99-4B9E-ABF3-8492B39FA0A9}" type="pres">
-      <dgm:prSet presAssocID="{CA49CEDF-76B2-4459-8445-72E2D2F09207}" presName="composite" presStyleCnt="0"/>
-      <dgm:spPr/>
-    </dgm:pt>
-    <dgm:pt modelId="{787F9365-37F5-4B8C-BC4E-0E0667E7CE3D}" type="pres">
-      <dgm:prSet presAssocID="{CA49CEDF-76B2-4459-8445-72E2D2F09207}" presName="bentUpArrow1" presStyleLbl="alignImgPlace1" presStyleIdx="3" presStyleCnt="4" custLinFactNeighborX="-95495" custLinFactNeighborY="1489"/>
-      <dgm:spPr/>
-    </dgm:pt>
-    <dgm:pt modelId="{F79281A6-6BE1-4A4B-B729-A1D7A75BC437}" type="pres">
-      <dgm:prSet presAssocID="{CA49CEDF-76B2-4459-8445-72E2D2F09207}" presName="ParentText" presStyleLbl="node1" presStyleIdx="3" presStyleCnt="5" custScaleX="384532">
-        <dgm:presLayoutVars>
-          <dgm:chMax val="1"/>
-          <dgm:chPref val="1"/>
-          <dgm:bulletEnabled val="1"/>
-        </dgm:presLayoutVars>
-      </dgm:prSet>
-      <dgm:spPr/>
-    </dgm:pt>
-    <dgm:pt modelId="{3A9DCFED-AD95-465A-B9B5-B2D90E29F581}" type="pres">
-      <dgm:prSet presAssocID="{CA49CEDF-76B2-4459-8445-72E2D2F09207}" presName="ChildText" presStyleLbl="revTx" presStyleIdx="3" presStyleCnt="4">
-        <dgm:presLayoutVars>
-          <dgm:chMax val="0"/>
-          <dgm:chPref val="0"/>
-          <dgm:bulletEnabled val="1"/>
-        </dgm:presLayoutVars>
-      </dgm:prSet>
-      <dgm:spPr/>
-    </dgm:pt>
-    <dgm:pt modelId="{6EE3C317-9520-48C5-87F5-AE606B84FEAB}" type="pres">
-      <dgm:prSet presAssocID="{D10948B6-EB94-454E-B130-AA877A89B4F2}" presName="sibTrans" presStyleCnt="0"/>
-      <dgm:spPr/>
-    </dgm:pt>
-    <dgm:pt modelId="{EF470B84-452A-454B-819E-6CF5E6B38225}" type="pres">
-      <dgm:prSet presAssocID="{8390DA71-AD6C-48BE-9E31-3CCC6BE4939B}" presName="composite" presStyleCnt="0"/>
-      <dgm:spPr/>
-    </dgm:pt>
-    <dgm:pt modelId="{E760A59F-09EC-46C1-97CC-1F53B2CD1A11}" type="pres">
-      <dgm:prSet presAssocID="{8390DA71-AD6C-48BE-9E31-3CCC6BE4939B}" presName="ParentText" presStyleLbl="node1" presStyleIdx="4" presStyleCnt="5" custScaleX="379786">
-        <dgm:presLayoutVars>
-          <dgm:chMax val="1"/>
-          <dgm:chPref val="1"/>
-          <dgm:bulletEnabled val="1"/>
-        </dgm:presLayoutVars>
-      </dgm:prSet>
-      <dgm:spPr/>
-    </dgm:pt>
-  </dgm:ptLst>
-  <dgm:cxnLst>
-    <dgm:cxn modelId="{4473A201-A5D2-42F7-8CD8-1ACE2144A9E9}" type="presOf" srcId="{71EBD32D-BC3F-499A-96DD-08DCDF5CF0F9}" destId="{01434D6A-0617-4B14-8AC9-93E004FBA831}" srcOrd="0" destOrd="0" presId="urn:microsoft.com/office/officeart/2005/8/layout/StepDownProcess"/>
-    <dgm:cxn modelId="{FF2E1A04-1C85-4DC5-9177-4F4BCCDD0A01}" srcId="{71EBD32D-BC3F-499A-96DD-08DCDF5CF0F9}" destId="{CEFC49C7-8960-42C7-AC26-2974D79D9CC8}" srcOrd="0" destOrd="0" parTransId="{4D3D3444-EA58-4010-8125-D556DF70B77C}" sibTransId="{74865795-D3DC-4E79-8568-8BE1C6009721}"/>
-    <dgm:cxn modelId="{8FEA9107-3370-4FF6-8B71-2D8B358C6DF8}" srcId="{71EBD32D-BC3F-499A-96DD-08DCDF5CF0F9}" destId="{CA49CEDF-76B2-4459-8445-72E2D2F09207}" srcOrd="3" destOrd="0" parTransId="{FE237B9F-8E99-4152-B612-C554D74AFE60}" sibTransId="{D10948B6-EB94-454E-B130-AA877A89B4F2}"/>
-    <dgm:cxn modelId="{34EEE20F-122E-41DC-8615-C51DCCC8F2FB}" srcId="{71EBD32D-BC3F-499A-96DD-08DCDF5CF0F9}" destId="{8390DA71-AD6C-48BE-9E31-3CCC6BE4939B}" srcOrd="4" destOrd="0" parTransId="{033A1908-6D4B-4B03-9A21-E6F47D5736BC}" sibTransId="{EF543AC4-52D7-48B7-BA9F-E7DE163EF479}"/>
-    <dgm:cxn modelId="{EF397E11-2DFF-45CF-BAF0-4A31BFF6A156}" type="presOf" srcId="{2A5B6DD9-62AF-4AED-90E9-FFD83F650BA6}" destId="{EA88AB25-7535-47E4-B473-7F2E2C1F2B60}" srcOrd="0" destOrd="0" presId="urn:microsoft.com/office/officeart/2005/8/layout/StepDownProcess"/>
-    <dgm:cxn modelId="{EA8A4143-989E-49A3-B646-F656B755FC75}" type="presOf" srcId="{8390DA71-AD6C-48BE-9E31-3CCC6BE4939B}" destId="{E760A59F-09EC-46C1-97CC-1F53B2CD1A11}" srcOrd="0" destOrd="0" presId="urn:microsoft.com/office/officeart/2005/8/layout/StepDownProcess"/>
-    <dgm:cxn modelId="{FFACB343-7207-4BF5-A604-79A4E5FE86C7}" type="presOf" srcId="{CEFC49C7-8960-42C7-AC26-2974D79D9CC8}" destId="{1920FCED-B454-4790-95A9-5A869BC8F94B}" srcOrd="0" destOrd="0" presId="urn:microsoft.com/office/officeart/2005/8/layout/StepDownProcess"/>
-    <dgm:cxn modelId="{34FBE6B3-2F74-44E9-87BE-14AD660B754C}" srcId="{71EBD32D-BC3F-499A-96DD-08DCDF5CF0F9}" destId="{2A5B6DD9-62AF-4AED-90E9-FFD83F650BA6}" srcOrd="1" destOrd="0" parTransId="{BC54808A-2F94-45E1-96FD-AAE8BA56694C}" sibTransId="{1A6C9EA0-90D3-4E4F-8915-189E0C1F0568}"/>
-    <dgm:cxn modelId="{39DB33B8-4E39-46F1-8397-F02699BD3E8F}" srcId="{71EBD32D-BC3F-499A-96DD-08DCDF5CF0F9}" destId="{9CCCEF9E-A882-49CC-AD5B-FDF96F49D6CA}" srcOrd="2" destOrd="0" parTransId="{FB0833A3-3744-4854-AEF8-83B5EB5DEA19}" sibTransId="{303B6A74-DA99-4297-A099-3AC7B6667D99}"/>
-    <dgm:cxn modelId="{06C09AC2-A9C0-4535-8B61-18124E44D155}" type="presOf" srcId="{CA49CEDF-76B2-4459-8445-72E2D2F09207}" destId="{F79281A6-6BE1-4A4B-B729-A1D7A75BC437}" srcOrd="0" destOrd="0" presId="urn:microsoft.com/office/officeart/2005/8/layout/StepDownProcess"/>
-    <dgm:cxn modelId="{F5D442DD-E60E-46D1-800D-BE7771EF898D}" type="presOf" srcId="{9CCCEF9E-A882-49CC-AD5B-FDF96F49D6CA}" destId="{F9BD109C-A988-40EF-A59D-E225FA7C1D44}" srcOrd="0" destOrd="0" presId="urn:microsoft.com/office/officeart/2005/8/layout/StepDownProcess"/>
-    <dgm:cxn modelId="{3D26C95A-8E86-4A60-8CC0-42E3920F5AC1}" type="presParOf" srcId="{01434D6A-0617-4B14-8AC9-93E004FBA831}" destId="{08FEB9C2-5039-4E57-8AD8-CFFD1512482C}" srcOrd="0" destOrd="0" presId="urn:microsoft.com/office/officeart/2005/8/layout/StepDownProcess"/>
-    <dgm:cxn modelId="{F71933AE-6C33-4E1B-AD99-10F514E61737}" type="presParOf" srcId="{08FEB9C2-5039-4E57-8AD8-CFFD1512482C}" destId="{13FA9986-DFEB-490F-8D2E-EC643195BEC7}" srcOrd="0" destOrd="0" presId="urn:microsoft.com/office/officeart/2005/8/layout/StepDownProcess"/>
-    <dgm:cxn modelId="{B5C94F46-7D06-4293-93F1-02C5250330DE}" type="presParOf" srcId="{08FEB9C2-5039-4E57-8AD8-CFFD1512482C}" destId="{1920FCED-B454-4790-95A9-5A869BC8F94B}" srcOrd="1" destOrd="0" presId="urn:microsoft.com/office/officeart/2005/8/layout/StepDownProcess"/>
-    <dgm:cxn modelId="{0726215C-7079-4EED-A8FB-3BD03F70F489}" type="presParOf" srcId="{08FEB9C2-5039-4E57-8AD8-CFFD1512482C}" destId="{908574FD-2078-4355-B468-A2B6F4B14769}" srcOrd="2" destOrd="0" presId="urn:microsoft.com/office/officeart/2005/8/layout/StepDownProcess"/>
-    <dgm:cxn modelId="{2D9C6B3B-0DD0-47A7-B707-BEE571E0DE44}" type="presParOf" srcId="{01434D6A-0617-4B14-8AC9-93E004FBA831}" destId="{F0258A3F-E4EE-4DDA-B677-DEE59E3B399F}" srcOrd="1" destOrd="0" presId="urn:microsoft.com/office/officeart/2005/8/layout/StepDownProcess"/>
-    <dgm:cxn modelId="{2BABAE0E-3531-459B-9FD9-824354766E14}" type="presParOf" srcId="{01434D6A-0617-4B14-8AC9-93E004FBA831}" destId="{44E30CF3-29D9-4146-85A6-9C3370873A1B}" srcOrd="2" destOrd="0" presId="urn:microsoft.com/office/officeart/2005/8/layout/StepDownProcess"/>
-    <dgm:cxn modelId="{76BB1331-9E68-4A1D-AB33-B2F40C264E90}" type="presParOf" srcId="{44E30CF3-29D9-4146-85A6-9C3370873A1B}" destId="{AAFF5B55-3FFA-4B79-A45A-4AC41A3B2431}" srcOrd="0" destOrd="0" presId="urn:microsoft.com/office/officeart/2005/8/layout/StepDownProcess"/>
-    <dgm:cxn modelId="{1624A97A-279D-4C9D-A784-E5D05FB96445}" type="presParOf" srcId="{44E30CF3-29D9-4146-85A6-9C3370873A1B}" destId="{EA88AB25-7535-47E4-B473-7F2E2C1F2B60}" srcOrd="1" destOrd="0" presId="urn:microsoft.com/office/officeart/2005/8/layout/StepDownProcess"/>
-    <dgm:cxn modelId="{4622DA54-205C-441A-837A-ED8AF968EADB}" type="presParOf" srcId="{44E30CF3-29D9-4146-85A6-9C3370873A1B}" destId="{3256E5CC-A88E-4332-9432-85E142F4ACCB}" srcOrd="2" destOrd="0" presId="urn:microsoft.com/office/officeart/2005/8/layout/StepDownProcess"/>
-    <dgm:cxn modelId="{F6B2639A-060F-44A6-A5D0-50BA98CA2778}" type="presParOf" srcId="{01434D6A-0617-4B14-8AC9-93E004FBA831}" destId="{C1952814-DFF7-43FD-A094-8627C7021E38}" srcOrd="3" destOrd="0" presId="urn:microsoft.com/office/officeart/2005/8/layout/StepDownProcess"/>
-    <dgm:cxn modelId="{7B63F6B8-06B1-4573-ABFE-799C25A70F00}" type="presParOf" srcId="{01434D6A-0617-4B14-8AC9-93E004FBA831}" destId="{A9781109-CB76-49B3-923F-16297CA54EA6}" srcOrd="4" destOrd="0" presId="urn:microsoft.com/office/officeart/2005/8/layout/StepDownProcess"/>
-    <dgm:cxn modelId="{395EA99D-EF6E-4CB6-B556-D799E8C6003B}" type="presParOf" srcId="{A9781109-CB76-49B3-923F-16297CA54EA6}" destId="{D35C0976-D6D1-4B1A-AE5B-C6B58936E390}" srcOrd="0" destOrd="0" presId="urn:microsoft.com/office/officeart/2005/8/layout/StepDownProcess"/>
-    <dgm:cxn modelId="{1608A54C-F20D-444E-9E1C-2AD96C15CEFA}" type="presParOf" srcId="{A9781109-CB76-49B3-923F-16297CA54EA6}" destId="{F9BD109C-A988-40EF-A59D-E225FA7C1D44}" srcOrd="1" destOrd="0" presId="urn:microsoft.com/office/officeart/2005/8/layout/StepDownProcess"/>
-    <dgm:cxn modelId="{B0FABF61-6425-46FE-865E-6529F7F6B6DF}" type="presParOf" srcId="{A9781109-CB76-49B3-923F-16297CA54EA6}" destId="{01061652-FFCA-47BF-8505-15B6CD40A66E}" srcOrd="2" destOrd="0" presId="urn:microsoft.com/office/officeart/2005/8/layout/StepDownProcess"/>
-    <dgm:cxn modelId="{651974C9-CE55-485A-A5BA-2C497AA59BEE}" type="presParOf" srcId="{01434D6A-0617-4B14-8AC9-93E004FBA831}" destId="{85B65BBB-91A7-41A5-BCD9-7E98E08F226D}" srcOrd="5" destOrd="0" presId="urn:microsoft.com/office/officeart/2005/8/layout/StepDownProcess"/>
-    <dgm:cxn modelId="{72152C2A-4C7A-4C71-B473-237E742167DF}" type="presParOf" srcId="{01434D6A-0617-4B14-8AC9-93E004FBA831}" destId="{06FBE7AF-CF99-4B9E-ABF3-8492B39FA0A9}" srcOrd="6" destOrd="0" presId="urn:microsoft.com/office/officeart/2005/8/layout/StepDownProcess"/>
-    <dgm:cxn modelId="{2EF252A6-228F-48DA-8F3C-8FF731EE92C8}" type="presParOf" srcId="{06FBE7AF-CF99-4B9E-ABF3-8492B39FA0A9}" destId="{787F9365-37F5-4B8C-BC4E-0E0667E7CE3D}" srcOrd="0" destOrd="0" presId="urn:microsoft.com/office/officeart/2005/8/layout/StepDownProcess"/>
-    <dgm:cxn modelId="{5ABA0C92-C0D2-4B38-B05A-0CA28647A1D1}" type="presParOf" srcId="{06FBE7AF-CF99-4B9E-ABF3-8492B39FA0A9}" destId="{F79281A6-6BE1-4A4B-B729-A1D7A75BC437}" srcOrd="1" destOrd="0" presId="urn:microsoft.com/office/officeart/2005/8/layout/StepDownProcess"/>
-    <dgm:cxn modelId="{38DE23ED-8738-42EF-9024-D92E1737D0B9}" type="presParOf" srcId="{06FBE7AF-CF99-4B9E-ABF3-8492B39FA0A9}" destId="{3A9DCFED-AD95-465A-B9B5-B2D90E29F581}" srcOrd="2" destOrd="0" presId="urn:microsoft.com/office/officeart/2005/8/layout/StepDownProcess"/>
-    <dgm:cxn modelId="{0C783092-C038-4DE1-9B19-81F578FB081F}" type="presParOf" srcId="{01434D6A-0617-4B14-8AC9-93E004FBA831}" destId="{6EE3C317-9520-48C5-87F5-AE606B84FEAB}" srcOrd="7" destOrd="0" presId="urn:microsoft.com/office/officeart/2005/8/layout/StepDownProcess"/>
-    <dgm:cxn modelId="{D831D08D-D3C6-4C16-A31E-59A512181FFF}" type="presParOf" srcId="{01434D6A-0617-4B14-8AC9-93E004FBA831}" destId="{EF470B84-452A-454B-819E-6CF5E6B38225}" srcOrd="8" destOrd="0" presId="urn:microsoft.com/office/officeart/2005/8/layout/StepDownProcess"/>
-    <dgm:cxn modelId="{4FFFA82D-F589-4CBC-93E5-27155EC9594E}" type="presParOf" srcId="{EF470B84-452A-454B-819E-6CF5E6B38225}" destId="{E760A59F-09EC-46C1-97CC-1F53B2CD1A11}" srcOrd="0" destOrd="0" presId="urn:microsoft.com/office/officeart/2005/8/layout/StepDownProcess"/>
-  </dgm:cxnLst>
-  <dgm:bg/>
-  <dgm:whole/>
-  <dgm:extLst>
-    <a:ext uri="http://schemas.microsoft.com/office/drawing/2008/diagram">
-      <dsp:dataModelExt xmlns:dsp="http://schemas.microsoft.com/office/drawing/2008/diagram" relId="rId7" minVer="http://schemas.openxmlformats.org/drawingml/2006/diagram"/>
     </a:ext>
   </dgm:extLst>
 </dgm:dataModel>
@@ -2262,8 +1316,8 @@
       </dsp:nvSpPr>
       <dsp:spPr>
         <a:xfrm>
-          <a:off x="0" y="638936"/>
-          <a:ext cx="6747310" cy="1179576"/>
+          <a:off x="0" y="1631"/>
+          <a:ext cx="6747310" cy="827085"/>
         </a:xfrm>
         <a:prstGeom prst="roundRect">
           <a:avLst>
@@ -2304,8 +1358,8 @@
       </dsp:nvSpPr>
       <dsp:spPr>
         <a:xfrm>
-          <a:off x="356821" y="904341"/>
-          <a:ext cx="648766" cy="648766"/>
+          <a:off x="250193" y="187726"/>
+          <a:ext cx="454897" cy="454897"/>
         </a:xfrm>
         <a:prstGeom prst="rect">
           <a:avLst/>
@@ -2351,8 +1405,8 @@
       </dsp:nvSpPr>
       <dsp:spPr>
         <a:xfrm>
-          <a:off x="1362410" y="638936"/>
-          <a:ext cx="5384899" cy="1179576"/>
+          <a:off x="955283" y="1631"/>
+          <a:ext cx="5792026" cy="827085"/>
         </a:xfrm>
         <a:prstGeom prst="rect">
           <a:avLst/>
@@ -2376,14 +1430,14 @@
         <a:fontRef idx="minor"/>
       </dsp:style>
       <dsp:txBody>
-        <a:bodyPr spcFirstLastPara="0" vert="horz" wrap="square" lIns="124838" tIns="124838" rIns="124838" bIns="124838" numCol="1" spcCol="1270" anchor="ctr" anchorCtr="0">
+        <a:bodyPr spcFirstLastPara="0" vert="horz" wrap="square" lIns="87533" tIns="87533" rIns="87533" bIns="87533" numCol="1" spcCol="1270" anchor="ctr" anchorCtr="0">
           <a:noAutofit/>
         </a:bodyPr>
         <a:lstStyle/>
         <a:p>
-          <a:pPr marL="0" lvl="0" indent="0" algn="l" defTabSz="844550">
+          <a:pPr marL="0" lvl="0" indent="0" algn="l" defTabSz="755650">
             <a:lnSpc>
-              <a:spcPct val="90000"/>
+              <a:spcPct val="100000"/>
             </a:lnSpc>
             <a:spcBef>
               <a:spcPct val="0"/>
@@ -2394,15 +1448,15 @@
             <a:buNone/>
           </a:pPr>
           <a:r>
-            <a:rPr lang="en-US" sz="1900" b="0" i="0" u="none" kern="1200" dirty="0"/>
+            <a:rPr lang="en-US" sz="1700" b="0" i="0" u="none" kern="1200" dirty="0"/>
             <a:t>To develop an automated irrigation system for potted plants or small gardens using soil moisture sensors.</a:t>
           </a:r>
-          <a:endParaRPr lang="en-US" sz="1900" kern="1200" dirty="0"/>
+          <a:endParaRPr lang="en-US" sz="1700" kern="1200" dirty="0"/>
         </a:p>
       </dsp:txBody>
       <dsp:txXfrm>
-        <a:off x="1362410" y="638936"/>
-        <a:ext cx="5384899" cy="1179576"/>
+        <a:off x="955283" y="1631"/>
+        <a:ext cx="5792026" cy="827085"/>
       </dsp:txXfrm>
     </dsp:sp>
     <dsp:sp modelId="{3A0D703B-098B-4E59-8765-DFD90796F008}">
@@ -2412,8 +1466,8 @@
       </dsp:nvSpPr>
       <dsp:spPr>
         <a:xfrm>
-          <a:off x="0" y="2113407"/>
-          <a:ext cx="6747310" cy="1179576"/>
+          <a:off x="0" y="1035488"/>
+          <a:ext cx="6747310" cy="827085"/>
         </a:xfrm>
         <a:prstGeom prst="roundRect">
           <a:avLst>
@@ -2454,8 +1508,8 @@
       </dsp:nvSpPr>
       <dsp:spPr>
         <a:xfrm>
-          <a:off x="356821" y="2378811"/>
-          <a:ext cx="648766" cy="648766"/>
+          <a:off x="250193" y="1221583"/>
+          <a:ext cx="454897" cy="454897"/>
         </a:xfrm>
         <a:prstGeom prst="rect">
           <a:avLst/>
@@ -2503,8 +1557,8 @@
       </dsp:nvSpPr>
       <dsp:spPr>
         <a:xfrm>
-          <a:off x="1362410" y="2113407"/>
-          <a:ext cx="5384899" cy="1179576"/>
+          <a:off x="955283" y="1035488"/>
+          <a:ext cx="5792026" cy="827085"/>
         </a:xfrm>
         <a:prstGeom prst="rect">
           <a:avLst/>
@@ -2528,12 +1582,12 @@
         <a:fontRef idx="minor"/>
       </dsp:style>
       <dsp:txBody>
-        <a:bodyPr spcFirstLastPara="0" vert="horz" wrap="square" lIns="124838" tIns="124838" rIns="124838" bIns="124838" numCol="1" spcCol="1270" anchor="ctr" anchorCtr="0">
+        <a:bodyPr spcFirstLastPara="0" vert="horz" wrap="square" lIns="87533" tIns="87533" rIns="87533" bIns="87533" numCol="1" spcCol="1270" anchor="ctr" anchorCtr="0">
           <a:noAutofit/>
         </a:bodyPr>
         <a:lstStyle/>
         <a:p>
-          <a:pPr marL="0" lvl="0" indent="0" algn="l" defTabSz="844550">
+          <a:pPr marL="0" lvl="0" indent="0" algn="l" defTabSz="755650">
             <a:lnSpc>
               <a:spcPct val="100000"/>
             </a:lnSpc>
@@ -2546,242 +1600,123 @@
             <a:buNone/>
           </a:pPr>
           <a:r>
-            <a:rPr lang="en-US" sz="1900" b="0" i="0" u="none" kern="1200" dirty="0"/>
+            <a:rPr lang="en-US" sz="1700" b="0" i="0" u="none" kern="1200" dirty="0"/>
             <a:t>To minimize water wastage and ensure plants receive adequate water based on soil conditions</a:t>
           </a:r>
-          <a:endParaRPr lang="en-US" sz="1900" kern="1200" dirty="0"/>
+          <a:endParaRPr lang="en-US" sz="1700" kern="1200" dirty="0"/>
         </a:p>
       </dsp:txBody>
       <dsp:txXfrm>
-        <a:off x="1362410" y="2113407"/>
-        <a:ext cx="5384899" cy="1179576"/>
+        <a:off x="955283" y="1035488"/>
+        <a:ext cx="5792026" cy="827085"/>
       </dsp:txXfrm>
     </dsp:sp>
-  </dsp:spTree>
-</dsp:drawing>
-</file>
-
-<file path=ppt/diagrams/drawing2.xml><?xml version="1.0" encoding="utf-8"?>
-<dsp:drawing xmlns:dgm="http://schemas.openxmlformats.org/drawingml/2006/diagram" xmlns:dsp="http://schemas.microsoft.com/office/drawing/2008/diagram" xmlns:a="http://schemas.openxmlformats.org/drawingml/2006/main">
-  <dsp:spTree>
-    <dsp:nvGrpSpPr>
-      <dsp:cNvPr id="0" name=""/>
-      <dsp:cNvGrpSpPr/>
-    </dsp:nvGrpSpPr>
-    <dsp:grpSpPr/>
-    <dsp:sp modelId="{13FA9986-DFEB-490F-8D2E-EC643195BEC7}">
-      <dsp:nvSpPr>
-        <dsp:cNvPr id="0" name=""/>
-        <dsp:cNvSpPr/>
-      </dsp:nvSpPr>
-      <dsp:spPr>
-        <a:xfrm rot="5400000">
-          <a:off x="1103173" y="1663213"/>
-          <a:ext cx="639568" cy="728125"/>
-        </a:xfrm>
-        <a:prstGeom prst="bentUpArrow">
-          <a:avLst>
-            <a:gd name="adj1" fmla="val 32840"/>
-            <a:gd name="adj2" fmla="val 25000"/>
-            <a:gd name="adj3" fmla="val 35780"/>
-          </a:avLst>
-        </a:prstGeom>
-        <a:gradFill rotWithShape="0">
-          <a:gsLst>
-            <a:gs pos="0">
-              <a:schemeClr val="accent1">
-                <a:tint val="50000"/>
-                <a:hueOff val="0"/>
-                <a:satOff val="0"/>
-                <a:lumOff val="0"/>
-                <a:alphaOff val="0"/>
-                <a:satMod val="100000"/>
-                <a:lumMod val="100000"/>
-              </a:schemeClr>
-            </a:gs>
-            <a:gs pos="50000">
-              <a:schemeClr val="accent1">
-                <a:tint val="50000"/>
-                <a:hueOff val="0"/>
-                <a:satOff val="0"/>
-                <a:lumOff val="0"/>
-                <a:alphaOff val="0"/>
-                <a:shade val="99000"/>
-                <a:satMod val="105000"/>
-                <a:lumMod val="100000"/>
-              </a:schemeClr>
-            </a:gs>
-            <a:gs pos="100000">
-              <a:schemeClr val="accent1">
-                <a:tint val="50000"/>
-                <a:hueOff val="0"/>
-                <a:satOff val="0"/>
-                <a:lumOff val="0"/>
-                <a:alphaOff val="0"/>
-                <a:shade val="98000"/>
-                <a:satMod val="105000"/>
-                <a:lumMod val="100000"/>
-              </a:schemeClr>
-            </a:gs>
-          </a:gsLst>
-          <a:lin ang="5400000" scaled="0"/>
-        </a:gradFill>
-        <a:ln>
-          <a:noFill/>
-        </a:ln>
-        <a:effectLst>
-          <a:outerShdw blurRad="38100" dist="12700" dir="5400000" algn="ctr" rotWithShape="0">
-            <a:srgbClr val="000000">
-              <a:alpha val="63000"/>
-            </a:srgbClr>
-          </a:outerShdw>
-        </a:effectLst>
-        <a:scene3d>
-          <a:camera prst="orthographicFront"/>
-          <a:lightRig rig="flat" dir="t"/>
-        </a:scene3d>
-        <a:sp3d prstMaterial="plastic">
-          <a:bevelT w="88900" h="88900"/>
-          <a:bevelB w="88900" h="31750" prst="angle"/>
-        </a:sp3d>
-      </dsp:spPr>
-      <dsp:style>
-        <a:lnRef idx="0">
-          <a:scrgbClr r="0" g="0" b="0"/>
-        </a:lnRef>
-        <a:fillRef idx="3">
-          <a:scrgbClr r="0" g="0" b="0"/>
-        </a:fillRef>
-        <a:effectRef idx="2">
-          <a:scrgbClr r="0" g="0" b="0"/>
-        </a:effectRef>
-        <a:fontRef idx="minor"/>
-      </dsp:style>
-    </dsp:sp>
-    <dsp:sp modelId="{1920FCED-B454-4790-95A9-5A869BC8F94B}">
+    <dsp:sp modelId="{1CF27F44-8EFC-4852-AF9C-A4DE1F09989B}">
       <dsp:nvSpPr>
         <dsp:cNvPr id="0" name=""/>
         <dsp:cNvSpPr/>
       </dsp:nvSpPr>
       <dsp:spPr>
         <a:xfrm>
-          <a:off x="397711" y="963762"/>
-          <a:ext cx="3806034" cy="753624"/>
+          <a:off x="0" y="2069345"/>
+          <a:ext cx="6747310" cy="827085"/>
         </a:xfrm>
         <a:prstGeom prst="roundRect">
           <a:avLst>
-            <a:gd name="adj" fmla="val 16670"/>
+            <a:gd name="adj" fmla="val 10000"/>
           </a:avLst>
         </a:prstGeom>
-        <a:gradFill rotWithShape="0">
-          <a:gsLst>
-            <a:gs pos="0">
-              <a:schemeClr val="accent1">
-                <a:hueOff val="0"/>
-                <a:satOff val="0"/>
-                <a:lumOff val="0"/>
-                <a:alphaOff val="0"/>
-                <a:satMod val="100000"/>
-                <a:lumMod val="100000"/>
-              </a:schemeClr>
-            </a:gs>
-            <a:gs pos="50000">
-              <a:schemeClr val="accent1">
-                <a:hueOff val="0"/>
-                <a:satOff val="0"/>
-                <a:lumOff val="0"/>
-                <a:alphaOff val="0"/>
-                <a:shade val="99000"/>
-                <a:satMod val="105000"/>
-                <a:lumMod val="100000"/>
-              </a:schemeClr>
-            </a:gs>
-            <a:gs pos="100000">
-              <a:schemeClr val="accent1">
-                <a:hueOff val="0"/>
-                <a:satOff val="0"/>
-                <a:lumOff val="0"/>
-                <a:alphaOff val="0"/>
-                <a:shade val="98000"/>
-                <a:satMod val="105000"/>
-                <a:lumMod val="100000"/>
-              </a:schemeClr>
-            </a:gs>
-          </a:gsLst>
-          <a:lin ang="5400000" scaled="0"/>
-        </a:gradFill>
+        <a:solidFill>
+          <a:schemeClr val="bg1">
+            <a:lumMod val="95000"/>
+            <a:hueOff val="0"/>
+            <a:satOff val="0"/>
+            <a:lumOff val="0"/>
+            <a:alphaOff val="0"/>
+          </a:schemeClr>
+        </a:solidFill>
         <a:ln>
           <a:noFill/>
         </a:ln>
-        <a:effectLst>
-          <a:outerShdw blurRad="38100" dist="12700" dir="5400000" algn="ctr" rotWithShape="0">
-            <a:srgbClr val="000000">
-              <a:alpha val="63000"/>
-            </a:srgbClr>
-          </a:outerShdw>
-        </a:effectLst>
-        <a:scene3d>
-          <a:camera prst="orthographicFront"/>
-          <a:lightRig rig="flat" dir="t"/>
-        </a:scene3d>
-        <a:sp3d prstMaterial="plastic">
-          <a:bevelT w="120900" h="88900"/>
-          <a:bevelB w="88900" h="31750" prst="angle"/>
-        </a:sp3d>
+        <a:effectLst/>
       </dsp:spPr>
       <dsp:style>
         <a:lnRef idx="0">
           <a:scrgbClr r="0" g="0" b="0"/>
         </a:lnRef>
-        <a:fillRef idx="3">
+        <a:fillRef idx="1">
           <a:scrgbClr r="0" g="0" b="0"/>
         </a:fillRef>
-        <a:effectRef idx="2">
+        <a:effectRef idx="0">
+          <a:scrgbClr r="0" g="0" b="0"/>
+        </a:effectRef>
+        <a:fontRef idx="minor"/>
+      </dsp:style>
+    </dsp:sp>
+    <dsp:sp modelId="{BAB72DE4-40AF-47FE-AFAE-F352000A3D9B}">
+      <dsp:nvSpPr>
+        <dsp:cNvPr id="0" name=""/>
+        <dsp:cNvSpPr/>
+      </dsp:nvSpPr>
+      <dsp:spPr>
+        <a:xfrm>
+          <a:off x="250193" y="2255439"/>
+          <a:ext cx="454897" cy="454897"/>
+        </a:xfrm>
+        <a:prstGeom prst="rect">
+          <a:avLst/>
+        </a:prstGeom>
+        <a:blipFill>
+          <a:blip xmlns:r="http://schemas.openxmlformats.org/officeDocument/2006/relationships" r:embed="rId5">
+            <a:extLst>
+              <a:ext uri="{96DAC541-7B7A-43D3-8B79-37D633B846F1}">
+                <asvg:svgBlip xmlns:asvg="http://schemas.microsoft.com/office/drawing/2016/SVG/main" r:embed="rId6"/>
+              </a:ext>
+            </a:extLst>
+          </a:blip>
+          <a:srcRect/>
+          <a:stretch>
+            <a:fillRect/>
+          </a:stretch>
+        </a:blipFill>
+        <a:ln w="12700" cap="flat" cmpd="sng" algn="ctr">
+          <a:solidFill>
+            <a:schemeClr val="lt1">
+              <a:alpha val="0"/>
+              <a:hueOff val="0"/>
+              <a:satOff val="0"/>
+              <a:lumOff val="0"/>
+              <a:alphaOff val="0"/>
+            </a:schemeClr>
+          </a:solidFill>
+          <a:prstDash val="solid"/>
+        </a:ln>
+        <a:effectLst/>
+      </dsp:spPr>
+      <dsp:style>
+        <a:lnRef idx="2">
+          <a:scrgbClr r="0" g="0" b="0"/>
+        </a:lnRef>
+        <a:fillRef idx="1">
+          <a:scrgbClr r="0" g="0" b="0"/>
+        </a:fillRef>
+        <a:effectRef idx="0">
           <a:scrgbClr r="0" g="0" b="0"/>
         </a:effectRef>
         <a:fontRef idx="minor">
           <a:schemeClr val="lt1"/>
         </a:fontRef>
       </dsp:style>
-      <dsp:txBody>
-        <a:bodyPr spcFirstLastPara="0" vert="horz" wrap="square" lIns="57150" tIns="57150" rIns="57150" bIns="57150" numCol="1" spcCol="1270" anchor="ctr" anchorCtr="0">
-          <a:noAutofit/>
-        </a:bodyPr>
-        <a:lstStyle/>
-        <a:p>
-          <a:pPr marL="0" lvl="0" indent="0" algn="ctr" defTabSz="666750">
-            <a:lnSpc>
-              <a:spcPct val="90000"/>
-            </a:lnSpc>
-            <a:spcBef>
-              <a:spcPct val="0"/>
-            </a:spcBef>
-            <a:spcAft>
-              <a:spcPct val="35000"/>
-            </a:spcAft>
-            <a:buNone/>
-          </a:pPr>
-          <a:r>
-            <a:rPr lang="en-US" sz="1500" b="1" i="0" kern="1200" baseline="0" dirty="0"/>
-            <a:t>The sensor continuously monitors soil moisture.</a:t>
-          </a:r>
-          <a:endParaRPr lang="en-IN" sz="1500" b="1" kern="1200" dirty="0"/>
-        </a:p>
-      </dsp:txBody>
-      <dsp:txXfrm>
-        <a:off x="434507" y="1000558"/>
-        <a:ext cx="3732442" cy="680032"/>
-      </dsp:txXfrm>
     </dsp:sp>
-    <dsp:sp modelId="{908574FD-2078-4355-B468-A2B6F4B14769}">
+    <dsp:sp modelId="{E3FF7277-330C-40BA-AB7E-7D9F8C5B63C2}">
       <dsp:nvSpPr>
         <dsp:cNvPr id="0" name=""/>
         <dsp:cNvSpPr/>
       </dsp:nvSpPr>
       <dsp:spPr>
         <a:xfrm>
-          <a:off x="2448532" y="1035637"/>
-          <a:ext cx="783057" cy="609112"/>
+          <a:off x="955283" y="2069345"/>
+          <a:ext cx="5792026" cy="827085"/>
         </a:xfrm>
         <a:prstGeom prst="rect">
           <a:avLst/>
@@ -2804,190 +1739,15 @@
         </a:effectRef>
         <a:fontRef idx="minor"/>
       </dsp:style>
-    </dsp:sp>
-    <dsp:sp modelId="{AAFF5B55-3FFA-4B79-A45A-4AC41A3B2431}">
-      <dsp:nvSpPr>
-        <dsp:cNvPr id="0" name=""/>
-        <dsp:cNvSpPr/>
-      </dsp:nvSpPr>
-      <dsp:spPr>
-        <a:xfrm rot="5400000">
-          <a:off x="2959940" y="2547881"/>
-          <a:ext cx="639568" cy="728125"/>
-        </a:xfrm>
-        <a:prstGeom prst="bentUpArrow">
-          <a:avLst>
-            <a:gd name="adj1" fmla="val 32840"/>
-            <a:gd name="adj2" fmla="val 25000"/>
-            <a:gd name="adj3" fmla="val 35780"/>
-          </a:avLst>
-        </a:prstGeom>
-        <a:gradFill rotWithShape="0">
-          <a:gsLst>
-            <a:gs pos="0">
-              <a:schemeClr val="accent1">
-                <a:tint val="50000"/>
-                <a:hueOff val="0"/>
-                <a:satOff val="0"/>
-                <a:lumOff val="0"/>
-                <a:alphaOff val="0"/>
-                <a:satMod val="100000"/>
-                <a:lumMod val="100000"/>
-              </a:schemeClr>
-            </a:gs>
-            <a:gs pos="50000">
-              <a:schemeClr val="accent1">
-                <a:tint val="50000"/>
-                <a:hueOff val="0"/>
-                <a:satOff val="0"/>
-                <a:lumOff val="0"/>
-                <a:alphaOff val="0"/>
-                <a:shade val="99000"/>
-                <a:satMod val="105000"/>
-                <a:lumMod val="100000"/>
-              </a:schemeClr>
-            </a:gs>
-            <a:gs pos="100000">
-              <a:schemeClr val="accent1">
-                <a:tint val="50000"/>
-                <a:hueOff val="0"/>
-                <a:satOff val="0"/>
-                <a:lumOff val="0"/>
-                <a:alphaOff val="0"/>
-                <a:shade val="98000"/>
-                <a:satMod val="105000"/>
-                <a:lumMod val="100000"/>
-              </a:schemeClr>
-            </a:gs>
-          </a:gsLst>
-          <a:lin ang="5400000" scaled="0"/>
-        </a:gradFill>
-        <a:ln>
-          <a:noFill/>
-        </a:ln>
-        <a:effectLst>
-          <a:outerShdw blurRad="38100" dist="12700" dir="5400000" algn="ctr" rotWithShape="0">
-            <a:srgbClr val="000000">
-              <a:alpha val="63000"/>
-            </a:srgbClr>
-          </a:outerShdw>
-        </a:effectLst>
-        <a:scene3d>
-          <a:camera prst="orthographicFront"/>
-          <a:lightRig rig="flat" dir="t"/>
-        </a:scene3d>
-        <a:sp3d prstMaterial="plastic">
-          <a:bevelT w="88900" h="88900"/>
-          <a:bevelB w="88900" h="31750" prst="angle"/>
-        </a:sp3d>
-      </dsp:spPr>
-      <dsp:style>
-        <a:lnRef idx="0">
-          <a:scrgbClr r="0" g="0" b="0"/>
-        </a:lnRef>
-        <a:fillRef idx="3">
-          <a:scrgbClr r="0" g="0" b="0"/>
-        </a:fillRef>
-        <a:effectRef idx="2">
-          <a:scrgbClr r="0" g="0" b="0"/>
-        </a:effectRef>
-        <a:fontRef idx="minor"/>
-      </dsp:style>
-    </dsp:sp>
-    <dsp:sp modelId="{EA88AB25-7535-47E4-B473-7F2E2C1F2B60}">
-      <dsp:nvSpPr>
-        <dsp:cNvPr id="0" name=""/>
-        <dsp:cNvSpPr/>
-      </dsp:nvSpPr>
-      <dsp:spPr>
-        <a:xfrm>
-          <a:off x="1834083" y="1810331"/>
-          <a:ext cx="5199281" cy="753624"/>
-        </a:xfrm>
-        <a:prstGeom prst="roundRect">
-          <a:avLst>
-            <a:gd name="adj" fmla="val 16670"/>
-          </a:avLst>
-        </a:prstGeom>
-        <a:gradFill rotWithShape="0">
-          <a:gsLst>
-            <a:gs pos="0">
-              <a:schemeClr val="accent1">
-                <a:hueOff val="0"/>
-                <a:satOff val="0"/>
-                <a:lumOff val="0"/>
-                <a:alphaOff val="0"/>
-                <a:satMod val="100000"/>
-                <a:lumMod val="100000"/>
-              </a:schemeClr>
-            </a:gs>
-            <a:gs pos="50000">
-              <a:schemeClr val="accent1">
-                <a:hueOff val="0"/>
-                <a:satOff val="0"/>
-                <a:lumOff val="0"/>
-                <a:alphaOff val="0"/>
-                <a:shade val="99000"/>
-                <a:satMod val="105000"/>
-                <a:lumMod val="100000"/>
-              </a:schemeClr>
-            </a:gs>
-            <a:gs pos="100000">
-              <a:schemeClr val="accent1">
-                <a:hueOff val="0"/>
-                <a:satOff val="0"/>
-                <a:lumOff val="0"/>
-                <a:alphaOff val="0"/>
-                <a:shade val="98000"/>
-                <a:satMod val="105000"/>
-                <a:lumMod val="100000"/>
-              </a:schemeClr>
-            </a:gs>
-          </a:gsLst>
-          <a:lin ang="5400000" scaled="0"/>
-        </a:gradFill>
-        <a:ln>
-          <a:noFill/>
-        </a:ln>
-        <a:effectLst>
-          <a:outerShdw blurRad="38100" dist="12700" dir="5400000" algn="ctr" rotWithShape="0">
-            <a:srgbClr val="000000">
-              <a:alpha val="63000"/>
-            </a:srgbClr>
-          </a:outerShdw>
-        </a:effectLst>
-        <a:scene3d>
-          <a:camera prst="orthographicFront"/>
-          <a:lightRig rig="flat" dir="t"/>
-        </a:scene3d>
-        <a:sp3d prstMaterial="plastic">
-          <a:bevelT w="120900" h="88900"/>
-          <a:bevelB w="88900" h="31750" prst="angle"/>
-        </a:sp3d>
-      </dsp:spPr>
-      <dsp:style>
-        <a:lnRef idx="0">
-          <a:scrgbClr r="0" g="0" b="0"/>
-        </a:lnRef>
-        <a:fillRef idx="3">
-          <a:scrgbClr r="0" g="0" b="0"/>
-        </a:fillRef>
-        <a:effectRef idx="2">
-          <a:scrgbClr r="0" g="0" b="0"/>
-        </a:effectRef>
-        <a:fontRef idx="minor">
-          <a:schemeClr val="lt1"/>
-        </a:fontRef>
-      </dsp:style>
       <dsp:txBody>
-        <a:bodyPr spcFirstLastPara="0" vert="horz" wrap="square" lIns="57150" tIns="57150" rIns="57150" bIns="57150" numCol="1" spcCol="1270" anchor="ctr" anchorCtr="0">
+        <a:bodyPr spcFirstLastPara="0" vert="horz" wrap="square" lIns="87533" tIns="87533" rIns="87533" bIns="87533" numCol="1" spcCol="1270" anchor="ctr" anchorCtr="0">
           <a:noAutofit/>
         </a:bodyPr>
         <a:lstStyle/>
         <a:p>
-          <a:pPr marL="0" lvl="0" indent="0" algn="ctr" defTabSz="666750">
+          <a:pPr marL="0" lvl="0" indent="0" algn="l" defTabSz="755650">
             <a:lnSpc>
-              <a:spcPct val="90000"/>
+              <a:spcPct val="100000"/>
             </a:lnSpc>
             <a:spcBef>
               <a:spcPct val="0"/>
@@ -2998,26 +1758,122 @@
             <a:buNone/>
           </a:pPr>
           <a:r>
-            <a:rPr lang="en-US" sz="1500" b="1" i="0" kern="1200" baseline="0"/>
-            <a:t>The Arduino reads the sensor’s analog output and compares it to a predefined threshold.</a:t>
+            <a:rPr lang="en-US" sz="1700" kern="1200" dirty="0"/>
+            <a:t>To allow manual and automated control of plant watering via an app.</a:t>
           </a:r>
-          <a:endParaRPr lang="en-IN" sz="1500" b="1" kern="1200" dirty="0"/>
         </a:p>
       </dsp:txBody>
       <dsp:txXfrm>
-        <a:off x="1870879" y="1847127"/>
-        <a:ext cx="5125689" cy="680032"/>
+        <a:off x="955283" y="2069345"/>
+        <a:ext cx="5792026" cy="827085"/>
       </dsp:txXfrm>
     </dsp:sp>
-    <dsp:sp modelId="{3256E5CC-A88E-4332-9432-85E142F4ACCB}">
+    <dsp:sp modelId="{10C8851B-B8F0-4B8E-B46D-399DCD76EA8C}">
       <dsp:nvSpPr>
         <dsp:cNvPr id="0" name=""/>
         <dsp:cNvSpPr/>
       </dsp:nvSpPr>
       <dsp:spPr>
         <a:xfrm>
-          <a:off x="4972052" y="1882206"/>
-          <a:ext cx="783057" cy="609112"/>
+          <a:off x="0" y="3103202"/>
+          <a:ext cx="6747310" cy="827085"/>
+        </a:xfrm>
+        <a:prstGeom prst="roundRect">
+          <a:avLst>
+            <a:gd name="adj" fmla="val 10000"/>
+          </a:avLst>
+        </a:prstGeom>
+        <a:solidFill>
+          <a:schemeClr val="bg1">
+            <a:lumMod val="95000"/>
+            <a:hueOff val="0"/>
+            <a:satOff val="0"/>
+            <a:lumOff val="0"/>
+            <a:alphaOff val="0"/>
+          </a:schemeClr>
+        </a:solidFill>
+        <a:ln>
+          <a:noFill/>
+        </a:ln>
+        <a:effectLst/>
+      </dsp:spPr>
+      <dsp:style>
+        <a:lnRef idx="0">
+          <a:scrgbClr r="0" g="0" b="0"/>
+        </a:lnRef>
+        <a:fillRef idx="1">
+          <a:scrgbClr r="0" g="0" b="0"/>
+        </a:fillRef>
+        <a:effectRef idx="0">
+          <a:scrgbClr r="0" g="0" b="0"/>
+        </a:effectRef>
+        <a:fontRef idx="minor"/>
+      </dsp:style>
+    </dsp:sp>
+    <dsp:sp modelId="{AA5CF857-EAD2-496E-AAFB-F8F8B04CE56D}">
+      <dsp:nvSpPr>
+        <dsp:cNvPr id="0" name=""/>
+        <dsp:cNvSpPr/>
+      </dsp:nvSpPr>
+      <dsp:spPr>
+        <a:xfrm>
+          <a:off x="250193" y="3289296"/>
+          <a:ext cx="454897" cy="454897"/>
+        </a:xfrm>
+        <a:prstGeom prst="rect">
+          <a:avLst/>
+        </a:prstGeom>
+        <a:blipFill>
+          <a:blip xmlns:r="http://schemas.openxmlformats.org/officeDocument/2006/relationships" r:embed="rId7">
+            <a:extLst>
+              <a:ext uri="{96DAC541-7B7A-43D3-8B79-37D633B846F1}">
+                <asvg:svgBlip xmlns:asvg="http://schemas.microsoft.com/office/drawing/2016/SVG/main" r:embed="rId8"/>
+              </a:ext>
+            </a:extLst>
+          </a:blip>
+          <a:srcRect/>
+          <a:stretch>
+            <a:fillRect/>
+          </a:stretch>
+        </a:blipFill>
+        <a:ln w="12700" cap="flat" cmpd="sng" algn="ctr">
+          <a:solidFill>
+            <a:schemeClr val="lt1">
+              <a:alpha val="0"/>
+              <a:hueOff val="0"/>
+              <a:satOff val="0"/>
+              <a:lumOff val="0"/>
+              <a:alphaOff val="0"/>
+            </a:schemeClr>
+          </a:solidFill>
+          <a:prstDash val="solid"/>
+        </a:ln>
+        <a:effectLst/>
+      </dsp:spPr>
+      <dsp:style>
+        <a:lnRef idx="2">
+          <a:scrgbClr r="0" g="0" b="0"/>
+        </a:lnRef>
+        <a:fillRef idx="1">
+          <a:scrgbClr r="0" g="0" b="0"/>
+        </a:fillRef>
+        <a:effectRef idx="0">
+          <a:scrgbClr r="0" g="0" b="0"/>
+        </a:effectRef>
+        <a:fontRef idx="minor">
+          <a:schemeClr val="lt1"/>
+        </a:fontRef>
+      </dsp:style>
+    </dsp:sp>
+    <dsp:sp modelId="{C4B89530-1D96-4FE4-8FF2-5FD8D3B4D0F6}">
+      <dsp:nvSpPr>
+        <dsp:cNvPr id="0" name=""/>
+        <dsp:cNvSpPr/>
+      </dsp:nvSpPr>
+      <dsp:spPr>
+        <a:xfrm>
+          <a:off x="955283" y="3103202"/>
+          <a:ext cx="5792026" cy="827085"/>
         </a:xfrm>
         <a:prstGeom prst="rect">
           <a:avLst/>
@@ -3040,190 +1896,15 @@
         </a:effectRef>
         <a:fontRef idx="minor"/>
       </dsp:style>
-    </dsp:sp>
-    <dsp:sp modelId="{D35C0976-D6D1-4B1A-AE5B-C6B58936E390}">
-      <dsp:nvSpPr>
-        <dsp:cNvPr id="0" name=""/>
-        <dsp:cNvSpPr/>
-      </dsp:nvSpPr>
-      <dsp:spPr>
-        <a:xfrm rot="5400000">
-          <a:off x="4793025" y="3365874"/>
-          <a:ext cx="639568" cy="728125"/>
-        </a:xfrm>
-        <a:prstGeom prst="bentUpArrow">
-          <a:avLst>
-            <a:gd name="adj1" fmla="val 32840"/>
-            <a:gd name="adj2" fmla="val 25000"/>
-            <a:gd name="adj3" fmla="val 35780"/>
-          </a:avLst>
-        </a:prstGeom>
-        <a:gradFill rotWithShape="0">
-          <a:gsLst>
-            <a:gs pos="0">
-              <a:schemeClr val="accent1">
-                <a:tint val="50000"/>
-                <a:hueOff val="0"/>
-                <a:satOff val="0"/>
-                <a:lumOff val="0"/>
-                <a:alphaOff val="0"/>
-                <a:satMod val="100000"/>
-                <a:lumMod val="100000"/>
-              </a:schemeClr>
-            </a:gs>
-            <a:gs pos="50000">
-              <a:schemeClr val="accent1">
-                <a:tint val="50000"/>
-                <a:hueOff val="0"/>
-                <a:satOff val="0"/>
-                <a:lumOff val="0"/>
-                <a:alphaOff val="0"/>
-                <a:shade val="99000"/>
-                <a:satMod val="105000"/>
-                <a:lumMod val="100000"/>
-              </a:schemeClr>
-            </a:gs>
-            <a:gs pos="100000">
-              <a:schemeClr val="accent1">
-                <a:tint val="50000"/>
-                <a:hueOff val="0"/>
-                <a:satOff val="0"/>
-                <a:lumOff val="0"/>
-                <a:alphaOff val="0"/>
-                <a:shade val="98000"/>
-                <a:satMod val="105000"/>
-                <a:lumMod val="100000"/>
-              </a:schemeClr>
-            </a:gs>
-          </a:gsLst>
-          <a:lin ang="5400000" scaled="0"/>
-        </a:gradFill>
-        <a:ln>
-          <a:noFill/>
-        </a:ln>
-        <a:effectLst>
-          <a:outerShdw blurRad="38100" dist="12700" dir="5400000" algn="ctr" rotWithShape="0">
-            <a:srgbClr val="000000">
-              <a:alpha val="63000"/>
-            </a:srgbClr>
-          </a:outerShdw>
-        </a:effectLst>
-        <a:scene3d>
-          <a:camera prst="orthographicFront"/>
-          <a:lightRig rig="flat" dir="t"/>
-        </a:scene3d>
-        <a:sp3d prstMaterial="plastic">
-          <a:bevelT w="88900" h="88900"/>
-          <a:bevelB w="88900" h="31750" prst="angle"/>
-        </a:sp3d>
-      </dsp:spPr>
-      <dsp:style>
-        <a:lnRef idx="0">
-          <a:scrgbClr r="0" g="0" b="0"/>
-        </a:lnRef>
-        <a:fillRef idx="3">
-          <a:scrgbClr r="0" g="0" b="0"/>
-        </a:fillRef>
-        <a:effectRef idx="2">
-          <a:scrgbClr r="0" g="0" b="0"/>
-        </a:effectRef>
-        <a:fontRef idx="minor"/>
-      </dsp:style>
-    </dsp:sp>
-    <dsp:sp modelId="{F9BD109C-A988-40EF-A59D-E225FA7C1D44}">
-      <dsp:nvSpPr>
-        <dsp:cNvPr id="0" name=""/>
-        <dsp:cNvSpPr/>
-      </dsp:nvSpPr>
-      <dsp:spPr>
-        <a:xfrm>
-          <a:off x="3660979" y="2656900"/>
-          <a:ext cx="5031635" cy="753624"/>
-        </a:xfrm>
-        <a:prstGeom prst="roundRect">
-          <a:avLst>
-            <a:gd name="adj" fmla="val 16670"/>
-          </a:avLst>
-        </a:prstGeom>
-        <a:gradFill rotWithShape="0">
-          <a:gsLst>
-            <a:gs pos="0">
-              <a:schemeClr val="accent1">
-                <a:hueOff val="0"/>
-                <a:satOff val="0"/>
-                <a:lumOff val="0"/>
-                <a:alphaOff val="0"/>
-                <a:satMod val="100000"/>
-                <a:lumMod val="100000"/>
-              </a:schemeClr>
-            </a:gs>
-            <a:gs pos="50000">
-              <a:schemeClr val="accent1">
-                <a:hueOff val="0"/>
-                <a:satOff val="0"/>
-                <a:lumOff val="0"/>
-                <a:alphaOff val="0"/>
-                <a:shade val="99000"/>
-                <a:satMod val="105000"/>
-                <a:lumMod val="100000"/>
-              </a:schemeClr>
-            </a:gs>
-            <a:gs pos="100000">
-              <a:schemeClr val="accent1">
-                <a:hueOff val="0"/>
-                <a:satOff val="0"/>
-                <a:lumOff val="0"/>
-                <a:alphaOff val="0"/>
-                <a:shade val="98000"/>
-                <a:satMod val="105000"/>
-                <a:lumMod val="100000"/>
-              </a:schemeClr>
-            </a:gs>
-          </a:gsLst>
-          <a:lin ang="5400000" scaled="0"/>
-        </a:gradFill>
-        <a:ln>
-          <a:noFill/>
-        </a:ln>
-        <a:effectLst>
-          <a:outerShdw blurRad="38100" dist="12700" dir="5400000" algn="ctr" rotWithShape="0">
-            <a:srgbClr val="000000">
-              <a:alpha val="63000"/>
-            </a:srgbClr>
-          </a:outerShdw>
-        </a:effectLst>
-        <a:scene3d>
-          <a:camera prst="orthographicFront"/>
-          <a:lightRig rig="flat" dir="t"/>
-        </a:scene3d>
-        <a:sp3d prstMaterial="plastic">
-          <a:bevelT w="120900" h="88900"/>
-          <a:bevelB w="88900" h="31750" prst="angle"/>
-        </a:sp3d>
-      </dsp:spPr>
-      <dsp:style>
-        <a:lnRef idx="0">
-          <a:scrgbClr r="0" g="0" b="0"/>
-        </a:lnRef>
-        <a:fillRef idx="3">
-          <a:scrgbClr r="0" g="0" b="0"/>
-        </a:fillRef>
-        <a:effectRef idx="2">
-          <a:scrgbClr r="0" g="0" b="0"/>
-        </a:effectRef>
-        <a:fontRef idx="minor">
-          <a:schemeClr val="lt1"/>
-        </a:fontRef>
-      </dsp:style>
       <dsp:txBody>
-        <a:bodyPr spcFirstLastPara="0" vert="horz" wrap="square" lIns="57150" tIns="57150" rIns="57150" bIns="57150" numCol="1" spcCol="1270" anchor="ctr" anchorCtr="0">
+        <a:bodyPr spcFirstLastPara="0" vert="horz" wrap="square" lIns="87533" tIns="87533" rIns="87533" bIns="87533" numCol="1" spcCol="1270" anchor="ctr" anchorCtr="0">
           <a:noAutofit/>
         </a:bodyPr>
         <a:lstStyle/>
         <a:p>
-          <a:pPr marL="0" lvl="0" indent="0" algn="ctr" defTabSz="666750">
+          <a:pPr marL="0" lvl="0" indent="0" algn="l" defTabSz="755650">
             <a:lnSpc>
-              <a:spcPct val="90000"/>
+              <a:spcPct val="100000"/>
             </a:lnSpc>
             <a:spcBef>
               <a:spcPct val="0"/>
@@ -3234,398 +1915,14 @@
             <a:buNone/>
           </a:pPr>
           <a:r>
-            <a:rPr lang="en-US" sz="1500" b="1" i="0" kern="1200" baseline="0" dirty="0"/>
-            <a:t>If the soil is too dry (below the threshold), the Arduino sends a digital signal to the relay.</a:t>
+            <a:rPr lang="en-US" sz="1700" kern="1200" dirty="0"/>
+            <a:t>To be able to view the history of the soil moisture status and the pump status.</a:t>
           </a:r>
-          <a:endParaRPr lang="en-IN" sz="1500" b="1" kern="1200" dirty="0"/>
         </a:p>
       </dsp:txBody>
       <dsp:txXfrm>
-        <a:off x="3697775" y="2693696"/>
-        <a:ext cx="4958043" cy="680032"/>
-      </dsp:txXfrm>
-    </dsp:sp>
-    <dsp:sp modelId="{01061652-FFCA-47BF-8505-15B6CD40A66E}">
-      <dsp:nvSpPr>
-        <dsp:cNvPr id="0" name=""/>
-        <dsp:cNvSpPr/>
-      </dsp:nvSpPr>
-      <dsp:spPr>
-        <a:xfrm>
-          <a:off x="6715125" y="2728775"/>
-          <a:ext cx="783057" cy="609112"/>
-        </a:xfrm>
-        <a:prstGeom prst="rect">
-          <a:avLst/>
-        </a:prstGeom>
-        <a:noFill/>
-        <a:ln>
-          <a:noFill/>
-        </a:ln>
-        <a:effectLst/>
-      </dsp:spPr>
-      <dsp:style>
-        <a:lnRef idx="0">
-          <a:scrgbClr r="0" g="0" b="0"/>
-        </a:lnRef>
-        <a:fillRef idx="0">
-          <a:scrgbClr r="0" g="0" b="0"/>
-        </a:fillRef>
-        <a:effectRef idx="0">
-          <a:scrgbClr r="0" g="0" b="0"/>
-        </a:effectRef>
-        <a:fontRef idx="minor"/>
-      </dsp:style>
-    </dsp:sp>
-    <dsp:sp modelId="{787F9365-37F5-4B8C-BC4E-0E0667E7CE3D}">
-      <dsp:nvSpPr>
-        <dsp:cNvPr id="0" name=""/>
-        <dsp:cNvSpPr/>
-      </dsp:nvSpPr>
-      <dsp:spPr>
-        <a:xfrm rot="5400000">
-          <a:off x="6493715" y="4221966"/>
-          <a:ext cx="639568" cy="728125"/>
-        </a:xfrm>
-        <a:prstGeom prst="bentUpArrow">
-          <a:avLst>
-            <a:gd name="adj1" fmla="val 32840"/>
-            <a:gd name="adj2" fmla="val 25000"/>
-            <a:gd name="adj3" fmla="val 35780"/>
-          </a:avLst>
-        </a:prstGeom>
-        <a:gradFill rotWithShape="0">
-          <a:gsLst>
-            <a:gs pos="0">
-              <a:schemeClr val="accent1">
-                <a:tint val="50000"/>
-                <a:hueOff val="0"/>
-                <a:satOff val="0"/>
-                <a:lumOff val="0"/>
-                <a:alphaOff val="0"/>
-                <a:satMod val="100000"/>
-                <a:lumMod val="100000"/>
-              </a:schemeClr>
-            </a:gs>
-            <a:gs pos="50000">
-              <a:schemeClr val="accent1">
-                <a:tint val="50000"/>
-                <a:hueOff val="0"/>
-                <a:satOff val="0"/>
-                <a:lumOff val="0"/>
-                <a:alphaOff val="0"/>
-                <a:shade val="99000"/>
-                <a:satMod val="105000"/>
-                <a:lumMod val="100000"/>
-              </a:schemeClr>
-            </a:gs>
-            <a:gs pos="100000">
-              <a:schemeClr val="accent1">
-                <a:tint val="50000"/>
-                <a:hueOff val="0"/>
-                <a:satOff val="0"/>
-                <a:lumOff val="0"/>
-                <a:alphaOff val="0"/>
-                <a:shade val="98000"/>
-                <a:satMod val="105000"/>
-                <a:lumMod val="100000"/>
-              </a:schemeClr>
-            </a:gs>
-          </a:gsLst>
-          <a:lin ang="5400000" scaled="0"/>
-        </a:gradFill>
-        <a:ln>
-          <a:noFill/>
-        </a:ln>
-        <a:effectLst>
-          <a:outerShdw blurRad="38100" dist="12700" dir="5400000" algn="ctr" rotWithShape="0">
-            <a:srgbClr val="000000">
-              <a:alpha val="63000"/>
-            </a:srgbClr>
-          </a:outerShdw>
-        </a:effectLst>
-        <a:scene3d>
-          <a:camera prst="orthographicFront"/>
-          <a:lightRig rig="flat" dir="t"/>
-        </a:scene3d>
-        <a:sp3d prstMaterial="plastic">
-          <a:bevelT w="88900" h="88900"/>
-          <a:bevelB w="88900" h="31750" prst="angle"/>
-        </a:sp3d>
-      </dsp:spPr>
-      <dsp:style>
-        <a:lnRef idx="0">
-          <a:scrgbClr r="0" g="0" b="0"/>
-        </a:lnRef>
-        <a:fillRef idx="3">
-          <a:scrgbClr r="0" g="0" b="0"/>
-        </a:fillRef>
-        <a:effectRef idx="2">
-          <a:scrgbClr r="0" g="0" b="0"/>
-        </a:effectRef>
-        <a:fontRef idx="minor"/>
-      </dsp:style>
-    </dsp:sp>
-    <dsp:sp modelId="{F79281A6-6BE1-4A4B-B729-A1D7A75BC437}">
-      <dsp:nvSpPr>
-        <dsp:cNvPr id="0" name=""/>
-        <dsp:cNvSpPr/>
-      </dsp:nvSpPr>
-      <dsp:spPr>
-        <a:xfrm>
-          <a:off x="5487876" y="3503469"/>
-          <a:ext cx="4140088" cy="753624"/>
-        </a:xfrm>
-        <a:prstGeom prst="roundRect">
-          <a:avLst>
-            <a:gd name="adj" fmla="val 16670"/>
-          </a:avLst>
-        </a:prstGeom>
-        <a:gradFill rotWithShape="0">
-          <a:gsLst>
-            <a:gs pos="0">
-              <a:schemeClr val="accent1">
-                <a:hueOff val="0"/>
-                <a:satOff val="0"/>
-                <a:lumOff val="0"/>
-                <a:alphaOff val="0"/>
-                <a:satMod val="100000"/>
-                <a:lumMod val="100000"/>
-              </a:schemeClr>
-            </a:gs>
-            <a:gs pos="50000">
-              <a:schemeClr val="accent1">
-                <a:hueOff val="0"/>
-                <a:satOff val="0"/>
-                <a:lumOff val="0"/>
-                <a:alphaOff val="0"/>
-                <a:shade val="99000"/>
-                <a:satMod val="105000"/>
-                <a:lumMod val="100000"/>
-              </a:schemeClr>
-            </a:gs>
-            <a:gs pos="100000">
-              <a:schemeClr val="accent1">
-                <a:hueOff val="0"/>
-                <a:satOff val="0"/>
-                <a:lumOff val="0"/>
-                <a:alphaOff val="0"/>
-                <a:shade val="98000"/>
-                <a:satMod val="105000"/>
-                <a:lumMod val="100000"/>
-              </a:schemeClr>
-            </a:gs>
-          </a:gsLst>
-          <a:lin ang="5400000" scaled="0"/>
-        </a:gradFill>
-        <a:ln>
-          <a:noFill/>
-        </a:ln>
-        <a:effectLst>
-          <a:outerShdw blurRad="38100" dist="12700" dir="5400000" algn="ctr" rotWithShape="0">
-            <a:srgbClr val="000000">
-              <a:alpha val="63000"/>
-            </a:srgbClr>
-          </a:outerShdw>
-        </a:effectLst>
-        <a:scene3d>
-          <a:camera prst="orthographicFront"/>
-          <a:lightRig rig="flat" dir="t"/>
-        </a:scene3d>
-        <a:sp3d prstMaterial="plastic">
-          <a:bevelT w="120900" h="88900"/>
-          <a:bevelB w="88900" h="31750" prst="angle"/>
-        </a:sp3d>
-      </dsp:spPr>
-      <dsp:style>
-        <a:lnRef idx="0">
-          <a:scrgbClr r="0" g="0" b="0"/>
-        </a:lnRef>
-        <a:fillRef idx="3">
-          <a:scrgbClr r="0" g="0" b="0"/>
-        </a:fillRef>
-        <a:effectRef idx="2">
-          <a:scrgbClr r="0" g="0" b="0"/>
-        </a:effectRef>
-        <a:fontRef idx="minor">
-          <a:schemeClr val="lt1"/>
-        </a:fontRef>
-      </dsp:style>
-      <dsp:txBody>
-        <a:bodyPr spcFirstLastPara="0" vert="horz" wrap="square" lIns="57150" tIns="57150" rIns="57150" bIns="57150" numCol="1" spcCol="1270" anchor="ctr" anchorCtr="0">
-          <a:noAutofit/>
-        </a:bodyPr>
-        <a:lstStyle/>
-        <a:p>
-          <a:pPr marL="0" lvl="0" indent="0" algn="ctr" defTabSz="666750">
-            <a:lnSpc>
-              <a:spcPct val="90000"/>
-            </a:lnSpc>
-            <a:spcBef>
-              <a:spcPct val="0"/>
-            </a:spcBef>
-            <a:spcAft>
-              <a:spcPct val="35000"/>
-            </a:spcAft>
-            <a:buNone/>
-          </a:pPr>
-          <a:r>
-            <a:rPr lang="en-US" sz="1500" b="1" i="0" kern="1200" baseline="0" dirty="0"/>
-            <a:t>The relay then closes the circuit, powering the water pump to water the plants</a:t>
-          </a:r>
-          <a:endParaRPr lang="en-IN" sz="1500" b="1" kern="1200" dirty="0"/>
-        </a:p>
-      </dsp:txBody>
-      <dsp:txXfrm>
-        <a:off x="5524672" y="3540265"/>
-        <a:ext cx="4066496" cy="680032"/>
-      </dsp:txXfrm>
-    </dsp:sp>
-    <dsp:sp modelId="{3A9DCFED-AD95-465A-B9B5-B2D90E29F581}">
-      <dsp:nvSpPr>
-        <dsp:cNvPr id="0" name=""/>
-        <dsp:cNvSpPr/>
-      </dsp:nvSpPr>
-      <dsp:spPr>
-        <a:xfrm>
-          <a:off x="8096248" y="3575344"/>
-          <a:ext cx="783057" cy="609112"/>
-        </a:xfrm>
-        <a:prstGeom prst="rect">
-          <a:avLst/>
-        </a:prstGeom>
-        <a:noFill/>
-        <a:ln>
-          <a:noFill/>
-        </a:ln>
-        <a:effectLst/>
-      </dsp:spPr>
-      <dsp:style>
-        <a:lnRef idx="0">
-          <a:scrgbClr r="0" g="0" b="0"/>
-        </a:lnRef>
-        <a:fillRef idx="0">
-          <a:scrgbClr r="0" g="0" b="0"/>
-        </a:fillRef>
-        <a:effectRef idx="0">
-          <a:scrgbClr r="0" g="0" b="0"/>
-        </a:effectRef>
-        <a:fontRef idx="minor"/>
-      </dsp:style>
-    </dsp:sp>
-    <dsp:sp modelId="{E760A59F-09EC-46C1-97CC-1F53B2CD1A11}">
-      <dsp:nvSpPr>
-        <dsp:cNvPr id="0" name=""/>
-        <dsp:cNvSpPr/>
-      </dsp:nvSpPr>
-      <dsp:spPr>
-        <a:xfrm>
-          <a:off x="7314772" y="4350038"/>
-          <a:ext cx="4088990" cy="753624"/>
-        </a:xfrm>
-        <a:prstGeom prst="roundRect">
-          <a:avLst>
-            <a:gd name="adj" fmla="val 16670"/>
-          </a:avLst>
-        </a:prstGeom>
-        <a:gradFill rotWithShape="0">
-          <a:gsLst>
-            <a:gs pos="0">
-              <a:schemeClr val="accent1">
-                <a:hueOff val="0"/>
-                <a:satOff val="0"/>
-                <a:lumOff val="0"/>
-                <a:alphaOff val="0"/>
-                <a:satMod val="100000"/>
-                <a:lumMod val="100000"/>
-              </a:schemeClr>
-            </a:gs>
-            <a:gs pos="50000">
-              <a:schemeClr val="accent1">
-                <a:hueOff val="0"/>
-                <a:satOff val="0"/>
-                <a:lumOff val="0"/>
-                <a:alphaOff val="0"/>
-                <a:shade val="99000"/>
-                <a:satMod val="105000"/>
-                <a:lumMod val="100000"/>
-              </a:schemeClr>
-            </a:gs>
-            <a:gs pos="100000">
-              <a:schemeClr val="accent1">
-                <a:hueOff val="0"/>
-                <a:satOff val="0"/>
-                <a:lumOff val="0"/>
-                <a:alphaOff val="0"/>
-                <a:shade val="98000"/>
-                <a:satMod val="105000"/>
-                <a:lumMod val="100000"/>
-              </a:schemeClr>
-            </a:gs>
-          </a:gsLst>
-          <a:lin ang="5400000" scaled="0"/>
-        </a:gradFill>
-        <a:ln>
-          <a:noFill/>
-        </a:ln>
-        <a:effectLst>
-          <a:outerShdw blurRad="38100" dist="12700" dir="5400000" algn="ctr" rotWithShape="0">
-            <a:srgbClr val="000000">
-              <a:alpha val="63000"/>
-            </a:srgbClr>
-          </a:outerShdw>
-        </a:effectLst>
-        <a:scene3d>
-          <a:camera prst="orthographicFront"/>
-          <a:lightRig rig="flat" dir="t"/>
-        </a:scene3d>
-        <a:sp3d prstMaterial="plastic">
-          <a:bevelT w="120900" h="88900"/>
-          <a:bevelB w="88900" h="31750" prst="angle"/>
-        </a:sp3d>
-      </dsp:spPr>
-      <dsp:style>
-        <a:lnRef idx="0">
-          <a:scrgbClr r="0" g="0" b="0"/>
-        </a:lnRef>
-        <a:fillRef idx="3">
-          <a:scrgbClr r="0" g="0" b="0"/>
-        </a:fillRef>
-        <a:effectRef idx="2">
-          <a:scrgbClr r="0" g="0" b="0"/>
-        </a:effectRef>
-        <a:fontRef idx="minor">
-          <a:schemeClr val="lt1"/>
-        </a:fontRef>
-      </dsp:style>
-      <dsp:txBody>
-        <a:bodyPr spcFirstLastPara="0" vert="horz" wrap="square" lIns="53340" tIns="53340" rIns="53340" bIns="53340" numCol="1" spcCol="1270" anchor="ctr" anchorCtr="0">
-          <a:noAutofit/>
-        </a:bodyPr>
-        <a:lstStyle/>
-        <a:p>
-          <a:pPr marL="0" lvl="0" indent="0" algn="ctr" defTabSz="622300">
-            <a:lnSpc>
-              <a:spcPct val="90000"/>
-            </a:lnSpc>
-            <a:spcBef>
-              <a:spcPct val="0"/>
-            </a:spcBef>
-            <a:spcAft>
-              <a:spcPct val="35000"/>
-            </a:spcAft>
-            <a:buNone/>
-          </a:pPr>
-          <a:r>
-            <a:rPr lang="en-US" sz="1400" b="1" i="0" kern="1200" baseline="0" dirty="0"/>
-            <a:t>Once the soil reaches an adequate moisture level, the Arduino stops the signal, the relay opens, and the pump turns off. </a:t>
-          </a:r>
-          <a:endParaRPr lang="en-IN" sz="1400" b="1" kern="1200" dirty="0"/>
-        </a:p>
-      </dsp:txBody>
-      <dsp:txXfrm>
-        <a:off x="7351568" y="4386834"/>
-        <a:ext cx="4015398" cy="680032"/>
+        <a:off x="955283" y="3103202"/>
+        <a:ext cx="5792026" cy="827085"/>
       </dsp:txXfrm>
     </dsp:sp>
   </dsp:spTree>
@@ -3923,324 +2220,6 @@
       </dgm1612:lstStyle>
     </a:ext>
   </dgm:extLst>
-</dgm:layoutDef>
-</file>
-
-<file path=ppt/diagrams/layout2.xml><?xml version="1.0" encoding="utf-8"?>
-<dgm:layoutDef xmlns:dgm="http://schemas.openxmlformats.org/drawingml/2006/diagram" xmlns:a="http://schemas.openxmlformats.org/drawingml/2006/main" uniqueId="urn:microsoft.com/office/officeart/2005/8/layout/StepDownProcess">
-  <dgm:title val=""/>
-  <dgm:desc val=""/>
-  <dgm:catLst>
-    <dgm:cat type="process" pri="1600"/>
-  </dgm:catLst>
-  <dgm:sampData>
-    <dgm:dataModel>
-      <dgm:ptLst>
-        <dgm:pt modelId="0" type="doc"/>
-        <dgm:pt modelId="10">
-          <dgm:prSet phldr="1"/>
-        </dgm:pt>
-        <dgm:pt modelId="11">
-          <dgm:prSet phldr="1"/>
-        </dgm:pt>
-        <dgm:pt modelId="20">
-          <dgm:prSet phldr="1"/>
-        </dgm:pt>
-        <dgm:pt modelId="21">
-          <dgm:prSet phldr="1"/>
-        </dgm:pt>
-        <dgm:pt modelId="30">
-          <dgm:prSet phldr="1"/>
-        </dgm:pt>
-        <dgm:pt modelId="31">
-          <dgm:prSet phldr="1"/>
-        </dgm:pt>
-      </dgm:ptLst>
-      <dgm:cxnLst>
-        <dgm:cxn modelId="60" srcId="0" destId="10" srcOrd="0" destOrd="0"/>
-        <dgm:cxn modelId="12" srcId="10" destId="11" srcOrd="0" destOrd="0"/>
-        <dgm:cxn modelId="70" srcId="0" destId="20" srcOrd="1" destOrd="0"/>
-        <dgm:cxn modelId="22" srcId="20" destId="21" srcOrd="0" destOrd="0"/>
-        <dgm:cxn modelId="80" srcId="0" destId="30" srcOrd="2" destOrd="0"/>
-        <dgm:cxn modelId="32" srcId="30" destId="31" srcOrd="0" destOrd="0"/>
-      </dgm:cxnLst>
-      <dgm:bg/>
-      <dgm:whole/>
-    </dgm:dataModel>
-  </dgm:sampData>
-  <dgm:styleData>
-    <dgm:dataModel>
-      <dgm:ptLst>
-        <dgm:pt modelId="0" type="doc"/>
-        <dgm:pt modelId="10">
-          <dgm:prSet phldr="1"/>
-        </dgm:pt>
-        <dgm:pt modelId="20">
-          <dgm:prSet phldr="1"/>
-        </dgm:pt>
-      </dgm:ptLst>
-      <dgm:cxnLst>
-        <dgm:cxn modelId="60" srcId="0" destId="10" srcOrd="0" destOrd="0"/>
-        <dgm:cxn modelId="70" srcId="0" destId="20" srcOrd="1" destOrd="0"/>
-      </dgm:cxnLst>
-      <dgm:bg/>
-      <dgm:whole/>
-    </dgm:dataModel>
-  </dgm:styleData>
-  <dgm:clrData>
-    <dgm:dataModel>
-      <dgm:ptLst>
-        <dgm:pt modelId="0" type="doc"/>
-        <dgm:pt modelId="10">
-          <dgm:prSet phldr="1"/>
-        </dgm:pt>
-        <dgm:pt modelId="20">
-          <dgm:prSet phldr="1"/>
-        </dgm:pt>
-        <dgm:pt modelId="30">
-          <dgm:prSet phldr="1"/>
-        </dgm:pt>
-        <dgm:pt modelId="40">
-          <dgm:prSet phldr="1"/>
-        </dgm:pt>
-      </dgm:ptLst>
-      <dgm:cxnLst>
-        <dgm:cxn modelId="60" srcId="0" destId="10" srcOrd="0" destOrd="0"/>
-        <dgm:cxn modelId="70" srcId="0" destId="20" srcOrd="1" destOrd="0"/>
-        <dgm:cxn modelId="80" srcId="0" destId="30" srcOrd="2" destOrd="0"/>
-        <dgm:cxn modelId="90" srcId="0" destId="40" srcOrd="3" destOrd="0"/>
-      </dgm:cxnLst>
-      <dgm:bg/>
-      <dgm:whole/>
-    </dgm:dataModel>
-  </dgm:clrData>
-  <dgm:layoutNode name="rootnode">
-    <dgm:varLst>
-      <dgm:chMax/>
-      <dgm:chPref/>
-      <dgm:dir/>
-      <dgm:animLvl val="lvl"/>
-    </dgm:varLst>
-    <dgm:choose name="Name0">
-      <dgm:if name="Name1" func="var" arg="dir" op="equ" val="norm">
-        <dgm:alg type="snake">
-          <dgm:param type="grDir" val="tL"/>
-          <dgm:param type="flowDir" val="row"/>
-          <dgm:param type="off" val="off"/>
-          <dgm:param type="bkpt" val="fixed"/>
-          <dgm:param type="bkPtFixedVal" val="1"/>
-        </dgm:alg>
-      </dgm:if>
-      <dgm:else name="Name2">
-        <dgm:alg type="snake">
-          <dgm:param type="grDir" val="tR"/>
-          <dgm:param type="flowDir" val="row"/>
-          <dgm:param type="off" val="off"/>
-          <dgm:param type="bkpt" val="fixed"/>
-          <dgm:param type="bkPtFixedVal" val="1"/>
-        </dgm:alg>
-      </dgm:else>
-    </dgm:choose>
-    <dgm:shape xmlns:r="http://schemas.openxmlformats.org/officeDocument/2006/relationships" r:blip="">
-      <dgm:adjLst/>
-    </dgm:shape>
-    <dgm:choose name="Name3">
-      <dgm:if name="Name4" func="var" arg="dir" op="equ" val="norm">
-        <dgm:constrLst>
-          <dgm:constr type="alignOff" forName="rootnode" val="0.48"/>
-          <dgm:constr type="primFontSz" for="des" forName="ParentText" val="65"/>
-          <dgm:constr type="primFontSz" for="des" forName="ChildText" refType="primFontSz" refFor="des" refForName="ParentText" op="lte"/>
-          <dgm:constr type="w" for="ch" forName="composite" refType="w"/>
-          <dgm:constr type="h" for="ch" forName="composite" refType="h"/>
-          <dgm:constr type="sp" refType="h" refFor="ch" refForName="composite" op="equ" fact="-0.38"/>
-        </dgm:constrLst>
-      </dgm:if>
-      <dgm:else name="Name5">
-        <dgm:constrLst>
-          <dgm:constr type="alignOff" forName="rootnode" val="0.48"/>
-          <dgm:constr type="primFontSz" for="des" forName="ParentText" val="65"/>
-          <dgm:constr type="primFontSz" for="des" forName="ChildText" refType="primFontSz" refFor="des" refForName="ParentText" op="lte"/>
-          <dgm:constr type="w" for="ch" forName="composite" refType="w"/>
-          <dgm:constr type="h" for="ch" forName="composite" refType="h"/>
-          <dgm:constr type="sp" refType="h" refFor="ch" refForName="composite" op="equ" fact="-0.38"/>
-        </dgm:constrLst>
-      </dgm:else>
-    </dgm:choose>
-    <dgm:forEach name="nodesForEach" axis="ch" ptType="node">
-      <dgm:layoutNode name="composite">
-        <dgm:alg type="composite">
-          <dgm:param type="ar" val="1.2439"/>
-        </dgm:alg>
-        <dgm:shape xmlns:r="http://schemas.openxmlformats.org/officeDocument/2006/relationships" r:blip="">
-          <dgm:adjLst/>
-        </dgm:shape>
-        <dgm:choose name="Name6">
-          <dgm:if name="Name7" func="var" arg="dir" op="equ" val="norm">
-            <dgm:constrLst>
-              <dgm:constr type="l" for="ch" forName="bentUpArrow1" refType="w" fact="0.07"/>
-              <dgm:constr type="t" for="ch" forName="bentUpArrow1" refType="h" fact="0.524"/>
-              <dgm:constr type="w" for="ch" forName="bentUpArrow1" refType="w" fact="0.3844"/>
-              <dgm:constr type="h" for="ch" forName="bentUpArrow1" refType="h" fact="0.42"/>
-              <dgm:constr type="l" for="ch" forName="ParentText" refType="w" fact="0"/>
-              <dgm:constr type="t" for="ch" forName="ParentText" refType="h" fact="0"/>
-              <dgm:constr type="w" for="ch" forName="ParentText" refType="w" fact="0.5684"/>
-              <dgm:constr type="h" for="ch" forName="ParentText" refType="h" fact="0.4949"/>
-              <dgm:constr type="l" for="ch" forName="ChildText" refType="w" refFor="ch" refForName="ParentText"/>
-              <dgm:constr type="t" for="ch" forName="ChildText" refType="h" fact="0.05"/>
-              <dgm:constr type="w" for="ch" forName="ChildText" refType="w" fact="0.4134"/>
-              <dgm:constr type="h" for="ch" forName="ChildText" refType="h" fact="0.4"/>
-              <dgm:constr type="l" for="ch" forName="FinalChildText" refType="w" refFor="ch" refForName="ParentText"/>
-              <dgm:constr type="t" for="ch" forName="FinalChildText" refType="h" fact="0.05"/>
-              <dgm:constr type="w" for="ch" forName="FinalChildText" refType="w" fact="0.4134"/>
-              <dgm:constr type="h" for="ch" forName="FinalChildText" refType="h" fact="0.4"/>
-            </dgm:constrLst>
-          </dgm:if>
-          <dgm:else name="Name8">
-            <dgm:constrLst>
-              <dgm:constr type="r" for="ch" forName="bentUpArrow1" refType="w" fact="0.97"/>
-              <dgm:constr type="t" for="ch" forName="bentUpArrow1" refType="h" fact="0.524"/>
-              <dgm:constr type="w" for="ch" forName="bentUpArrow1" refType="w" fact="0.3844"/>
-              <dgm:constr type="h" for="ch" forName="bentUpArrow1" refType="h" fact="0.42"/>
-              <dgm:constr type="l" for="ch" forName="ParentText" refType="w" fact="0.4316"/>
-              <dgm:constr type="t" for="ch" forName="ParentText" refType="h" fact="0"/>
-              <dgm:constr type="w" for="ch" forName="ParentText" refType="w" fact="0.5684"/>
-              <dgm:constr type="h" for="ch" forName="ParentText" refType="h" fact="0.4949"/>
-              <dgm:constr type="l" for="ch" forName="ChildText" refType="w" fact="0"/>
-              <dgm:constr type="t" for="ch" forName="ChildText" refType="h" fact="0.05"/>
-              <dgm:constr type="w" for="ch" forName="ChildText" refType="w" fact="0.4134"/>
-              <dgm:constr type="h" for="ch" forName="ChildText" refType="h" fact="0.4"/>
-              <dgm:constr type="l" for="ch" forName="FinalChildText" refType="w" fact="0"/>
-              <dgm:constr type="t" for="ch" forName="FinalChildText" refType="h" fact="0.05"/>
-              <dgm:constr type="w" for="ch" forName="FinalChildText" refType="w" fact="0.4134"/>
-              <dgm:constr type="h" for="ch" forName="FinalChildText" refType="h" fact="0.4"/>
-            </dgm:constrLst>
-          </dgm:else>
-        </dgm:choose>
-        <dgm:choose name="Name9">
-          <dgm:if name="Name10" axis="followSib" ptType="node" func="cnt" op="gte" val="1">
-            <dgm:layoutNode name="bentUpArrow1" styleLbl="alignImgPlace1">
-              <dgm:alg type="sp"/>
-              <dgm:choose name="Name11">
-                <dgm:if name="Name12" func="var" arg="dir" op="equ" val="norm">
-                  <dgm:shape xmlns:r="http://schemas.openxmlformats.org/officeDocument/2006/relationships" rot="90" type="bentUpArrow" r:blip="">
-                    <dgm:adjLst>
-                      <dgm:adj idx="1" val="0.3284"/>
-                      <dgm:adj idx="2" val="0.25"/>
-                      <dgm:adj idx="3" val="0.3578"/>
-                    </dgm:adjLst>
-                  </dgm:shape>
-                </dgm:if>
-                <dgm:else name="Name13">
-                  <dgm:shape xmlns:r="http://schemas.openxmlformats.org/officeDocument/2006/relationships" rot="180" type="bentArrow" r:blip="">
-                    <dgm:adjLst>
-                      <dgm:adj idx="1" val="0.3284"/>
-                      <dgm:adj idx="2" val="0.25"/>
-                      <dgm:adj idx="3" val="0.3578"/>
-                      <dgm:adj idx="4" val="0"/>
-                    </dgm:adjLst>
-                  </dgm:shape>
-                </dgm:else>
-              </dgm:choose>
-              <dgm:presOf/>
-            </dgm:layoutNode>
-          </dgm:if>
-          <dgm:else name="Name14"/>
-        </dgm:choose>
-        <dgm:layoutNode name="ParentText" styleLbl="node1">
-          <dgm:varLst>
-            <dgm:chMax val="1"/>
-            <dgm:chPref val="1"/>
-            <dgm:bulletEnabled val="1"/>
-          </dgm:varLst>
-          <dgm:alg type="tx"/>
-          <dgm:shape xmlns:r="http://schemas.openxmlformats.org/officeDocument/2006/relationships" type="roundRect" r:blip="">
-            <dgm:adjLst>
-              <dgm:adj idx="1" val="0.1667"/>
-            </dgm:adjLst>
-          </dgm:shape>
-          <dgm:presOf axis="self" ptType="node"/>
-          <dgm:constrLst>
-            <dgm:constr type="lMarg" refType="primFontSz" fact="0.3"/>
-            <dgm:constr type="rMarg" refType="primFontSz" fact="0.3"/>
-            <dgm:constr type="tMarg" refType="primFontSz" fact="0.3"/>
-            <dgm:constr type="bMarg" refType="primFontSz" fact="0.3"/>
-          </dgm:constrLst>
-          <dgm:ruleLst>
-            <dgm:rule type="primFontSz" val="5" fact="NaN" max="NaN"/>
-          </dgm:ruleLst>
-        </dgm:layoutNode>
-        <dgm:choose name="Name15">
-          <dgm:if name="Name16" axis="followSib" ptType="node" func="cnt" op="equ" val="0">
-            <dgm:choose name="Name17">
-              <dgm:if name="Name18" axis="ch" ptType="node" func="cnt" op="gte" val="1">
-                <dgm:layoutNode name="FinalChildText" styleLbl="revTx">
-                  <dgm:varLst>
-                    <dgm:chMax val="0"/>
-                    <dgm:chPref val="0"/>
-                    <dgm:bulletEnabled val="1"/>
-                  </dgm:varLst>
-                  <dgm:alg type="tx">
-                    <dgm:param type="stBulletLvl" val="1"/>
-                    <dgm:param type="txAnchorVertCh" val="mid"/>
-                    <dgm:param type="parTxLTRAlign" val="l"/>
-                  </dgm:alg>
-                  <dgm:shape xmlns:r="http://schemas.openxmlformats.org/officeDocument/2006/relationships" type="rect" r:blip="">
-                    <dgm:adjLst/>
-                  </dgm:shape>
-                  <dgm:presOf axis="des" ptType="node"/>
-                  <dgm:constrLst>
-                    <dgm:constr type="lMarg" refType="primFontSz" fact="0.3"/>
-                    <dgm:constr type="rMarg" refType="primFontSz" fact="0.3"/>
-                    <dgm:constr type="tMarg" refType="primFontSz" fact="0.3"/>
-                    <dgm:constr type="bMarg" refType="primFontSz" fact="0.3"/>
-                  </dgm:constrLst>
-                  <dgm:ruleLst>
-                    <dgm:rule type="primFontSz" val="5" fact="NaN" max="NaN"/>
-                  </dgm:ruleLst>
-                </dgm:layoutNode>
-              </dgm:if>
-              <dgm:else name="Name19"/>
-            </dgm:choose>
-          </dgm:if>
-          <dgm:else name="Name20">
-            <dgm:layoutNode name="ChildText" styleLbl="revTx">
-              <dgm:varLst>
-                <dgm:chMax val="0"/>
-                <dgm:chPref val="0"/>
-                <dgm:bulletEnabled val="1"/>
-              </dgm:varLst>
-              <dgm:alg type="tx">
-                <dgm:param type="stBulletLvl" val="1"/>
-                <dgm:param type="txAnchorVertCh" val="mid"/>
-                <dgm:param type="parTxLTRAlign" val="l"/>
-              </dgm:alg>
-              <dgm:shape xmlns:r="http://schemas.openxmlformats.org/officeDocument/2006/relationships" type="rect" r:blip="">
-                <dgm:adjLst/>
-              </dgm:shape>
-              <dgm:presOf axis="des" ptType="node"/>
-              <dgm:constrLst>
-                <dgm:constr type="lMarg" refType="primFontSz" fact="0.3"/>
-                <dgm:constr type="rMarg" refType="primFontSz" fact="0.3"/>
-                <dgm:constr type="tMarg" refType="primFontSz" fact="0.3"/>
-                <dgm:constr type="bMarg" refType="primFontSz" fact="0.3"/>
-              </dgm:constrLst>
-              <dgm:ruleLst>
-                <dgm:rule type="primFontSz" val="5" fact="NaN" max="NaN"/>
-              </dgm:ruleLst>
-            </dgm:layoutNode>
-          </dgm:else>
-        </dgm:choose>
-      </dgm:layoutNode>
-      <dgm:forEach name="sibTransForEach" axis="followSib" ptType="sibTrans" cnt="1">
-        <dgm:layoutNode name="sibTrans">
-          <dgm:alg type="sp"/>
-          <dgm:shape xmlns:r="http://schemas.openxmlformats.org/officeDocument/2006/relationships" r:blip="">
-            <dgm:adjLst/>
-          </dgm:shape>
-        </dgm:layoutNode>
-      </dgm:forEach>
-    </dgm:forEach>
-  </dgm:layoutNode>
 </dgm:layoutDef>
 </file>
 
@@ -5278,1123 +3257,6 @@
 </dgm:styleDef>
 </file>
 
-<file path=ppt/diagrams/quickStyle2.xml><?xml version="1.0" encoding="utf-8"?>
-<dgm:styleDef xmlns:dgm="http://schemas.openxmlformats.org/drawingml/2006/diagram" xmlns:a="http://schemas.openxmlformats.org/drawingml/2006/main" uniqueId="urn:microsoft.com/office/officeart/2005/8/quickstyle/3d1">
-  <dgm:title val=""/>
-  <dgm:desc val=""/>
-  <dgm:catLst>
-    <dgm:cat type="3D" pri="11100"/>
-  </dgm:catLst>
-  <dgm:scene3d>
-    <a:camera prst="orthographicFront"/>
-    <a:lightRig rig="threePt" dir="t"/>
-  </dgm:scene3d>
-  <dgm:styleLbl name="node0">
-    <dgm:scene3d>
-      <a:camera prst="orthographicFront"/>
-      <a:lightRig rig="flat" dir="t"/>
-    </dgm:scene3d>
-    <dgm:sp3d prstMaterial="plastic">
-      <a:bevelT w="120900" h="88900"/>
-      <a:bevelB w="88900" h="31750" prst="angle"/>
-    </dgm:sp3d>
-    <dgm:txPr/>
-    <dgm:style>
-      <a:lnRef idx="0">
-        <a:scrgbClr r="0" g="0" b="0"/>
-      </a:lnRef>
-      <a:fillRef idx="3">
-        <a:scrgbClr r="0" g="0" b="0"/>
-      </a:fillRef>
-      <a:effectRef idx="2">
-        <a:scrgbClr r="0" g="0" b="0"/>
-      </a:effectRef>
-      <a:fontRef idx="minor">
-        <a:schemeClr val="lt1"/>
-      </a:fontRef>
-    </dgm:style>
-  </dgm:styleLbl>
-  <dgm:styleLbl name="lnNode1">
-    <dgm:scene3d>
-      <a:camera prst="orthographicFront"/>
-      <a:lightRig rig="flat" dir="t"/>
-    </dgm:scene3d>
-    <dgm:sp3d prstMaterial="plastic">
-      <a:bevelT w="120900" h="88900"/>
-      <a:bevelB w="88900" h="31750" prst="angle"/>
-    </dgm:sp3d>
-    <dgm:txPr/>
-    <dgm:style>
-      <a:lnRef idx="0">
-        <a:scrgbClr r="0" g="0" b="0"/>
-      </a:lnRef>
-      <a:fillRef idx="3">
-        <a:scrgbClr r="0" g="0" b="0"/>
-      </a:fillRef>
-      <a:effectRef idx="1">
-        <a:scrgbClr r="0" g="0" b="0"/>
-      </a:effectRef>
-      <a:fontRef idx="minor">
-        <a:schemeClr val="lt1"/>
-      </a:fontRef>
-    </dgm:style>
-  </dgm:styleLbl>
-  <dgm:styleLbl name="vennNode1">
-    <dgm:scene3d>
-      <a:camera prst="orthographicFront"/>
-      <a:lightRig rig="flat" dir="t"/>
-    </dgm:scene3d>
-    <dgm:sp3d prstMaterial="plastic">
-      <a:bevelT w="120900" h="88900"/>
-      <a:bevelB w="88900" h="31750" prst="angle"/>
-    </dgm:sp3d>
-    <dgm:txPr/>
-    <dgm:style>
-      <a:lnRef idx="0">
-        <a:scrgbClr r="0" g="0" b="0"/>
-      </a:lnRef>
-      <a:fillRef idx="1">
-        <a:scrgbClr r="0" g="0" b="0"/>
-      </a:fillRef>
-      <a:effectRef idx="1">
-        <a:scrgbClr r="0" g="0" b="0"/>
-      </a:effectRef>
-      <a:fontRef idx="minor">
-        <a:schemeClr val="tx1"/>
-      </a:fontRef>
-    </dgm:style>
-  </dgm:styleLbl>
-  <dgm:styleLbl name="alignNode1">
-    <dgm:scene3d>
-      <a:camera prst="orthographicFront"/>
-      <a:lightRig rig="flat" dir="t"/>
-    </dgm:scene3d>
-    <dgm:sp3d prstMaterial="plastic">
-      <a:bevelT w="120900" h="88900"/>
-      <a:bevelB w="88900" h="31750" prst="angle"/>
-    </dgm:sp3d>
-    <dgm:txPr/>
-    <dgm:style>
-      <a:lnRef idx="1">
-        <a:scrgbClr r="0" g="0" b="0"/>
-      </a:lnRef>
-      <a:fillRef idx="3">
-        <a:scrgbClr r="0" g="0" b="0"/>
-      </a:fillRef>
-      <a:effectRef idx="2">
-        <a:scrgbClr r="0" g="0" b="0"/>
-      </a:effectRef>
-      <a:fontRef idx="minor">
-        <a:schemeClr val="lt1"/>
-      </a:fontRef>
-    </dgm:style>
-  </dgm:styleLbl>
-  <dgm:styleLbl name="node1">
-    <dgm:scene3d>
-      <a:camera prst="orthographicFront"/>
-      <a:lightRig rig="flat" dir="t"/>
-    </dgm:scene3d>
-    <dgm:sp3d prstMaterial="plastic">
-      <a:bevelT w="120900" h="88900"/>
-      <a:bevelB w="88900" h="31750" prst="angle"/>
-    </dgm:sp3d>
-    <dgm:txPr/>
-    <dgm:style>
-      <a:lnRef idx="0">
-        <a:scrgbClr r="0" g="0" b="0"/>
-      </a:lnRef>
-      <a:fillRef idx="3">
-        <a:scrgbClr r="0" g="0" b="0"/>
-      </a:fillRef>
-      <a:effectRef idx="2">
-        <a:scrgbClr r="0" g="0" b="0"/>
-      </a:effectRef>
-      <a:fontRef idx="minor">
-        <a:schemeClr val="lt1"/>
-      </a:fontRef>
-    </dgm:style>
-  </dgm:styleLbl>
-  <dgm:styleLbl name="node2">
-    <dgm:scene3d>
-      <a:camera prst="orthographicFront"/>
-      <a:lightRig rig="flat" dir="t"/>
-    </dgm:scene3d>
-    <dgm:sp3d prstMaterial="plastic">
-      <a:bevelT w="120900" h="88900"/>
-      <a:bevelB w="88900" h="31750" prst="angle"/>
-    </dgm:sp3d>
-    <dgm:txPr/>
-    <dgm:style>
-      <a:lnRef idx="0">
-        <a:scrgbClr r="0" g="0" b="0"/>
-      </a:lnRef>
-      <a:fillRef idx="3">
-        <a:scrgbClr r="0" g="0" b="0"/>
-      </a:fillRef>
-      <a:effectRef idx="1">
-        <a:scrgbClr r="0" g="0" b="0"/>
-      </a:effectRef>
-      <a:fontRef idx="minor">
-        <a:schemeClr val="lt1"/>
-      </a:fontRef>
-    </dgm:style>
-  </dgm:styleLbl>
-  <dgm:styleLbl name="node3">
-    <dgm:scene3d>
-      <a:camera prst="orthographicFront"/>
-      <a:lightRig rig="flat" dir="t"/>
-    </dgm:scene3d>
-    <dgm:sp3d prstMaterial="plastic">
-      <a:bevelT w="120900" h="88900"/>
-      <a:bevelB w="88900" h="31750" prst="angle"/>
-    </dgm:sp3d>
-    <dgm:txPr/>
-    <dgm:style>
-      <a:lnRef idx="0">
-        <a:scrgbClr r="0" g="0" b="0"/>
-      </a:lnRef>
-      <a:fillRef idx="3">
-        <a:scrgbClr r="0" g="0" b="0"/>
-      </a:fillRef>
-      <a:effectRef idx="1">
-        <a:scrgbClr r="0" g="0" b="0"/>
-      </a:effectRef>
-      <a:fontRef idx="minor">
-        <a:schemeClr val="lt1"/>
-      </a:fontRef>
-    </dgm:style>
-  </dgm:styleLbl>
-  <dgm:styleLbl name="node4">
-    <dgm:scene3d>
-      <a:camera prst="orthographicFront"/>
-      <a:lightRig rig="flat" dir="t"/>
-    </dgm:scene3d>
-    <dgm:sp3d prstMaterial="plastic">
-      <a:bevelT w="120900" h="88900"/>
-      <a:bevelB w="88900" h="31750" prst="angle"/>
-    </dgm:sp3d>
-    <dgm:txPr/>
-    <dgm:style>
-      <a:lnRef idx="0">
-        <a:scrgbClr r="0" g="0" b="0"/>
-      </a:lnRef>
-      <a:fillRef idx="3">
-        <a:scrgbClr r="0" g="0" b="0"/>
-      </a:fillRef>
-      <a:effectRef idx="1">
-        <a:scrgbClr r="0" g="0" b="0"/>
-      </a:effectRef>
-      <a:fontRef idx="minor">
-        <a:schemeClr val="lt1"/>
-      </a:fontRef>
-    </dgm:style>
-  </dgm:styleLbl>
-  <dgm:styleLbl name="fgImgPlace1">
-    <dgm:scene3d>
-      <a:camera prst="orthographicFront"/>
-      <a:lightRig rig="flat" dir="t"/>
-    </dgm:scene3d>
-    <dgm:sp3d z="127000" prstMaterial="plastic">
-      <a:bevelT w="88900" h="88900"/>
-      <a:bevelB w="88900" h="31750" prst="angle"/>
-    </dgm:sp3d>
-    <dgm:txPr/>
-    <dgm:style>
-      <a:lnRef idx="0">
-        <a:scrgbClr r="0" g="0" b="0"/>
-      </a:lnRef>
-      <a:fillRef idx="3">
-        <a:scrgbClr r="0" g="0" b="0"/>
-      </a:fillRef>
-      <a:effectRef idx="2">
-        <a:scrgbClr r="0" g="0" b="0"/>
-      </a:effectRef>
-      <a:fontRef idx="minor"/>
-    </dgm:style>
-  </dgm:styleLbl>
-  <dgm:styleLbl name="alignImgPlace1">
-    <dgm:scene3d>
-      <a:camera prst="orthographicFront"/>
-      <a:lightRig rig="flat" dir="t"/>
-    </dgm:scene3d>
-    <dgm:sp3d prstMaterial="plastic">
-      <a:bevelT w="88900" h="88900"/>
-      <a:bevelB w="88900" h="31750" prst="angle"/>
-    </dgm:sp3d>
-    <dgm:txPr/>
-    <dgm:style>
-      <a:lnRef idx="0">
-        <a:scrgbClr r="0" g="0" b="0"/>
-      </a:lnRef>
-      <a:fillRef idx="3">
-        <a:scrgbClr r="0" g="0" b="0"/>
-      </a:fillRef>
-      <a:effectRef idx="2">
-        <a:scrgbClr r="0" g="0" b="0"/>
-      </a:effectRef>
-      <a:fontRef idx="minor"/>
-    </dgm:style>
-  </dgm:styleLbl>
-  <dgm:styleLbl name="bgImgPlace1">
-    <dgm:scene3d>
-      <a:camera prst="orthographicFront"/>
-      <a:lightRig rig="flat" dir="t"/>
-    </dgm:scene3d>
-    <dgm:sp3d z="-190500" prstMaterial="plastic">
-      <a:bevelT w="88900" h="88900"/>
-      <a:bevelB w="88900" h="31750" prst="angle"/>
-    </dgm:sp3d>
-    <dgm:txPr/>
-    <dgm:style>
-      <a:lnRef idx="0">
-        <a:scrgbClr r="0" g="0" b="0"/>
-      </a:lnRef>
-      <a:fillRef idx="3">
-        <a:scrgbClr r="0" g="0" b="0"/>
-      </a:fillRef>
-      <a:effectRef idx="2">
-        <a:scrgbClr r="0" g="0" b="0"/>
-      </a:effectRef>
-      <a:fontRef idx="minor"/>
-    </dgm:style>
-  </dgm:styleLbl>
-  <dgm:styleLbl name="sibTrans2D1">
-    <dgm:scene3d>
-      <a:camera prst="orthographicFront"/>
-      <a:lightRig rig="flat" dir="t"/>
-    </dgm:scene3d>
-    <dgm:sp3d z="-80000" prstMaterial="plastic">
-      <a:bevelT w="50800" h="50800"/>
-      <a:bevelB w="25400" h="25400" prst="angle"/>
-    </dgm:sp3d>
-    <dgm:txPr/>
-    <dgm:style>
-      <a:lnRef idx="0">
-        <a:scrgbClr r="0" g="0" b="0"/>
-      </a:lnRef>
-      <a:fillRef idx="3">
-        <a:scrgbClr r="0" g="0" b="0"/>
-      </a:fillRef>
-      <a:effectRef idx="2">
-        <a:scrgbClr r="0" g="0" b="0"/>
-      </a:effectRef>
-      <a:fontRef idx="minor">
-        <a:schemeClr val="lt1"/>
-      </a:fontRef>
-    </dgm:style>
-  </dgm:styleLbl>
-  <dgm:styleLbl name="fgSibTrans2D1">
-    <dgm:scene3d>
-      <a:camera prst="orthographicFront"/>
-      <a:lightRig rig="flat" dir="t"/>
-    </dgm:scene3d>
-    <dgm:sp3d z="127000" prstMaterial="plastic">
-      <a:bevelT w="50800" h="50800"/>
-      <a:bevelB w="25400" h="25400" prst="angle"/>
-    </dgm:sp3d>
-    <dgm:txPr/>
-    <dgm:style>
-      <a:lnRef idx="0">
-        <a:scrgbClr r="0" g="0" b="0"/>
-      </a:lnRef>
-      <a:fillRef idx="3">
-        <a:scrgbClr r="0" g="0" b="0"/>
-      </a:fillRef>
-      <a:effectRef idx="2">
-        <a:scrgbClr r="0" g="0" b="0"/>
-      </a:effectRef>
-      <a:fontRef idx="minor">
-        <a:schemeClr val="lt1"/>
-      </a:fontRef>
-    </dgm:style>
-  </dgm:styleLbl>
-  <dgm:styleLbl name="bgSibTrans2D1">
-    <dgm:scene3d>
-      <a:camera prst="orthographicFront"/>
-      <a:lightRig rig="flat" dir="t"/>
-    </dgm:scene3d>
-    <dgm:sp3d z="-190500" prstMaterial="plastic">
-      <a:bevelT w="50800" h="50800"/>
-      <a:bevelB w="25400" h="25400" prst="angle"/>
-    </dgm:sp3d>
-    <dgm:txPr/>
-    <dgm:style>
-      <a:lnRef idx="0">
-        <a:scrgbClr r="0" g="0" b="0"/>
-      </a:lnRef>
-      <a:fillRef idx="3">
-        <a:scrgbClr r="0" g="0" b="0"/>
-      </a:fillRef>
-      <a:effectRef idx="2">
-        <a:scrgbClr r="0" g="0" b="0"/>
-      </a:effectRef>
-      <a:fontRef idx="minor">
-        <a:schemeClr val="lt1"/>
-      </a:fontRef>
-    </dgm:style>
-  </dgm:styleLbl>
-  <dgm:styleLbl name="sibTrans1D1">
-    <dgm:scene3d>
-      <a:camera prst="orthographicFront"/>
-      <a:lightRig rig="flat" dir="t"/>
-    </dgm:scene3d>
-    <dgm:sp3d z="-40000" prstMaterial="matte"/>
-    <dgm:txPr/>
-    <dgm:style>
-      <a:lnRef idx="1">
-        <a:scrgbClr r="0" g="0" b="0"/>
-      </a:lnRef>
-      <a:fillRef idx="0">
-        <a:scrgbClr r="0" g="0" b="0"/>
-      </a:fillRef>
-      <a:effectRef idx="0">
-        <a:scrgbClr r="0" g="0" b="0"/>
-      </a:effectRef>
-      <a:fontRef idx="minor"/>
-    </dgm:style>
-  </dgm:styleLbl>
-  <dgm:styleLbl name="callout">
-    <dgm:scene3d>
-      <a:camera prst="orthographicFront"/>
-      <a:lightRig rig="threePt" dir="t"/>
-    </dgm:scene3d>
-    <dgm:sp3d z="127000" prstMaterial="matte"/>
-    <dgm:txPr/>
-    <dgm:style>
-      <a:lnRef idx="2">
-        <a:scrgbClr r="0" g="0" b="0"/>
-      </a:lnRef>
-      <a:fillRef idx="1">
-        <a:scrgbClr r="0" g="0" b="0"/>
-      </a:fillRef>
-      <a:effectRef idx="0">
-        <a:scrgbClr r="0" g="0" b="0"/>
-      </a:effectRef>
-      <a:fontRef idx="minor"/>
-    </dgm:style>
-  </dgm:styleLbl>
-  <dgm:styleLbl name="asst0">
-    <dgm:scene3d>
-      <a:camera prst="orthographicFront"/>
-      <a:lightRig rig="flat" dir="t"/>
-    </dgm:scene3d>
-    <dgm:sp3d prstMaterial="plastic">
-      <a:bevelT w="120900" h="88900"/>
-      <a:bevelB w="88900" h="31750" prst="angle"/>
-    </dgm:sp3d>
-    <dgm:txPr/>
-    <dgm:style>
-      <a:lnRef idx="0">
-        <a:scrgbClr r="0" g="0" b="0"/>
-      </a:lnRef>
-      <a:fillRef idx="3">
-        <a:scrgbClr r="0" g="0" b="0"/>
-      </a:fillRef>
-      <a:effectRef idx="1">
-        <a:scrgbClr r="0" g="0" b="0"/>
-      </a:effectRef>
-      <a:fontRef idx="minor">
-        <a:schemeClr val="lt1"/>
-      </a:fontRef>
-    </dgm:style>
-  </dgm:styleLbl>
-  <dgm:styleLbl name="asst1">
-    <dgm:scene3d>
-      <a:camera prst="orthographicFront"/>
-      <a:lightRig rig="flat" dir="t"/>
-    </dgm:scene3d>
-    <dgm:sp3d prstMaterial="plastic">
-      <a:bevelT w="120900" h="88900"/>
-      <a:bevelB w="88900" h="31750" prst="angle"/>
-    </dgm:sp3d>
-    <dgm:txPr/>
-    <dgm:style>
-      <a:lnRef idx="0">
-        <a:scrgbClr r="0" g="0" b="0"/>
-      </a:lnRef>
-      <a:fillRef idx="3">
-        <a:scrgbClr r="0" g="0" b="0"/>
-      </a:fillRef>
-      <a:effectRef idx="1">
-        <a:scrgbClr r="0" g="0" b="0"/>
-      </a:effectRef>
-      <a:fontRef idx="minor">
-        <a:schemeClr val="lt1"/>
-      </a:fontRef>
-    </dgm:style>
-  </dgm:styleLbl>
-  <dgm:styleLbl name="asst2">
-    <dgm:scene3d>
-      <a:camera prst="orthographicFront"/>
-      <a:lightRig rig="flat" dir="t"/>
-    </dgm:scene3d>
-    <dgm:sp3d prstMaterial="plastic">
-      <a:bevelT w="120900" h="88900"/>
-      <a:bevelB w="88900" h="31750" prst="angle"/>
-    </dgm:sp3d>
-    <dgm:txPr/>
-    <dgm:style>
-      <a:lnRef idx="0">
-        <a:scrgbClr r="0" g="0" b="0"/>
-      </a:lnRef>
-      <a:fillRef idx="3">
-        <a:scrgbClr r="0" g="0" b="0"/>
-      </a:fillRef>
-      <a:effectRef idx="1">
-        <a:scrgbClr r="0" g="0" b="0"/>
-      </a:effectRef>
-      <a:fontRef idx="minor">
-        <a:schemeClr val="lt1"/>
-      </a:fontRef>
-    </dgm:style>
-  </dgm:styleLbl>
-  <dgm:styleLbl name="asst3">
-    <dgm:scene3d>
-      <a:camera prst="orthographicFront"/>
-      <a:lightRig rig="flat" dir="t"/>
-    </dgm:scene3d>
-    <dgm:sp3d prstMaterial="plastic">
-      <a:bevelT w="120900" h="88900"/>
-      <a:bevelB w="88900" h="31750" prst="angle"/>
-    </dgm:sp3d>
-    <dgm:txPr/>
-    <dgm:style>
-      <a:lnRef idx="0">
-        <a:scrgbClr r="0" g="0" b="0"/>
-      </a:lnRef>
-      <a:fillRef idx="3">
-        <a:scrgbClr r="0" g="0" b="0"/>
-      </a:fillRef>
-      <a:effectRef idx="1">
-        <a:scrgbClr r="0" g="0" b="0"/>
-      </a:effectRef>
-      <a:fontRef idx="minor">
-        <a:schemeClr val="lt1"/>
-      </a:fontRef>
-    </dgm:style>
-  </dgm:styleLbl>
-  <dgm:styleLbl name="parChTrans2D1">
-    <dgm:scene3d>
-      <a:camera prst="orthographicFront"/>
-      <a:lightRig rig="flat" dir="t"/>
-    </dgm:scene3d>
-    <dgm:sp3d z="-100000" prstMaterial="plastic">
-      <a:bevelT w="120900" h="88900"/>
-      <a:bevelB w="88900" h="31750" prst="angle"/>
-    </dgm:sp3d>
-    <dgm:txPr/>
-    <dgm:style>
-      <a:lnRef idx="0">
-        <a:scrgbClr r="0" g="0" b="0"/>
-      </a:lnRef>
-      <a:fillRef idx="3">
-        <a:scrgbClr r="0" g="0" b="0"/>
-      </a:fillRef>
-      <a:effectRef idx="1">
-        <a:scrgbClr r="0" g="0" b="0"/>
-      </a:effectRef>
-      <a:fontRef idx="minor">
-        <a:schemeClr val="lt1"/>
-      </a:fontRef>
-    </dgm:style>
-  </dgm:styleLbl>
-  <dgm:styleLbl name="parChTrans2D2">
-    <dgm:scene3d>
-      <a:camera prst="orthographicFront"/>
-      <a:lightRig rig="flat" dir="t"/>
-    </dgm:scene3d>
-    <dgm:sp3d z="-60000" prstMaterial="plastic">
-      <a:bevelT w="120900" h="88900"/>
-      <a:bevelB w="88900" h="31750" prst="angle"/>
-    </dgm:sp3d>
-    <dgm:txPr/>
-    <dgm:style>
-      <a:lnRef idx="0">
-        <a:scrgbClr r="0" g="0" b="0"/>
-      </a:lnRef>
-      <a:fillRef idx="3">
-        <a:scrgbClr r="0" g="0" b="0"/>
-      </a:fillRef>
-      <a:effectRef idx="1">
-        <a:scrgbClr r="0" g="0" b="0"/>
-      </a:effectRef>
-      <a:fontRef idx="minor">
-        <a:schemeClr val="lt1"/>
-      </a:fontRef>
-    </dgm:style>
-  </dgm:styleLbl>
-  <dgm:styleLbl name="parChTrans2D3">
-    <dgm:scene3d>
-      <a:camera prst="orthographicFront"/>
-      <a:lightRig rig="flat" dir="t"/>
-    </dgm:scene3d>
-    <dgm:sp3d z="-60000" prstMaterial="plastic">
-      <a:bevelT w="120900" h="88900"/>
-      <a:bevelB w="88900" h="31750" prst="angle"/>
-    </dgm:sp3d>
-    <dgm:txPr/>
-    <dgm:style>
-      <a:lnRef idx="0">
-        <a:scrgbClr r="0" g="0" b="0"/>
-      </a:lnRef>
-      <a:fillRef idx="3">
-        <a:scrgbClr r="0" g="0" b="0"/>
-      </a:fillRef>
-      <a:effectRef idx="1">
-        <a:scrgbClr r="0" g="0" b="0"/>
-      </a:effectRef>
-      <a:fontRef idx="minor">
-        <a:schemeClr val="lt1"/>
-      </a:fontRef>
-    </dgm:style>
-  </dgm:styleLbl>
-  <dgm:styleLbl name="parChTrans2D4">
-    <dgm:scene3d>
-      <a:camera prst="orthographicFront"/>
-      <a:lightRig rig="flat" dir="t"/>
-    </dgm:scene3d>
-    <dgm:sp3d z="-60000" prstMaterial="plastic">
-      <a:bevelT w="120900" h="88900"/>
-      <a:bevelB w="88900" h="31750" prst="angle"/>
-    </dgm:sp3d>
-    <dgm:txPr/>
-    <dgm:style>
-      <a:lnRef idx="0">
-        <a:scrgbClr r="0" g="0" b="0"/>
-      </a:lnRef>
-      <a:fillRef idx="3">
-        <a:scrgbClr r="0" g="0" b="0"/>
-      </a:fillRef>
-      <a:effectRef idx="1">
-        <a:scrgbClr r="0" g="0" b="0"/>
-      </a:effectRef>
-      <a:fontRef idx="minor">
-        <a:schemeClr val="lt1"/>
-      </a:fontRef>
-    </dgm:style>
-  </dgm:styleLbl>
-  <dgm:styleLbl name="parChTrans1D1">
-    <dgm:scene3d>
-      <a:camera prst="orthographicFront"/>
-      <a:lightRig rig="flat" dir="t"/>
-    </dgm:scene3d>
-    <dgm:sp3d prstMaterial="matte"/>
-    <dgm:txPr/>
-    <dgm:style>
-      <a:lnRef idx="2">
-        <a:scrgbClr r="0" g="0" b="0"/>
-      </a:lnRef>
-      <a:fillRef idx="0">
-        <a:scrgbClr r="0" g="0" b="0"/>
-      </a:fillRef>
-      <a:effectRef idx="0">
-        <a:scrgbClr r="0" g="0" b="0"/>
-      </a:effectRef>
-      <a:fontRef idx="minor"/>
-    </dgm:style>
-  </dgm:styleLbl>
-  <dgm:styleLbl name="parChTrans1D2">
-    <dgm:scene3d>
-      <a:camera prst="orthographicFront"/>
-      <a:lightRig rig="flat" dir="t"/>
-    </dgm:scene3d>
-    <dgm:sp3d prstMaterial="matte"/>
-    <dgm:txPr/>
-    <dgm:style>
-      <a:lnRef idx="2">
-        <a:scrgbClr r="0" g="0" b="0"/>
-      </a:lnRef>
-      <a:fillRef idx="0">
-        <a:scrgbClr r="0" g="0" b="0"/>
-      </a:fillRef>
-      <a:effectRef idx="0">
-        <a:scrgbClr r="0" g="0" b="0"/>
-      </a:effectRef>
-      <a:fontRef idx="minor"/>
-    </dgm:style>
-  </dgm:styleLbl>
-  <dgm:styleLbl name="parChTrans1D3">
-    <dgm:scene3d>
-      <a:camera prst="orthographicFront"/>
-      <a:lightRig rig="flat" dir="t"/>
-    </dgm:scene3d>
-    <dgm:sp3d prstMaterial="matte"/>
-    <dgm:txPr/>
-    <dgm:style>
-      <a:lnRef idx="2">
-        <a:scrgbClr r="0" g="0" b="0"/>
-      </a:lnRef>
-      <a:fillRef idx="0">
-        <a:scrgbClr r="0" g="0" b="0"/>
-      </a:fillRef>
-      <a:effectRef idx="0">
-        <a:scrgbClr r="0" g="0" b="0"/>
-      </a:effectRef>
-      <a:fontRef idx="minor"/>
-    </dgm:style>
-  </dgm:styleLbl>
-  <dgm:styleLbl name="parChTrans1D4">
-    <dgm:scene3d>
-      <a:camera prst="orthographicFront"/>
-      <a:lightRig rig="flat" dir="t"/>
-    </dgm:scene3d>
-    <dgm:sp3d prstMaterial="matte"/>
-    <dgm:txPr/>
-    <dgm:style>
-      <a:lnRef idx="2">
-        <a:scrgbClr r="0" g="0" b="0"/>
-      </a:lnRef>
-      <a:fillRef idx="0">
-        <a:scrgbClr r="0" g="0" b="0"/>
-      </a:fillRef>
-      <a:effectRef idx="0">
-        <a:scrgbClr r="0" g="0" b="0"/>
-      </a:effectRef>
-      <a:fontRef idx="minor"/>
-    </dgm:style>
-  </dgm:styleLbl>
-  <dgm:styleLbl name="fgAcc1">
-    <dgm:scene3d>
-      <a:camera prst="orthographicFront"/>
-      <a:lightRig rig="flat" dir="t"/>
-    </dgm:scene3d>
-    <dgm:sp3d z="190500" extrusionH="12700" prstMaterial="plastic">
-      <a:bevelT w="50800" h="50800"/>
-    </dgm:sp3d>
-    <dgm:txPr/>
-    <dgm:style>
-      <a:lnRef idx="1">
-        <a:scrgbClr r="0" g="0" b="0"/>
-      </a:lnRef>
-      <a:fillRef idx="1">
-        <a:scrgbClr r="0" g="0" b="0"/>
-      </a:fillRef>
-      <a:effectRef idx="2">
-        <a:scrgbClr r="0" g="0" b="0"/>
-      </a:effectRef>
-      <a:fontRef idx="minor"/>
-    </dgm:style>
-  </dgm:styleLbl>
-  <dgm:styleLbl name="conFgAcc1">
-    <dgm:scene3d>
-      <a:camera prst="orthographicFront"/>
-      <a:lightRig rig="flat" dir="t"/>
-    </dgm:scene3d>
-    <dgm:sp3d z="190500" extrusionH="12700" prstMaterial="plastic">
-      <a:bevelT w="50800" h="50800"/>
-    </dgm:sp3d>
-    <dgm:txPr/>
-    <dgm:style>
-      <a:lnRef idx="1">
-        <a:scrgbClr r="0" g="0" b="0"/>
-      </a:lnRef>
-      <a:fillRef idx="1">
-        <a:scrgbClr r="0" g="0" b="0"/>
-      </a:fillRef>
-      <a:effectRef idx="2">
-        <a:scrgbClr r="0" g="0" b="0"/>
-      </a:effectRef>
-      <a:fontRef idx="minor"/>
-    </dgm:style>
-  </dgm:styleLbl>
-  <dgm:styleLbl name="alignAcc1">
-    <dgm:scene3d>
-      <a:camera prst="orthographicFront"/>
-      <a:lightRig rig="flat" dir="t"/>
-    </dgm:scene3d>
-    <dgm:sp3d extrusionH="12700" prstMaterial="plastic">
-      <a:bevelT w="50800" h="50800"/>
-    </dgm:sp3d>
-    <dgm:txPr/>
-    <dgm:style>
-      <a:lnRef idx="1">
-        <a:scrgbClr r="0" g="0" b="0"/>
-      </a:lnRef>
-      <a:fillRef idx="1">
-        <a:scrgbClr r="0" g="0" b="0"/>
-      </a:fillRef>
-      <a:effectRef idx="2">
-        <a:scrgbClr r="0" g="0" b="0"/>
-      </a:effectRef>
-      <a:fontRef idx="minor"/>
-    </dgm:style>
-  </dgm:styleLbl>
-  <dgm:styleLbl name="trAlignAcc1">
-    <dgm:scene3d>
-      <a:camera prst="orthographicFront"/>
-      <a:lightRig rig="flat" dir="t"/>
-    </dgm:scene3d>
-    <dgm:sp3d extrusionH="12700" prstMaterial="plastic">
-      <a:bevelT w="50800" h="50800"/>
-    </dgm:sp3d>
-    <dgm:txPr/>
-    <dgm:style>
-      <a:lnRef idx="1">
-        <a:scrgbClr r="0" g="0" b="0"/>
-      </a:lnRef>
-      <a:fillRef idx="1">
-        <a:scrgbClr r="0" g="0" b="0"/>
-      </a:fillRef>
-      <a:effectRef idx="2">
-        <a:scrgbClr r="0" g="0" b="0"/>
-      </a:effectRef>
-      <a:fontRef idx="minor"/>
-    </dgm:style>
-  </dgm:styleLbl>
-  <dgm:styleLbl name="bgAcc1">
-    <dgm:scene3d>
-      <a:camera prst="orthographicFront"/>
-      <a:lightRig rig="flat" dir="t"/>
-    </dgm:scene3d>
-    <dgm:sp3d z="-190500" extrusionH="12700" prstMaterial="plastic">
-      <a:bevelT w="50800" h="50800"/>
-    </dgm:sp3d>
-    <dgm:txPr/>
-    <dgm:style>
-      <a:lnRef idx="1">
-        <a:scrgbClr r="0" g="0" b="0"/>
-      </a:lnRef>
-      <a:fillRef idx="1">
-        <a:scrgbClr r="0" g="0" b="0"/>
-      </a:fillRef>
-      <a:effectRef idx="2">
-        <a:scrgbClr r="0" g="0" b="0"/>
-      </a:effectRef>
-      <a:fontRef idx="minor"/>
-    </dgm:style>
-  </dgm:styleLbl>
-  <dgm:styleLbl name="solidFgAcc1">
-    <dgm:scene3d>
-      <a:camera prst="orthographicFront"/>
-      <a:lightRig rig="flat" dir="t"/>
-    </dgm:scene3d>
-    <dgm:sp3d z="190500" extrusionH="12700" prstMaterial="plastic">
-      <a:bevelT w="50800" h="50800"/>
-    </dgm:sp3d>
-    <dgm:txPr/>
-    <dgm:style>
-      <a:lnRef idx="1">
-        <a:scrgbClr r="0" g="0" b="0"/>
-      </a:lnRef>
-      <a:fillRef idx="1">
-        <a:scrgbClr r="0" g="0" b="0"/>
-      </a:fillRef>
-      <a:effectRef idx="2">
-        <a:scrgbClr r="0" g="0" b="0"/>
-      </a:effectRef>
-      <a:fontRef idx="minor"/>
-    </dgm:style>
-  </dgm:styleLbl>
-  <dgm:styleLbl name="solidAlignAcc1">
-    <dgm:scene3d>
-      <a:camera prst="orthographicFront"/>
-      <a:lightRig rig="flat" dir="t"/>
-    </dgm:scene3d>
-    <dgm:sp3d extrusionH="12700" prstMaterial="plastic">
-      <a:bevelT w="50800" h="50800"/>
-    </dgm:sp3d>
-    <dgm:txPr/>
-    <dgm:style>
-      <a:lnRef idx="1">
-        <a:scrgbClr r="0" g="0" b="0"/>
-      </a:lnRef>
-      <a:fillRef idx="1">
-        <a:scrgbClr r="0" g="0" b="0"/>
-      </a:fillRef>
-      <a:effectRef idx="2">
-        <a:scrgbClr r="0" g="0" b="0"/>
-      </a:effectRef>
-      <a:fontRef idx="minor"/>
-    </dgm:style>
-  </dgm:styleLbl>
-  <dgm:styleLbl name="solidBgAcc1">
-    <dgm:scene3d>
-      <a:camera prst="orthographicFront"/>
-      <a:lightRig rig="flat" dir="t"/>
-    </dgm:scene3d>
-    <dgm:sp3d z="-190500" extrusionH="12700" prstMaterial="plastic">
-      <a:bevelT w="50800" h="50800"/>
-    </dgm:sp3d>
-    <dgm:txPr/>
-    <dgm:style>
-      <a:lnRef idx="1">
-        <a:scrgbClr r="0" g="0" b="0"/>
-      </a:lnRef>
-      <a:fillRef idx="1">
-        <a:scrgbClr r="0" g="0" b="0"/>
-      </a:fillRef>
-      <a:effectRef idx="2">
-        <a:scrgbClr r="0" g="0" b="0"/>
-      </a:effectRef>
-      <a:fontRef idx="minor"/>
-    </dgm:style>
-  </dgm:styleLbl>
-  <dgm:styleLbl name="fgAccFollowNode1">
-    <dgm:scene3d>
-      <a:camera prst="orthographicFront"/>
-      <a:lightRig rig="flat" dir="t"/>
-    </dgm:scene3d>
-    <dgm:sp3d z="190500" extrusionH="12700" prstMaterial="plastic">
-      <a:bevelT w="50800" h="50800"/>
-    </dgm:sp3d>
-    <dgm:txPr/>
-    <dgm:style>
-      <a:lnRef idx="1">
-        <a:scrgbClr r="0" g="0" b="0"/>
-      </a:lnRef>
-      <a:fillRef idx="1">
-        <a:scrgbClr r="0" g="0" b="0"/>
-      </a:fillRef>
-      <a:effectRef idx="2">
-        <a:scrgbClr r="0" g="0" b="0"/>
-      </a:effectRef>
-      <a:fontRef idx="minor"/>
-    </dgm:style>
-  </dgm:styleLbl>
-  <dgm:styleLbl name="alignAccFollowNode1">
-    <dgm:scene3d>
-      <a:camera prst="orthographicFront"/>
-      <a:lightRig rig="flat" dir="t"/>
-    </dgm:scene3d>
-    <dgm:sp3d extrusionH="12700" prstMaterial="plastic">
-      <a:bevelT w="50800" h="50800"/>
-    </dgm:sp3d>
-    <dgm:txPr/>
-    <dgm:style>
-      <a:lnRef idx="1">
-        <a:scrgbClr r="0" g="0" b="0"/>
-      </a:lnRef>
-      <a:fillRef idx="1">
-        <a:scrgbClr r="0" g="0" b="0"/>
-      </a:fillRef>
-      <a:effectRef idx="2">
-        <a:scrgbClr r="0" g="0" b="0"/>
-      </a:effectRef>
-      <a:fontRef idx="minor"/>
-    </dgm:style>
-  </dgm:styleLbl>
-  <dgm:styleLbl name="bgAccFollowNode1">
-    <dgm:scene3d>
-      <a:camera prst="orthographicFront"/>
-      <a:lightRig rig="flat" dir="t"/>
-    </dgm:scene3d>
-    <dgm:sp3d z="-190500" extrusionH="12700" prstMaterial="plastic">
-      <a:bevelT w="50800" h="50800"/>
-    </dgm:sp3d>
-    <dgm:txPr/>
-    <dgm:style>
-      <a:lnRef idx="1">
-        <a:scrgbClr r="0" g="0" b="0"/>
-      </a:lnRef>
-      <a:fillRef idx="1">
-        <a:scrgbClr r="0" g="0" b="0"/>
-      </a:fillRef>
-      <a:effectRef idx="2">
-        <a:scrgbClr r="0" g="0" b="0"/>
-      </a:effectRef>
-      <a:fontRef idx="minor"/>
-    </dgm:style>
-  </dgm:styleLbl>
-  <dgm:styleLbl name="fgAcc0">
-    <dgm:scene3d>
-      <a:camera prst="orthographicFront"/>
-      <a:lightRig rig="flat" dir="t"/>
-    </dgm:scene3d>
-    <dgm:sp3d z="190500" extrusionH="12700" prstMaterial="plastic">
-      <a:bevelT w="50800" h="50800"/>
-    </dgm:sp3d>
-    <dgm:txPr/>
-    <dgm:style>
-      <a:lnRef idx="1">
-        <a:scrgbClr r="0" g="0" b="0"/>
-      </a:lnRef>
-      <a:fillRef idx="1">
-        <a:scrgbClr r="0" g="0" b="0"/>
-      </a:fillRef>
-      <a:effectRef idx="2">
-        <a:scrgbClr r="0" g="0" b="0"/>
-      </a:effectRef>
-      <a:fontRef idx="minor"/>
-    </dgm:style>
-  </dgm:styleLbl>
-  <dgm:styleLbl name="fgAcc2">
-    <dgm:scene3d>
-      <a:camera prst="orthographicFront"/>
-      <a:lightRig rig="flat" dir="t"/>
-    </dgm:scene3d>
-    <dgm:sp3d z="190500" extrusionH="12700" prstMaterial="plastic">
-      <a:bevelT w="50800" h="50800"/>
-    </dgm:sp3d>
-    <dgm:txPr/>
-    <dgm:style>
-      <a:lnRef idx="1">
-        <a:scrgbClr r="0" g="0" b="0"/>
-      </a:lnRef>
-      <a:fillRef idx="1">
-        <a:scrgbClr r="0" g="0" b="0"/>
-      </a:fillRef>
-      <a:effectRef idx="2">
-        <a:scrgbClr r="0" g="0" b="0"/>
-      </a:effectRef>
-      <a:fontRef idx="minor"/>
-    </dgm:style>
-  </dgm:styleLbl>
-  <dgm:styleLbl name="fgAcc3">
-    <dgm:scene3d>
-      <a:camera prst="orthographicFront"/>
-      <a:lightRig rig="flat" dir="t"/>
-    </dgm:scene3d>
-    <dgm:sp3d z="190500" extrusionH="12700" prstMaterial="plastic">
-      <a:bevelT w="50800" h="50800"/>
-    </dgm:sp3d>
-    <dgm:txPr/>
-    <dgm:style>
-      <a:lnRef idx="1">
-        <a:scrgbClr r="0" g="0" b="0"/>
-      </a:lnRef>
-      <a:fillRef idx="1">
-        <a:scrgbClr r="0" g="0" b="0"/>
-      </a:fillRef>
-      <a:effectRef idx="2">
-        <a:scrgbClr r="0" g="0" b="0"/>
-      </a:effectRef>
-      <a:fontRef idx="minor"/>
-    </dgm:style>
-  </dgm:styleLbl>
-  <dgm:styleLbl name="fgAcc4">
-    <dgm:scene3d>
-      <a:camera prst="orthographicFront"/>
-      <a:lightRig rig="flat" dir="t"/>
-    </dgm:scene3d>
-    <dgm:sp3d z="190500" extrusionH="12700" prstMaterial="plastic">
-      <a:bevelT w="50800" h="50800"/>
-    </dgm:sp3d>
-    <dgm:txPr/>
-    <dgm:style>
-      <a:lnRef idx="1">
-        <a:scrgbClr r="0" g="0" b="0"/>
-      </a:lnRef>
-      <a:fillRef idx="1">
-        <a:scrgbClr r="0" g="0" b="0"/>
-      </a:fillRef>
-      <a:effectRef idx="2">
-        <a:scrgbClr r="0" g="0" b="0"/>
-      </a:effectRef>
-      <a:fontRef idx="minor"/>
-    </dgm:style>
-  </dgm:styleLbl>
-  <dgm:styleLbl name="bgShp">
-    <dgm:scene3d>
-      <a:camera prst="orthographicFront"/>
-      <a:lightRig rig="flat" dir="t"/>
-    </dgm:scene3d>
-    <dgm:sp3d z="-190500" extrusionH="12700" prstMaterial="plastic">
-      <a:bevelT w="50800" h="50800"/>
-    </dgm:sp3d>
-    <dgm:txPr/>
-    <dgm:style>
-      <a:lnRef idx="0">
-        <a:scrgbClr r="0" g="0" b="0"/>
-      </a:lnRef>
-      <a:fillRef idx="3">
-        <a:scrgbClr r="0" g="0" b="0"/>
-      </a:fillRef>
-      <a:effectRef idx="0">
-        <a:scrgbClr r="0" g="0" b="0"/>
-      </a:effectRef>
-      <a:fontRef idx="minor"/>
-    </dgm:style>
-  </dgm:styleLbl>
-  <dgm:styleLbl name="dkBgShp">
-    <dgm:scene3d>
-      <a:camera prst="orthographicFront"/>
-      <a:lightRig rig="flat" dir="t"/>
-    </dgm:scene3d>
-    <dgm:sp3d z="-190500" extrusionH="12700" prstMaterial="plastic">
-      <a:bevelT w="50800" h="50800"/>
-    </dgm:sp3d>
-    <dgm:txPr/>
-    <dgm:style>
-      <a:lnRef idx="0">
-        <a:scrgbClr r="0" g="0" b="0"/>
-      </a:lnRef>
-      <a:fillRef idx="2">
-        <a:scrgbClr r="0" g="0" b="0"/>
-      </a:fillRef>
-      <a:effectRef idx="0">
-        <a:scrgbClr r="0" g="0" b="0"/>
-      </a:effectRef>
-      <a:fontRef idx="minor"/>
-    </dgm:style>
-  </dgm:styleLbl>
-  <dgm:styleLbl name="trBgShp">
-    <dgm:scene3d>
-      <a:camera prst="orthographicFront"/>
-      <a:lightRig rig="flat" dir="t"/>
-    </dgm:scene3d>
-    <dgm:sp3d z="-190500" extrusionH="12700" prstMaterial="matte"/>
-    <dgm:txPr/>
-    <dgm:style>
-      <a:lnRef idx="0">
-        <a:scrgbClr r="0" g="0" b="0"/>
-      </a:lnRef>
-      <a:fillRef idx="1">
-        <a:scrgbClr r="0" g="0" b="0"/>
-      </a:fillRef>
-      <a:effectRef idx="0">
-        <a:scrgbClr r="0" g="0" b="0"/>
-      </a:effectRef>
-      <a:fontRef idx="minor"/>
-    </dgm:style>
-  </dgm:styleLbl>
-  <dgm:styleLbl name="fgShp">
-    <dgm:scene3d>
-      <a:camera prst="orthographicFront"/>
-      <a:lightRig rig="flat" dir="t"/>
-    </dgm:scene3d>
-    <dgm:sp3d z="190500" prstMaterial="plastic">
-      <a:bevelT w="120900" h="88900"/>
-      <a:bevelB w="88900" h="31750" prst="angle"/>
-    </dgm:sp3d>
-    <dgm:txPr/>
-    <dgm:style>
-      <a:lnRef idx="0">
-        <a:scrgbClr r="0" g="0" b="0"/>
-      </a:lnRef>
-      <a:fillRef idx="1">
-        <a:scrgbClr r="0" g="0" b="0"/>
-      </a:fillRef>
-      <a:effectRef idx="3">
-        <a:scrgbClr r="0" g="0" b="0"/>
-      </a:effectRef>
-      <a:fontRef idx="minor">
-        <a:schemeClr val="lt1"/>
-      </a:fontRef>
-    </dgm:style>
-  </dgm:styleLbl>
-  <dgm:styleLbl name="revTx">
-    <dgm:scene3d>
-      <a:camera prst="orthographicFront"/>
-      <a:lightRig rig="threePt" dir="t"/>
-    </dgm:scene3d>
-    <dgm:sp3d/>
-    <dgm:txPr/>
-    <dgm:style>
-      <a:lnRef idx="0">
-        <a:scrgbClr r="0" g="0" b="0"/>
-      </a:lnRef>
-      <a:fillRef idx="0">
-        <a:scrgbClr r="0" g="0" b="0"/>
-      </a:fillRef>
-      <a:effectRef idx="0">
-        <a:scrgbClr r="0" g="0" b="0"/>
-      </a:effectRef>
-      <a:fontRef idx="minor"/>
-    </dgm:style>
-  </dgm:styleLbl>
-</dgm:styleDef>
-</file>
-
 <file path=ppt/handoutMasters/handoutMaster1.xml><?xml version="1.0" encoding="utf-8"?>
 <p:handoutMaster xmlns:a="http://schemas.openxmlformats.org/drawingml/2006/main" xmlns:r="http://schemas.openxmlformats.org/officeDocument/2006/relationships" xmlns:p="http://schemas.openxmlformats.org/presentationml/2006/main">
   <p:cSld>
@@ -6489,7 +3351,7 @@
           <a:p>
             <a:fld id="{ECD963B1-226B-4B24-8975-7DD28730789D}" type="datetimeFigureOut">
               <a:rPr lang="en-US" smtClean="0"/>
-              <a:t>3/3/2025</a:t>
+              <a:t>4/11/2025</a:t>
             </a:fld>
             <a:endParaRPr lang="en-US" dirty="0"/>
           </a:p>
@@ -6666,7 +3528,7 @@
           <a:p>
             <a:fld id="{62C0BE83-1F76-412F-817F-6B87541A62B7}" type="datetimeFigureOut">
               <a:rPr lang="en-US" smtClean="0"/>
-              <a:t>3/3/2025</a:t>
+              <a:t>4/11/2025</a:t>
             </a:fld>
             <a:endParaRPr lang="en-US" dirty="0"/>
           </a:p>
@@ -7214,114 +4076,6 @@
   <p:cSld>
     <p:spTree>
       <p:nvGrpSpPr>
-        <p:cNvPr id="1" name="">
-          <a:extLst>
-            <a:ext uri="{FF2B5EF4-FFF2-40B4-BE49-F238E27FC236}">
-              <a16:creationId xmlns:a16="http://schemas.microsoft.com/office/drawing/2014/main" id="{7D2E506B-3CFF-54A3-00B6-7A2A2829C65F}"/>
-            </a:ext>
-          </a:extLst>
-        </p:cNvPr>
-        <p:cNvGrpSpPr/>
-        <p:nvPr/>
-      </p:nvGrpSpPr>
-      <p:grpSpPr>
-        <a:xfrm>
-          <a:off x="0" y="0"/>
-          <a:ext cx="0" cy="0"/>
-          <a:chOff x="0" y="0"/>
-          <a:chExt cx="0" cy="0"/>
-        </a:xfrm>
-      </p:grpSpPr>
-      <p:sp>
-        <p:nvSpPr>
-          <p:cNvPr id="2" name="Slide Image Placeholder 1">
-            <a:extLst>
-              <a:ext uri="{FF2B5EF4-FFF2-40B4-BE49-F238E27FC236}">
-                <a16:creationId xmlns:a16="http://schemas.microsoft.com/office/drawing/2014/main" id="{8708E7F8-3A5B-C6C2-6A15-E5017A3E4EA8}"/>
-              </a:ext>
-            </a:extLst>
-          </p:cNvPr>
-          <p:cNvSpPr>
-            <a:spLocks noGrp="1" noRot="1" noChangeAspect="1"/>
-          </p:cNvSpPr>
-          <p:nvPr>
-            <p:ph type="sldImg"/>
-          </p:nvPr>
-        </p:nvSpPr>
-        <p:spPr/>
-      </p:sp>
-      <p:sp>
-        <p:nvSpPr>
-          <p:cNvPr id="3" name="Notes Placeholder 2">
-            <a:extLst>
-              <a:ext uri="{FF2B5EF4-FFF2-40B4-BE49-F238E27FC236}">
-                <a16:creationId xmlns:a16="http://schemas.microsoft.com/office/drawing/2014/main" id="{3FDFD1ED-5CC1-24CE-D261-0B1F4BE284E3}"/>
-              </a:ext>
-            </a:extLst>
-          </p:cNvPr>
-          <p:cNvSpPr>
-            <a:spLocks noGrp="1"/>
-          </p:cNvSpPr>
-          <p:nvPr>
-            <p:ph type="body" idx="1"/>
-          </p:nvPr>
-        </p:nvSpPr>
-        <p:spPr/>
-        <p:txBody>
-          <a:bodyPr/>
-          <a:lstStyle/>
-          <a:p>
-            <a:endParaRPr lang="en-US" dirty="0"/>
-          </a:p>
-        </p:txBody>
-      </p:sp>
-      <p:sp>
-        <p:nvSpPr>
-          <p:cNvPr id="4" name="Slide Number Placeholder 3">
-            <a:extLst>
-              <a:ext uri="{FF2B5EF4-FFF2-40B4-BE49-F238E27FC236}">
-                <a16:creationId xmlns:a16="http://schemas.microsoft.com/office/drawing/2014/main" id="{785BFC1F-C37D-6ACA-FE96-4531D0E805FE}"/>
-              </a:ext>
-            </a:extLst>
-          </p:cNvPr>
-          <p:cNvSpPr>
-            <a:spLocks noGrp="1"/>
-          </p:cNvSpPr>
-          <p:nvPr>
-            <p:ph type="sldNum" sz="quarter" idx="5"/>
-          </p:nvPr>
-        </p:nvSpPr>
-        <p:spPr/>
-        <p:txBody>
-          <a:bodyPr/>
-          <a:lstStyle/>
-          <a:p>
-            <a:fld id="{6CB54AA9-D1C5-4A71-8BC1-393246244DDE}" type="slidenum">
-              <a:rPr lang="en-US" smtClean="0"/>
-              <a:t>4</a:t>
-            </a:fld>
-            <a:endParaRPr lang="en-US" dirty="0"/>
-          </a:p>
-        </p:txBody>
-      </p:sp>
-    </p:spTree>
-    <p:extLst>
-      <p:ext uri="{BB962C8B-B14F-4D97-AF65-F5344CB8AC3E}">
-        <p14:creationId xmlns:p14="http://schemas.microsoft.com/office/powerpoint/2010/main" val="2575363779"/>
-      </p:ext>
-    </p:extLst>
-  </p:cSld>
-  <p:clrMapOvr>
-    <a:masterClrMapping/>
-  </p:clrMapOvr>
-</p:notes>
-</file>
-
-<file path=ppt/notesSlides/notesSlide5.xml><?xml version="1.0" encoding="utf-8"?>
-<p:notes xmlns:a="http://schemas.openxmlformats.org/drawingml/2006/main" xmlns:r="http://schemas.openxmlformats.org/officeDocument/2006/relationships" xmlns:p="http://schemas.openxmlformats.org/presentationml/2006/main">
-  <p:cSld>
-    <p:spTree>
-      <p:nvGrpSpPr>
         <p:cNvPr id="1" name=""/>
         <p:cNvGrpSpPr/>
         <p:nvPr/>
@@ -7382,7 +4136,7 @@
           <a:p>
             <a:fld id="{6CB54AA9-D1C5-4A71-8BC1-393246244DDE}" type="slidenum">
               <a:rPr lang="en-US" smtClean="0"/>
-              <a:t>5</a:t>
+              <a:t>4</a:t>
             </a:fld>
             <a:endParaRPr lang="en-US" dirty="0"/>
           </a:p>
@@ -7401,7 +4155,7 @@
 </p:notes>
 </file>
 
-<file path=ppt/notesSlides/notesSlide6.xml><?xml version="1.0" encoding="utf-8"?>
+<file path=ppt/notesSlides/notesSlide5.xml><?xml version="1.0" encoding="utf-8"?>
 <p:notes xmlns:a="http://schemas.openxmlformats.org/drawingml/2006/main" xmlns:r="http://schemas.openxmlformats.org/officeDocument/2006/relationships" xmlns:p="http://schemas.openxmlformats.org/presentationml/2006/main">
   <p:cSld>
     <p:spTree>
@@ -7490,7 +4244,7 @@
           <a:p>
             <a:fld id="{6CB54AA9-D1C5-4A71-8BC1-393246244DDE}" type="slidenum">
               <a:rPr lang="en-US" smtClean="0"/>
-              <a:t>6</a:t>
+              <a:t>5</a:t>
             </a:fld>
             <a:endParaRPr lang="en-US" dirty="0"/>
           </a:p>
@@ -7509,7 +4263,7 @@
 </p:notes>
 </file>
 
-<file path=ppt/notesSlides/notesSlide7.xml><?xml version="1.0" encoding="utf-8"?>
+<file path=ppt/notesSlides/notesSlide6.xml><?xml version="1.0" encoding="utf-8"?>
 <p:notes xmlns:a="http://schemas.openxmlformats.org/drawingml/2006/main" xmlns:r="http://schemas.openxmlformats.org/officeDocument/2006/relationships" xmlns:p="http://schemas.openxmlformats.org/presentationml/2006/main">
   <p:cSld>
     <p:spTree>
@@ -7598,7 +4352,7 @@
           <a:p>
             <a:fld id="{6CB54AA9-D1C5-4A71-8BC1-393246244DDE}" type="slidenum">
               <a:rPr lang="en-US" smtClean="0"/>
-              <a:t>7</a:t>
+              <a:t>6</a:t>
             </a:fld>
             <a:endParaRPr lang="en-US" dirty="0"/>
           </a:p>
@@ -7608,6 +4362,114 @@
     <p:extLst>
       <p:ext uri="{BB962C8B-B14F-4D97-AF65-F5344CB8AC3E}">
         <p14:creationId xmlns:p14="http://schemas.microsoft.com/office/powerpoint/2010/main" val="246711356"/>
+      </p:ext>
+    </p:extLst>
+  </p:cSld>
+  <p:clrMapOvr>
+    <a:masterClrMapping/>
+  </p:clrMapOvr>
+</p:notes>
+</file>
+
+<file path=ppt/notesSlides/notesSlide7.xml><?xml version="1.0" encoding="utf-8"?>
+<p:notes xmlns:a="http://schemas.openxmlformats.org/drawingml/2006/main" xmlns:r="http://schemas.openxmlformats.org/officeDocument/2006/relationships" xmlns:p="http://schemas.openxmlformats.org/presentationml/2006/main">
+  <p:cSld>
+    <p:spTree>
+      <p:nvGrpSpPr>
+        <p:cNvPr id="1" name="">
+          <a:extLst>
+            <a:ext uri="{FF2B5EF4-FFF2-40B4-BE49-F238E27FC236}">
+              <a16:creationId xmlns:a16="http://schemas.microsoft.com/office/drawing/2014/main" id="{2B59BE5A-E95F-72C6-FE9A-440A0D7AC752}"/>
+            </a:ext>
+          </a:extLst>
+        </p:cNvPr>
+        <p:cNvGrpSpPr/>
+        <p:nvPr/>
+      </p:nvGrpSpPr>
+      <p:grpSpPr>
+        <a:xfrm>
+          <a:off x="0" y="0"/>
+          <a:ext cx="0" cy="0"/>
+          <a:chOff x="0" y="0"/>
+          <a:chExt cx="0" cy="0"/>
+        </a:xfrm>
+      </p:grpSpPr>
+      <p:sp>
+        <p:nvSpPr>
+          <p:cNvPr id="2" name="Slide Image Placeholder 1">
+            <a:extLst>
+              <a:ext uri="{FF2B5EF4-FFF2-40B4-BE49-F238E27FC236}">
+                <a16:creationId xmlns:a16="http://schemas.microsoft.com/office/drawing/2014/main" id="{A8DF33FD-0613-A496-5303-5193E381B26B}"/>
+              </a:ext>
+            </a:extLst>
+          </p:cNvPr>
+          <p:cNvSpPr>
+            <a:spLocks noGrp="1" noRot="1" noChangeAspect="1"/>
+          </p:cNvSpPr>
+          <p:nvPr>
+            <p:ph type="sldImg"/>
+          </p:nvPr>
+        </p:nvSpPr>
+        <p:spPr/>
+      </p:sp>
+      <p:sp>
+        <p:nvSpPr>
+          <p:cNvPr id="3" name="Notes Placeholder 2">
+            <a:extLst>
+              <a:ext uri="{FF2B5EF4-FFF2-40B4-BE49-F238E27FC236}">
+                <a16:creationId xmlns:a16="http://schemas.microsoft.com/office/drawing/2014/main" id="{F612E1F8-526B-811F-6BF6-0C7101840619}"/>
+              </a:ext>
+            </a:extLst>
+          </p:cNvPr>
+          <p:cNvSpPr>
+            <a:spLocks noGrp="1"/>
+          </p:cNvSpPr>
+          <p:nvPr>
+            <p:ph type="body" idx="1"/>
+          </p:nvPr>
+        </p:nvSpPr>
+        <p:spPr/>
+        <p:txBody>
+          <a:bodyPr/>
+          <a:lstStyle/>
+          <a:p>
+            <a:endParaRPr lang="en-US" dirty="0"/>
+          </a:p>
+        </p:txBody>
+      </p:sp>
+      <p:sp>
+        <p:nvSpPr>
+          <p:cNvPr id="4" name="Slide Number Placeholder 3">
+            <a:extLst>
+              <a:ext uri="{FF2B5EF4-FFF2-40B4-BE49-F238E27FC236}">
+                <a16:creationId xmlns:a16="http://schemas.microsoft.com/office/drawing/2014/main" id="{2CEB4D6D-8BB6-4FA5-7A76-F414593E77DE}"/>
+              </a:ext>
+            </a:extLst>
+          </p:cNvPr>
+          <p:cNvSpPr>
+            <a:spLocks noGrp="1"/>
+          </p:cNvSpPr>
+          <p:nvPr>
+            <p:ph type="sldNum" sz="quarter" idx="5"/>
+          </p:nvPr>
+        </p:nvSpPr>
+        <p:spPr/>
+        <p:txBody>
+          <a:bodyPr/>
+          <a:lstStyle/>
+          <a:p>
+            <a:fld id="{6CB54AA9-D1C5-4A71-8BC1-393246244DDE}" type="slidenum">
+              <a:rPr lang="en-US" smtClean="0"/>
+              <a:t>7</a:t>
+            </a:fld>
+            <a:endParaRPr lang="en-US" dirty="0"/>
+          </a:p>
+        </p:txBody>
+      </p:sp>
+    </p:spTree>
+    <p:extLst>
+      <p:ext uri="{BB962C8B-B14F-4D97-AF65-F5344CB8AC3E}">
+        <p14:creationId xmlns:p14="http://schemas.microsoft.com/office/powerpoint/2010/main" val="2257795899"/>
       </p:ext>
     </p:extLst>
   </p:cSld>
@@ -7622,7 +4484,13 @@
   <p:cSld>
     <p:spTree>
       <p:nvGrpSpPr>
-        <p:cNvPr id="1" name=""/>
+        <p:cNvPr id="1" name="">
+          <a:extLst>
+            <a:ext uri="{FF2B5EF4-FFF2-40B4-BE49-F238E27FC236}">
+              <a16:creationId xmlns:a16="http://schemas.microsoft.com/office/drawing/2014/main" id="{7F870331-03D2-3217-9F78-9E2153F6C4D6}"/>
+            </a:ext>
+          </a:extLst>
+        </p:cNvPr>
         <p:cNvGrpSpPr/>
         <p:nvPr/>
       </p:nvGrpSpPr>
@@ -7636,7 +4504,13 @@
       </p:grpSpPr>
       <p:sp>
         <p:nvSpPr>
-          <p:cNvPr id="2" name="Slide Image Placeholder 1"/>
+          <p:cNvPr id="2" name="Slide Image Placeholder 1">
+            <a:extLst>
+              <a:ext uri="{FF2B5EF4-FFF2-40B4-BE49-F238E27FC236}">
+                <a16:creationId xmlns:a16="http://schemas.microsoft.com/office/drawing/2014/main" id="{C66A9998-0795-38B8-AD97-27C2C9ECED38}"/>
+              </a:ext>
+            </a:extLst>
+          </p:cNvPr>
           <p:cNvSpPr>
             <a:spLocks noGrp="1" noRot="1" noChangeAspect="1"/>
           </p:cNvSpPr>
@@ -7648,7 +4522,13 @@
       </p:sp>
       <p:sp>
         <p:nvSpPr>
-          <p:cNvPr id="3" name="Notes Placeholder 2"/>
+          <p:cNvPr id="3" name="Notes Placeholder 2">
+            <a:extLst>
+              <a:ext uri="{FF2B5EF4-FFF2-40B4-BE49-F238E27FC236}">
+                <a16:creationId xmlns:a16="http://schemas.microsoft.com/office/drawing/2014/main" id="{8E0C77F4-B492-EE8F-2147-D2B52E879D3B}"/>
+              </a:ext>
+            </a:extLst>
+          </p:cNvPr>
           <p:cNvSpPr>
             <a:spLocks noGrp="1"/>
           </p:cNvSpPr>
@@ -7667,7 +4547,13 @@
       </p:sp>
       <p:sp>
         <p:nvSpPr>
-          <p:cNvPr id="4" name="Slide Number Placeholder 3"/>
+          <p:cNvPr id="4" name="Slide Number Placeholder 3">
+            <a:extLst>
+              <a:ext uri="{FF2B5EF4-FFF2-40B4-BE49-F238E27FC236}">
+                <a16:creationId xmlns:a16="http://schemas.microsoft.com/office/drawing/2014/main" id="{245CF06F-866C-45E3-3F99-EF0055327FE9}"/>
+              </a:ext>
+            </a:extLst>
+          </p:cNvPr>
           <p:cNvSpPr>
             <a:spLocks noGrp="1"/>
           </p:cNvSpPr>
@@ -7691,7 +4577,7 @@
     </p:spTree>
     <p:extLst>
       <p:ext uri="{BB962C8B-B14F-4D97-AF65-F5344CB8AC3E}">
-        <p14:creationId xmlns:p14="http://schemas.microsoft.com/office/powerpoint/2010/main" val="2248896341"/>
+        <p14:creationId xmlns:p14="http://schemas.microsoft.com/office/powerpoint/2010/main" val="161735439"/>
       </p:ext>
     </p:extLst>
   </p:cSld>
@@ -8255,7 +5141,7 @@
           <a:p>
             <a:fld id="{03FCE02C-6EC6-4E09-BC2C-9FDED4DE236E}" type="datetimeFigureOut">
               <a:rPr lang="en-US" dirty="0"/>
-              <a:t>3/3/2025</a:t>
+              <a:t>4/11/2025</a:t>
             </a:fld>
             <a:endParaRPr lang="en-US" dirty="0"/>
           </a:p>
@@ -8456,7 +5342,7 @@
             <a:fld id="{FB075A7A-4A9A-410F-B848-AB998ACC9419}" type="datetimeFigureOut">
               <a:rPr lang="en-US" dirty="0"/>
               <a:pPr/>
-              <a:t>3/3/2025</a:t>
+              <a:t>4/11/2025</a:t>
             </a:fld>
             <a:endParaRPr lang="en-US" dirty="0"/>
           </a:p>
@@ -8657,7 +5543,7 @@
             <a:fld id="{AA5F3E88-2D66-4D17-B0FA-EA13CB20B2FF}" type="datetimeFigureOut">
               <a:rPr lang="en-US" dirty="0"/>
               <a:pPr/>
-              <a:t>3/3/2025</a:t>
+              <a:t>4/11/2025</a:t>
             </a:fld>
             <a:endParaRPr lang="en-US" dirty="0"/>
           </a:p>
@@ -8860,7 +5746,7 @@
             <a:fld id="{4D8F36E1-9596-4E98-8786-4A17C5D29C65}" type="datetimeFigureOut">
               <a:rPr lang="en-US" dirty="0"/>
               <a:pPr/>
-              <a:t>3/3/2025</a:t>
+              <a:t>4/11/2025</a:t>
             </a:fld>
             <a:endParaRPr lang="en-US" dirty="0"/>
           </a:p>
@@ -9454,7 +6340,7 @@
           <a:p>
             <a:fld id="{EE4D1A55-63BC-4BA2-9538-7DDEADA10621}" type="datetimeFigureOut">
               <a:rPr lang="en-US" dirty="0"/>
-              <a:t>3/3/2025</a:t>
+              <a:t>4/11/2025</a:t>
             </a:fld>
             <a:endParaRPr lang="en-US" dirty="0"/>
           </a:p>
@@ -9773,7 +6659,7 @@
             <a:fld id="{66D01ABB-8821-4BF5-97A9-E1A66ACAEAA9}" type="datetimeFigureOut">
               <a:rPr lang="en-US" dirty="0"/>
               <a:pPr/>
-              <a:t>3/3/2025</a:t>
+              <a:t>4/11/2025</a:t>
             </a:fld>
             <a:endParaRPr lang="en-US" dirty="0"/>
           </a:p>
@@ -10231,7 +7117,7 @@
             <a:fld id="{20C37B1C-D4A1-4A4F-A470-80868146AFC5}" type="datetimeFigureOut">
               <a:rPr lang="en-US" dirty="0"/>
               <a:pPr/>
-              <a:t>3/3/2025</a:t>
+              <a:t>4/11/2025</a:t>
             </a:fld>
             <a:endParaRPr lang="en-US" dirty="0"/>
           </a:p>
@@ -10370,7 +7256,7 @@
             <a:fld id="{6D31D1B9-F39E-471E-80A9-595CAA5664AD}" type="datetimeFigureOut">
               <a:rPr lang="en-US" dirty="0"/>
               <a:pPr/>
-              <a:t>3/3/2025</a:t>
+              <a:t>4/11/2025</a:t>
             </a:fld>
             <a:endParaRPr lang="en-US" dirty="0"/>
           </a:p>
@@ -10486,7 +7372,7 @@
             <a:fld id="{33FCEABC-E2B9-4606-A74F-CB06AF596887}" type="datetimeFigureOut">
               <a:rPr lang="en-US" dirty="0"/>
               <a:pPr/>
-              <a:t>3/3/2025</a:t>
+              <a:t>4/11/2025</a:t>
             </a:fld>
             <a:endParaRPr lang="en-US" dirty="0"/>
           </a:p>
@@ -10906,7 +7792,7 @@
             <a:fld id="{FA8850A0-01A3-4F4E-AA52-F716A9BFD4EB}" type="datetimeFigureOut">
               <a:rPr lang="en-US" dirty="0"/>
               <a:pPr/>
-              <a:t>3/3/2025</a:t>
+              <a:t>4/11/2025</a:t>
             </a:fld>
             <a:endParaRPr lang="en-US" dirty="0"/>
           </a:p>
@@ -11344,7 +8230,7 @@
           <a:p>
             <a:fld id="{E5811CCA-BB49-46C7-A0E2-F42339750F9A}" type="datetimeFigureOut">
               <a:rPr lang="en-US" dirty="0"/>
-              <a:t>3/3/2025</a:t>
+              <a:t>4/11/2025</a:t>
             </a:fld>
             <a:endParaRPr lang="en-US" dirty="0"/>
           </a:p>
@@ -11635,7 +8521,7 @@
           <a:p>
             <a:fld id="{17205CAA-4E5A-4223-BD55-C5D2841AC9EF}" type="datetimeFigureOut">
               <a:rPr lang="en-US" dirty="0"/>
-              <a:t>3/3/2025</a:t>
+              <a:t>4/11/2025</a:t>
             </a:fld>
             <a:endParaRPr lang="en-US" dirty="0"/>
           </a:p>
@@ -13200,7 +10086,9 @@
           </a:xfrm>
         </p:spPr>
         <p:txBody>
-          <a:bodyPr/>
+          <a:bodyPr>
+            <a:normAutofit lnSpcReduction="10000"/>
+          </a:bodyPr>
           <a:lstStyle/>
           <a:p>
             <a:pPr marL="0" indent="0" algn="just">
@@ -13288,7 +10176,7 @@
                 </a:solidFill>
                 <a:effectLst/>
               </a:rPr>
-              <a:t>. </a:t>
+              <a:t>. The system should also have an app interface for users to manually control the watering of the plants.</a:t>
             </a:r>
             <a:endParaRPr lang="en-IN" dirty="0">
               <a:solidFill>
@@ -13748,6 +10636,11 @@
           </p:cNvGraphicFramePr>
           <p:nvPr>
             <p:ph idx="1"/>
+            <p:extLst>
+              <p:ext uri="{D42A27DB-BD31-4B8C-83A1-F6EECF244321}">
+                <p14:modId xmlns:p14="http://schemas.microsoft.com/office/powerpoint/2010/main" val="2933609715"/>
+              </p:ext>
+            </p:extLst>
           </p:nvPr>
         </p:nvGraphicFramePr>
         <p:xfrm>
@@ -13774,490 +10667,6 @@
 </file>
 
 <file path=ppt/slides/slide4.xml><?xml version="1.0" encoding="utf-8"?>
-<p:sld xmlns:a="http://schemas.openxmlformats.org/drawingml/2006/main" xmlns:r="http://schemas.openxmlformats.org/officeDocument/2006/relationships" xmlns:p="http://schemas.openxmlformats.org/presentationml/2006/main">
-  <p:cSld>
-    <p:bg>
-      <p:bgPr>
-        <a:solidFill>
-          <a:schemeClr val="bg1"/>
-        </a:solidFill>
-        <a:effectLst/>
-      </p:bgPr>
-    </p:bg>
-    <p:spTree>
-      <p:nvGrpSpPr>
-        <p:cNvPr id="1" name="">
-          <a:extLst>
-            <a:ext uri="{FF2B5EF4-FFF2-40B4-BE49-F238E27FC236}">
-              <a16:creationId xmlns:a16="http://schemas.microsoft.com/office/drawing/2014/main" id="{0971D534-F4AE-65CF-FF15-940749B5A062}"/>
-            </a:ext>
-          </a:extLst>
-        </p:cNvPr>
-        <p:cNvGrpSpPr/>
-        <p:nvPr/>
-      </p:nvGrpSpPr>
-      <p:grpSpPr>
-        <a:xfrm>
-          <a:off x="0" y="0"/>
-          <a:ext cx="0" cy="0"/>
-          <a:chOff x="0" y="0"/>
-          <a:chExt cx="0" cy="0"/>
-        </a:xfrm>
-      </p:grpSpPr>
-      <p:sp>
-        <p:nvSpPr>
-          <p:cNvPr id="33" name="Rectangle 27">
-            <a:extLst>
-              <a:ext uri="{FF2B5EF4-FFF2-40B4-BE49-F238E27FC236}">
-                <a16:creationId xmlns:a16="http://schemas.microsoft.com/office/drawing/2014/main" id="{63FA6E9F-F141-BF45-33C1-571D39BF0494}"/>
-              </a:ext>
-              <a:ext uri="{C183D7F6-B498-43B3-948B-1728B52AA6E4}">
-                <adec:decorative xmlns:adec="http://schemas.microsoft.com/office/drawing/2017/decorative" val="1"/>
-              </a:ext>
-            </a:extLst>
-          </p:cNvPr>
-          <p:cNvSpPr>
-            <a:spLocks noGrp="1" noRot="1" noChangeAspect="1" noMove="1" noResize="1" noEditPoints="1" noAdjustHandles="1" noChangeArrowheads="1" noChangeShapeType="1" noTextEdit="1"/>
-          </p:cNvSpPr>
-          <p:nvPr>
-            <p:extLst>
-              <p:ext uri="{386F3935-93C4-4BCD-93E2-E3B085C9AB24}">
-                <p16:designElem xmlns:p16="http://schemas.microsoft.com/office/powerpoint/2015/main" val="1"/>
-              </p:ext>
-            </p:extLst>
-          </p:nvPr>
-        </p:nvSpPr>
-        <p:spPr>
-          <a:xfrm>
-            <a:off x="0" y="0"/>
-            <a:ext cx="12192001" cy="6858000"/>
-          </a:xfrm>
-          <a:prstGeom prst="rect">
-            <a:avLst/>
-          </a:prstGeom>
-          <a:gradFill>
-            <a:gsLst>
-              <a:gs pos="0">
-                <a:schemeClr val="bg2">
-                  <a:tint val="90000"/>
-                  <a:shade val="92000"/>
-                  <a:satMod val="160000"/>
-                </a:schemeClr>
-              </a:gs>
-              <a:gs pos="77000">
-                <a:schemeClr val="bg2">
-                  <a:tint val="100000"/>
-                  <a:shade val="73000"/>
-                  <a:satMod val="155000"/>
-                </a:schemeClr>
-              </a:gs>
-              <a:gs pos="100000">
-                <a:schemeClr val="bg2">
-                  <a:tint val="100000"/>
-                  <a:shade val="67000"/>
-                  <a:satMod val="145000"/>
-                </a:schemeClr>
-              </a:gs>
-            </a:gsLst>
-            <a:lin ang="5400000" scaled="0"/>
-          </a:gradFill>
-          <a:ln>
-            <a:noFill/>
-          </a:ln>
-        </p:spPr>
-        <p:style>
-          <a:lnRef idx="2">
-            <a:schemeClr val="accent1">
-              <a:shade val="50000"/>
-            </a:schemeClr>
-          </a:lnRef>
-          <a:fillRef idx="1">
-            <a:schemeClr val="accent1"/>
-          </a:fillRef>
-          <a:effectRef idx="0">
-            <a:schemeClr val="accent1"/>
-          </a:effectRef>
-          <a:fontRef idx="minor">
-            <a:schemeClr val="lt1"/>
-          </a:fontRef>
-        </p:style>
-        <p:txBody>
-          <a:bodyPr rot="0" spcFirstLastPara="0" vert="horz" wrap="square" lIns="91440" tIns="45720" rIns="91440" bIns="45720" numCol="1" spcCol="0" rtlCol="0" fromWordArt="0" anchor="ctr" anchorCtr="0" forceAA="0" compatLnSpc="1">
-            <a:prstTxWarp prst="textNoShape">
-              <a:avLst/>
-            </a:prstTxWarp>
-            <a:noAutofit/>
-          </a:bodyPr>
-          <a:lstStyle>
-            <a:defPPr>
-              <a:defRPr lang="en-US"/>
-            </a:defPPr>
-            <a:lvl1pPr marL="0" algn="l" defTabSz="914400" rtl="0" eaLnBrk="1" latinLnBrk="0" hangingPunct="1">
-              <a:defRPr sz="1800" kern="1200">
-                <a:solidFill>
-                  <a:schemeClr val="lt1"/>
-                </a:solidFill>
-                <a:latin typeface="+mn-lt"/>
-                <a:ea typeface="+mn-ea"/>
-                <a:cs typeface="+mn-cs"/>
-              </a:defRPr>
-            </a:lvl1pPr>
-            <a:lvl2pPr marL="457200" algn="l" defTabSz="914400" rtl="0" eaLnBrk="1" latinLnBrk="0" hangingPunct="1">
-              <a:defRPr sz="1800" kern="1200">
-                <a:solidFill>
-                  <a:schemeClr val="lt1"/>
-                </a:solidFill>
-                <a:latin typeface="+mn-lt"/>
-                <a:ea typeface="+mn-ea"/>
-                <a:cs typeface="+mn-cs"/>
-              </a:defRPr>
-            </a:lvl2pPr>
-            <a:lvl3pPr marL="914400" algn="l" defTabSz="914400" rtl="0" eaLnBrk="1" latinLnBrk="0" hangingPunct="1">
-              <a:defRPr sz="1800" kern="1200">
-                <a:solidFill>
-                  <a:schemeClr val="lt1"/>
-                </a:solidFill>
-                <a:latin typeface="+mn-lt"/>
-                <a:ea typeface="+mn-ea"/>
-                <a:cs typeface="+mn-cs"/>
-              </a:defRPr>
-            </a:lvl3pPr>
-            <a:lvl4pPr marL="1371600" algn="l" defTabSz="914400" rtl="0" eaLnBrk="1" latinLnBrk="0" hangingPunct="1">
-              <a:defRPr sz="1800" kern="1200">
-                <a:solidFill>
-                  <a:schemeClr val="lt1"/>
-                </a:solidFill>
-                <a:latin typeface="+mn-lt"/>
-                <a:ea typeface="+mn-ea"/>
-                <a:cs typeface="+mn-cs"/>
-              </a:defRPr>
-            </a:lvl4pPr>
-            <a:lvl5pPr marL="1828800" algn="l" defTabSz="914400" rtl="0" eaLnBrk="1" latinLnBrk="0" hangingPunct="1">
-              <a:defRPr sz="1800" kern="1200">
-                <a:solidFill>
-                  <a:schemeClr val="lt1"/>
-                </a:solidFill>
-                <a:latin typeface="+mn-lt"/>
-                <a:ea typeface="+mn-ea"/>
-                <a:cs typeface="+mn-cs"/>
-              </a:defRPr>
-            </a:lvl5pPr>
-            <a:lvl6pPr marL="2286000" algn="l" defTabSz="914400" rtl="0" eaLnBrk="1" latinLnBrk="0" hangingPunct="1">
-              <a:defRPr sz="1800" kern="1200">
-                <a:solidFill>
-                  <a:schemeClr val="lt1"/>
-                </a:solidFill>
-                <a:latin typeface="+mn-lt"/>
-                <a:ea typeface="+mn-ea"/>
-                <a:cs typeface="+mn-cs"/>
-              </a:defRPr>
-            </a:lvl6pPr>
-            <a:lvl7pPr marL="2743200" algn="l" defTabSz="914400" rtl="0" eaLnBrk="1" latinLnBrk="0" hangingPunct="1">
-              <a:defRPr sz="1800" kern="1200">
-                <a:solidFill>
-                  <a:schemeClr val="lt1"/>
-                </a:solidFill>
-                <a:latin typeface="+mn-lt"/>
-                <a:ea typeface="+mn-ea"/>
-                <a:cs typeface="+mn-cs"/>
-              </a:defRPr>
-            </a:lvl7pPr>
-            <a:lvl8pPr marL="3200400" algn="l" defTabSz="914400" rtl="0" eaLnBrk="1" latinLnBrk="0" hangingPunct="1">
-              <a:defRPr sz="1800" kern="1200">
-                <a:solidFill>
-                  <a:schemeClr val="lt1"/>
-                </a:solidFill>
-                <a:latin typeface="+mn-lt"/>
-                <a:ea typeface="+mn-ea"/>
-                <a:cs typeface="+mn-cs"/>
-              </a:defRPr>
-            </a:lvl8pPr>
-            <a:lvl9pPr marL="3657600" algn="l" defTabSz="914400" rtl="0" eaLnBrk="1" latinLnBrk="0" hangingPunct="1">
-              <a:defRPr sz="1800" kern="1200">
-                <a:solidFill>
-                  <a:schemeClr val="lt1"/>
-                </a:solidFill>
-                <a:latin typeface="+mn-lt"/>
-                <a:ea typeface="+mn-ea"/>
-                <a:cs typeface="+mn-cs"/>
-              </a:defRPr>
-            </a:lvl9pPr>
-          </a:lstStyle>
-          <a:p>
-            <a:pPr algn="ctr"/>
-            <a:endParaRPr lang="en-US" dirty="0"/>
-          </a:p>
-        </p:txBody>
-      </p:sp>
-      <p:pic>
-        <p:nvPicPr>
-          <p:cNvPr id="5" name="Picture 2" descr="Close up leaves">
-            <a:extLst>
-              <a:ext uri="{FF2B5EF4-FFF2-40B4-BE49-F238E27FC236}">
-                <a16:creationId xmlns:a16="http://schemas.microsoft.com/office/drawing/2014/main" id="{98B0CBDF-CD29-61AB-08A3-FA71EC354AC6}"/>
-              </a:ext>
-            </a:extLst>
-          </p:cNvPr>
-          <p:cNvPicPr>
-            <a:picLocks noChangeAspect="1" noChangeArrowheads="1"/>
-          </p:cNvPicPr>
-          <p:nvPr/>
-        </p:nvPicPr>
-        <p:blipFill rotWithShape="1">
-          <a:blip r:embed="rId3" cstate="email">
-            <a:extLst>
-              <a:ext uri="{28A0092B-C50C-407E-A947-70E740481C1C}">
-                <a14:useLocalDpi xmlns:a14="http://schemas.microsoft.com/office/drawing/2010/main"/>
-              </a:ext>
-            </a:extLst>
-          </a:blip>
-          <a:srcRect l="9091" t="9091"/>
-          <a:stretch/>
-        </p:blipFill>
-        <p:spPr bwMode="auto">
-          <a:xfrm>
-            <a:off x="20" y="10"/>
-            <a:ext cx="12191980" cy="6857990"/>
-          </a:xfrm>
-          <a:prstGeom prst="rect">
-            <a:avLst/>
-          </a:prstGeom>
-          <a:noFill/>
-          <a:extLst>
-            <a:ext uri="{909E8E84-426E-40DD-AFC4-6F175D3DCCD1}">
-              <a14:hiddenFill xmlns:a14="http://schemas.microsoft.com/office/drawing/2010/main">
-                <a:solidFill>
-                  <a:srgbClr val="FFFFFF"/>
-                </a:solidFill>
-              </a14:hiddenFill>
-            </a:ext>
-          </a:extLst>
-        </p:spPr>
-      </p:pic>
-      <p:sp>
-        <p:nvSpPr>
-          <p:cNvPr id="34" name="Rectangle 29">
-            <a:extLst>
-              <a:ext uri="{FF2B5EF4-FFF2-40B4-BE49-F238E27FC236}">
-                <a16:creationId xmlns:a16="http://schemas.microsoft.com/office/drawing/2014/main" id="{C20816C4-1587-5194-5367-0F86A56821F6}"/>
-              </a:ext>
-              <a:ext uri="{C183D7F6-B498-43B3-948B-1728B52AA6E4}">
-                <adec:decorative xmlns:adec="http://schemas.microsoft.com/office/drawing/2017/decorative" val="1"/>
-              </a:ext>
-            </a:extLst>
-          </p:cNvPr>
-          <p:cNvSpPr>
-            <a:spLocks noGrp="1" noRot="1" noChangeAspect="1" noMove="1" noResize="1" noEditPoints="1" noAdjustHandles="1" noChangeArrowheads="1" noChangeShapeType="1" noTextEdit="1"/>
-          </p:cNvSpPr>
-          <p:nvPr>
-            <p:extLst>
-              <p:ext uri="{386F3935-93C4-4BCD-93E2-E3B085C9AB24}">
-                <p16:designElem xmlns:p16="http://schemas.microsoft.com/office/powerpoint/2015/main" val="1"/>
-              </p:ext>
-            </p:extLst>
-          </p:nvPr>
-        </p:nvSpPr>
-        <p:spPr>
-          <a:xfrm>
-            <a:off x="4279943" y="237744"/>
-            <a:ext cx="7652977" cy="6382512"/>
-          </a:xfrm>
-          <a:prstGeom prst="rect">
-            <a:avLst/>
-          </a:prstGeom>
-          <a:solidFill>
-            <a:schemeClr val="bg1">
-              <a:alpha val="75000"/>
-            </a:schemeClr>
-          </a:solidFill>
-          <a:ln>
-            <a:noFill/>
-          </a:ln>
-        </p:spPr>
-        <p:style>
-          <a:lnRef idx="2">
-            <a:schemeClr val="accent1">
-              <a:shade val="50000"/>
-            </a:schemeClr>
-          </a:lnRef>
-          <a:fillRef idx="1">
-            <a:schemeClr val="accent1"/>
-          </a:fillRef>
-          <a:effectRef idx="0">
-            <a:schemeClr val="accent1"/>
-          </a:effectRef>
-          <a:fontRef idx="minor">
-            <a:schemeClr val="lt1"/>
-          </a:fontRef>
-        </p:style>
-      </p:sp>
-      <p:sp>
-        <p:nvSpPr>
-          <p:cNvPr id="32" name="Rectangle 31">
-            <a:extLst>
-              <a:ext uri="{FF2B5EF4-FFF2-40B4-BE49-F238E27FC236}">
-                <a16:creationId xmlns:a16="http://schemas.microsoft.com/office/drawing/2014/main" id="{1A43A349-D494-6B28-AC12-A381BD70FCD9}"/>
-              </a:ext>
-              <a:ext uri="{C183D7F6-B498-43B3-948B-1728B52AA6E4}">
-                <adec:decorative xmlns:adec="http://schemas.microsoft.com/office/drawing/2017/decorative" val="1"/>
-              </a:ext>
-            </a:extLst>
-          </p:cNvPr>
-          <p:cNvSpPr>
-            <a:spLocks noGrp="1" noRot="1" noChangeAspect="1" noMove="1" noResize="1" noEditPoints="1" noAdjustHandles="1" noChangeArrowheads="1" noChangeShapeType="1" noTextEdit="1"/>
-          </p:cNvSpPr>
-          <p:nvPr>
-            <p:extLst>
-              <p:ext uri="{386F3935-93C4-4BCD-93E2-E3B085C9AB24}">
-                <p16:designElem xmlns:p16="http://schemas.microsoft.com/office/powerpoint/2015/main" val="1"/>
-              </p:ext>
-            </p:extLst>
-          </p:nvPr>
-        </p:nvSpPr>
-        <p:spPr>
-          <a:xfrm>
-            <a:off x="4417103" y="374904"/>
-            <a:ext cx="7340156" cy="6108192"/>
-          </a:xfrm>
-          <a:prstGeom prst="rect">
-            <a:avLst/>
-          </a:prstGeom>
-          <a:solidFill>
-            <a:schemeClr val="tx2">
-              <a:alpha val="90000"/>
-            </a:schemeClr>
-          </a:solidFill>
-          <a:ln w="6350" cap="sq">
-            <a:noFill/>
-            <a:miter lim="800000"/>
-          </a:ln>
-        </p:spPr>
-        <p:style>
-          <a:lnRef idx="2">
-            <a:schemeClr val="accent1">
-              <a:shade val="50000"/>
-            </a:schemeClr>
-          </a:lnRef>
-          <a:fillRef idx="1">
-            <a:schemeClr val="accent1"/>
-          </a:fillRef>
-          <a:effectRef idx="0">
-            <a:schemeClr val="accent1"/>
-          </a:effectRef>
-          <a:fontRef idx="minor">
-            <a:schemeClr val="lt1"/>
-          </a:fontRef>
-        </p:style>
-      </p:sp>
-      <p:sp>
-        <p:nvSpPr>
-          <p:cNvPr id="2" name="Title 1">
-            <a:extLst>
-              <a:ext uri="{FF2B5EF4-FFF2-40B4-BE49-F238E27FC236}">
-                <a16:creationId xmlns:a16="http://schemas.microsoft.com/office/drawing/2014/main" id="{0DAFC631-A909-25B8-A119-B616002616A4}"/>
-              </a:ext>
-            </a:extLst>
-          </p:cNvPr>
-          <p:cNvSpPr>
-            <a:spLocks noGrp="1"/>
-          </p:cNvSpPr>
-          <p:nvPr>
-            <p:ph type="title"/>
-          </p:nvPr>
-        </p:nvSpPr>
-        <p:spPr>
-          <a:xfrm>
-            <a:off x="4716379" y="642594"/>
-            <a:ext cx="6747309" cy="1371600"/>
-          </a:xfrm>
-        </p:spPr>
-        <p:txBody>
-          <a:bodyPr>
-            <a:normAutofit/>
-          </a:bodyPr>
-          <a:lstStyle/>
-          <a:p>
-            <a:pPr>
-              <a:tabLst>
-                <a:tab pos="4119563" algn="l"/>
-              </a:tabLst>
-            </a:pPr>
-            <a:r>
-              <a:rPr lang="en-US" dirty="0">
-                <a:solidFill>
-                  <a:schemeClr val="bg1"/>
-                </a:solidFill>
-              </a:rPr>
-              <a:t>OUTCOME</a:t>
-            </a:r>
-          </a:p>
-        </p:txBody>
-      </p:sp>
-      <p:sp>
-        <p:nvSpPr>
-          <p:cNvPr id="4" name="Content Placeholder 3">
-            <a:extLst>
-              <a:ext uri="{FF2B5EF4-FFF2-40B4-BE49-F238E27FC236}">
-                <a16:creationId xmlns:a16="http://schemas.microsoft.com/office/drawing/2014/main" id="{13779EC2-ECCC-BCA5-DD27-E36D19B40180}"/>
-              </a:ext>
-            </a:extLst>
-          </p:cNvPr>
-          <p:cNvSpPr>
-            <a:spLocks noGrp="1"/>
-          </p:cNvSpPr>
-          <p:nvPr>
-            <p:ph idx="1"/>
-          </p:nvPr>
-        </p:nvSpPr>
-        <p:spPr>
-          <a:xfrm>
-            <a:off x="4958218" y="2369820"/>
-            <a:ext cx="6257925" cy="2611755"/>
-          </a:xfrm>
-        </p:spPr>
-        <p:txBody>
-          <a:bodyPr/>
-          <a:lstStyle/>
-          <a:p>
-            <a:pPr marL="0" indent="0" algn="just">
-              <a:buNone/>
-            </a:pPr>
-            <a:r>
-              <a:rPr lang="en-US" dirty="0">
-                <a:solidFill>
-                  <a:schemeClr val="tx2">
-                    <a:lumMod val="20000"/>
-                    <a:lumOff val="80000"/>
-                  </a:schemeClr>
-                </a:solidFill>
-              </a:rPr>
-              <a:t>A functional and cost-effective automated watering system that uses soil moisture levels to trigger irrigation, improving convenience and water conservation for garden owners.</a:t>
-            </a:r>
-            <a:endParaRPr lang="en-IN" dirty="0">
-              <a:solidFill>
-                <a:schemeClr val="tx2">
-                  <a:lumMod val="20000"/>
-                  <a:lumOff val="80000"/>
-                </a:schemeClr>
-              </a:solidFill>
-            </a:endParaRPr>
-          </a:p>
-        </p:txBody>
-      </p:sp>
-    </p:spTree>
-    <p:extLst>
-      <p:ext uri="{BB962C8B-B14F-4D97-AF65-F5344CB8AC3E}">
-        <p14:creationId xmlns:p14="http://schemas.microsoft.com/office/powerpoint/2010/main" val="1329547937"/>
-      </p:ext>
-    </p:extLst>
-  </p:cSld>
-  <p:clrMapOvr>
-    <a:overrideClrMapping bg1="lt1" tx1="dk1" bg2="lt2" tx2="dk2" accent1="accent1" accent2="accent2" accent3="accent3" accent4="accent4" accent5="accent5" accent6="accent6" hlink="hlink" folHlink="folHlink"/>
-  </p:clrMapOvr>
-</p:sld>
-</file>
-
-<file path=ppt/slides/slide5.xml><?xml version="1.0" encoding="utf-8"?>
 <p:sld xmlns:a="http://schemas.openxmlformats.org/drawingml/2006/main" xmlns:r="http://schemas.openxmlformats.org/officeDocument/2006/relationships" xmlns:p="http://schemas.openxmlformats.org/presentationml/2006/main">
   <p:cSld>
     <p:bg>
@@ -14630,8 +11039,8 @@
         </p:blipFill>
         <p:spPr>
           <a:xfrm>
-            <a:off x="1155773" y="846881"/>
-            <a:ext cx="2137249" cy="2137249"/>
+            <a:off x="1155773" y="874777"/>
+            <a:ext cx="2137249" cy="2081457"/>
           </a:xfrm>
           <a:prstGeom prst="rect">
             <a:avLst/>
@@ -14713,9 +11122,8 @@
                 <a:effectLst/>
                 <a:latin typeface="Roboto" panose="02000000000000000000" pitchFamily="2" charset="0"/>
               </a:rPr>
-              <a:t>Arduino UNO R3</a:t>
+              <a:t>ESP8266</a:t>
             </a:r>
-            <a:endParaRPr lang="en-IN" dirty="0"/>
           </a:p>
         </p:txBody>
       </p:sp>
@@ -14926,7 +11334,7 @@
 </p:sld>
 </file>
 
-<file path=ppt/slides/slide6.xml><?xml version="1.0" encoding="utf-8"?>
+<file path=ppt/slides/slide5.xml><?xml version="1.0" encoding="utf-8"?>
 <p:sld xmlns:a="http://schemas.openxmlformats.org/drawingml/2006/main" xmlns:r="http://schemas.openxmlformats.org/officeDocument/2006/relationships" xmlns:p="http://schemas.openxmlformats.org/presentationml/2006/main">
   <p:cSld>
     <p:bg>
@@ -15545,7 +11953,7 @@
 </p:sld>
 </file>
 
-<file path=ppt/slides/slide7.xml><?xml version="1.0" encoding="utf-8"?>
+<file path=ppt/slides/slide6.xml><?xml version="1.0" encoding="utf-8"?>
 <p:sld xmlns:a="http://schemas.openxmlformats.org/drawingml/2006/main" xmlns:r="http://schemas.openxmlformats.org/officeDocument/2006/relationships" xmlns:p="http://schemas.openxmlformats.org/presentationml/2006/main">
   <p:cSld>
     <p:bg>
@@ -15989,86 +12397,6 @@
           </a:p>
         </p:txBody>
       </p:sp>
-      <p:pic>
-        <p:nvPicPr>
-          <p:cNvPr id="20" name="Content Placeholder 3">
-            <a:extLst>
-              <a:ext uri="{FF2B5EF4-FFF2-40B4-BE49-F238E27FC236}">
-                <a16:creationId xmlns:a16="http://schemas.microsoft.com/office/drawing/2014/main" id="{B3ACFF9D-BAEF-E0BB-2D5B-8AEEADBF6163}"/>
-              </a:ext>
-            </a:extLst>
-          </p:cNvPr>
-          <p:cNvPicPr>
-            <a:picLocks noChangeAspect="1"/>
-          </p:cNvPicPr>
-          <p:nvPr/>
-        </p:nvPicPr>
-        <p:blipFill>
-          <a:blip r:embed="rId4">
-            <a:extLst>
-              <a:ext uri="{837473B0-CC2E-450A-ABE3-18F120FF3D39}">
-                <a1611:picAttrSrcUrl xmlns:a1611="http://schemas.microsoft.com/office/drawing/2016/11/main" r:id="rId5"/>
-              </a:ext>
-            </a:extLst>
-          </a:blip>
-          <a:srcRect/>
-          <a:stretch/>
-        </p:blipFill>
-        <p:spPr>
-          <a:xfrm>
-            <a:off x="1155773" y="846881"/>
-            <a:ext cx="2137249" cy="2137249"/>
-          </a:xfrm>
-          <a:prstGeom prst="rect">
-            <a:avLst/>
-          </a:prstGeom>
-        </p:spPr>
-      </p:pic>
-      <p:sp>
-        <p:nvSpPr>
-          <p:cNvPr id="21" name="TextBox 20">
-            <a:extLst>
-              <a:ext uri="{FF2B5EF4-FFF2-40B4-BE49-F238E27FC236}">
-                <a16:creationId xmlns:a16="http://schemas.microsoft.com/office/drawing/2014/main" id="{C7762576-FC5B-23B9-DBC7-70786C8D766A}"/>
-              </a:ext>
-            </a:extLst>
-          </p:cNvPr>
-          <p:cNvSpPr txBox="1"/>
-          <p:nvPr/>
-        </p:nvSpPr>
-        <p:spPr>
-          <a:xfrm>
-            <a:off x="1170198" y="2707869"/>
-            <a:ext cx="2137249" cy="369332"/>
-          </a:xfrm>
-          <a:prstGeom prst="rect">
-            <a:avLst/>
-          </a:prstGeom>
-          <a:noFill/>
-        </p:spPr>
-        <p:txBody>
-          <a:bodyPr wrap="square" rtlCol="0">
-            <a:spAutoFit/>
-          </a:bodyPr>
-          <a:lstStyle/>
-          <a:p>
-            <a:pPr marL="0" indent="0" algn="just" rtl="0">
-              <a:buNone/>
-            </a:pPr>
-            <a:r>
-              <a:rPr lang="en-IN" sz="1800" b="0" i="0" u="none" strike="noStrike" dirty="0">
-                <a:solidFill>
-                  <a:srgbClr val="000000"/>
-                </a:solidFill>
-                <a:effectLst/>
-                <a:latin typeface="Roboto" panose="02000000000000000000" pitchFamily="2" charset="0"/>
-              </a:rPr>
-              <a:t>Arduino UNO R3</a:t>
-            </a:r>
-            <a:endParaRPr lang="en-IN" dirty="0"/>
-          </a:p>
-        </p:txBody>
-      </p:sp>
       <p:sp>
         <p:nvSpPr>
           <p:cNvPr id="25" name="TextBox 24">
@@ -16134,10 +12462,10 @@
           <p:nvPr/>
         </p:nvPicPr>
         <p:blipFill>
-          <a:blip r:embed="rId6">
+          <a:blip r:embed="rId4">
             <a:extLst>
               <a:ext uri="{837473B0-CC2E-450A-ABE3-18F120FF3D39}">
-                <a1611:picAttrSrcUrl xmlns:a1611="http://schemas.microsoft.com/office/drawing/2016/11/main" r:id="rId7"/>
+                <a1611:picAttrSrcUrl xmlns:a1611="http://schemas.microsoft.com/office/drawing/2016/11/main" r:id="rId5"/>
               </a:ext>
             </a:extLst>
           </a:blip>
@@ -16155,10 +12483,485 @@
           </a:prstGeom>
         </p:spPr>
       </p:pic>
+      <p:pic>
+        <p:nvPicPr>
+          <p:cNvPr id="4" name="Content Placeholder 3">
+            <a:extLst>
+              <a:ext uri="{FF2B5EF4-FFF2-40B4-BE49-F238E27FC236}">
+                <a16:creationId xmlns:a16="http://schemas.microsoft.com/office/drawing/2014/main" id="{C23D70AB-CFB1-BAAC-1A4E-F5F318D8F8C0}"/>
+              </a:ext>
+            </a:extLst>
+          </p:cNvPr>
+          <p:cNvPicPr>
+            <a:picLocks noChangeAspect="1"/>
+          </p:cNvPicPr>
+          <p:nvPr/>
+        </p:nvPicPr>
+        <p:blipFill>
+          <a:blip r:embed="rId6">
+            <a:extLst>
+              <a:ext uri="{837473B0-CC2E-450A-ABE3-18F120FF3D39}">
+                <a1611:picAttrSrcUrl xmlns:a1611="http://schemas.microsoft.com/office/drawing/2016/11/main" r:id="rId7"/>
+              </a:ext>
+            </a:extLst>
+          </a:blip>
+          <a:srcRect/>
+          <a:stretch/>
+        </p:blipFill>
+        <p:spPr>
+          <a:xfrm>
+            <a:off x="1126379" y="946203"/>
+            <a:ext cx="2137249" cy="2081457"/>
+          </a:xfrm>
+          <a:prstGeom prst="rect">
+            <a:avLst/>
+          </a:prstGeom>
+        </p:spPr>
+      </p:pic>
+      <p:sp>
+        <p:nvSpPr>
+          <p:cNvPr id="21" name="TextBox 20">
+            <a:extLst>
+              <a:ext uri="{FF2B5EF4-FFF2-40B4-BE49-F238E27FC236}">
+                <a16:creationId xmlns:a16="http://schemas.microsoft.com/office/drawing/2014/main" id="{C7762576-FC5B-23B9-DBC7-70786C8D766A}"/>
+              </a:ext>
+            </a:extLst>
+          </p:cNvPr>
+          <p:cNvSpPr txBox="1"/>
+          <p:nvPr/>
+        </p:nvSpPr>
+        <p:spPr>
+          <a:xfrm>
+            <a:off x="1135884" y="2842994"/>
+            <a:ext cx="2137249" cy="369332"/>
+          </a:xfrm>
+          <a:prstGeom prst="rect">
+            <a:avLst/>
+          </a:prstGeom>
+          <a:noFill/>
+        </p:spPr>
+        <p:txBody>
+          <a:bodyPr wrap="square" rtlCol="0">
+            <a:spAutoFit/>
+          </a:bodyPr>
+          <a:lstStyle/>
+          <a:p>
+            <a:pPr marL="0" indent="0" algn="just" rtl="0">
+              <a:buNone/>
+            </a:pPr>
+            <a:r>
+              <a:rPr lang="en-IN" sz="1800" b="0" i="0" u="none" strike="noStrike" dirty="0">
+                <a:solidFill>
+                  <a:srgbClr val="000000"/>
+                </a:solidFill>
+                <a:effectLst/>
+                <a:latin typeface="Roboto" panose="02000000000000000000" pitchFamily="2" charset="0"/>
+              </a:rPr>
+              <a:t>ESP8266</a:t>
+            </a:r>
+            <a:endParaRPr lang="en-IN" dirty="0"/>
+          </a:p>
+        </p:txBody>
+      </p:sp>
     </p:spTree>
     <p:extLst>
       <p:ext uri="{BB962C8B-B14F-4D97-AF65-F5344CB8AC3E}">
         <p14:creationId xmlns:p14="http://schemas.microsoft.com/office/powerpoint/2010/main" val="1772409482"/>
+      </p:ext>
+    </p:extLst>
+  </p:cSld>
+  <p:clrMapOvr>
+    <a:overrideClrMapping bg1="lt1" tx1="dk1" bg2="lt2" tx2="dk2" accent1="accent1" accent2="accent2" accent3="accent3" accent4="accent4" accent5="accent5" accent6="accent6" hlink="hlink" folHlink="folHlink"/>
+  </p:clrMapOvr>
+</p:sld>
+</file>
+
+<file path=ppt/slides/slide7.xml><?xml version="1.0" encoding="utf-8"?>
+<p:sld xmlns:a="http://schemas.openxmlformats.org/drawingml/2006/main" xmlns:r="http://schemas.openxmlformats.org/officeDocument/2006/relationships" xmlns:p="http://schemas.openxmlformats.org/presentationml/2006/main">
+  <p:cSld>
+    <p:bg>
+      <p:bgPr>
+        <a:solidFill>
+          <a:schemeClr val="bg1"/>
+        </a:solidFill>
+        <a:effectLst/>
+      </p:bgPr>
+    </p:bg>
+    <p:spTree>
+      <p:nvGrpSpPr>
+        <p:cNvPr id="1" name="">
+          <a:extLst>
+            <a:ext uri="{FF2B5EF4-FFF2-40B4-BE49-F238E27FC236}">
+              <a16:creationId xmlns:a16="http://schemas.microsoft.com/office/drawing/2014/main" id="{EB9F9FC3-87B4-0009-4B8C-4DBEB91A439B}"/>
+            </a:ext>
+          </a:extLst>
+        </p:cNvPr>
+        <p:cNvGrpSpPr/>
+        <p:nvPr/>
+      </p:nvGrpSpPr>
+      <p:grpSpPr>
+        <a:xfrm>
+          <a:off x="0" y="0"/>
+          <a:ext cx="0" cy="0"/>
+          <a:chOff x="0" y="0"/>
+          <a:chExt cx="0" cy="0"/>
+        </a:xfrm>
+      </p:grpSpPr>
+      <p:sp>
+        <p:nvSpPr>
+          <p:cNvPr id="11" name="Rectangle 10">
+            <a:extLst>
+              <a:ext uri="{FF2B5EF4-FFF2-40B4-BE49-F238E27FC236}">
+                <a16:creationId xmlns:a16="http://schemas.microsoft.com/office/drawing/2014/main" id="{5CE88D29-9832-711E-2FF8-2C283DD3B051}"/>
+              </a:ext>
+              <a:ext uri="{C183D7F6-B498-43B3-948B-1728B52AA6E4}">
+                <adec:decorative xmlns:adec="http://schemas.microsoft.com/office/drawing/2017/decorative" val="1"/>
+              </a:ext>
+            </a:extLst>
+          </p:cNvPr>
+          <p:cNvSpPr>
+            <a:spLocks noGrp="1" noRot="1" noChangeAspect="1" noMove="1" noResize="1" noEditPoints="1" noAdjustHandles="1" noChangeArrowheads="1" noChangeShapeType="1" noTextEdit="1"/>
+          </p:cNvSpPr>
+          <p:nvPr>
+            <p:extLst>
+              <p:ext uri="{386F3935-93C4-4BCD-93E2-E3B085C9AB24}">
+                <p16:designElem xmlns:p16="http://schemas.microsoft.com/office/powerpoint/2015/main" val="1"/>
+              </p:ext>
+            </p:extLst>
+          </p:nvPr>
+        </p:nvSpPr>
+        <p:spPr>
+          <a:xfrm>
+            <a:off x="0" y="0"/>
+            <a:ext cx="12192000" cy="6858000"/>
+          </a:xfrm>
+          <a:prstGeom prst="rect">
+            <a:avLst/>
+          </a:prstGeom>
+          <a:solidFill>
+            <a:schemeClr val="accent1"/>
+          </a:solidFill>
+          <a:ln>
+            <a:noFill/>
+          </a:ln>
+        </p:spPr>
+        <p:style>
+          <a:lnRef idx="2">
+            <a:schemeClr val="accent1">
+              <a:shade val="50000"/>
+            </a:schemeClr>
+          </a:lnRef>
+          <a:fillRef idx="1002">
+            <a:schemeClr val="lt2"/>
+          </a:fillRef>
+          <a:effectRef idx="0">
+            <a:schemeClr val="accent1"/>
+          </a:effectRef>
+          <a:fontRef idx="minor">
+            <a:schemeClr val="lt1"/>
+          </a:fontRef>
+        </p:style>
+        <p:txBody>
+          <a:bodyPr rtlCol="0" anchor="ctr"/>
+          <a:lstStyle/>
+          <a:p>
+            <a:pPr algn="ctr"/>
+            <a:endParaRPr lang="en-US" dirty="0"/>
+          </a:p>
+        </p:txBody>
+      </p:sp>
+      <p:sp>
+        <p:nvSpPr>
+          <p:cNvPr id="13" name="Rectangle 12">
+            <a:extLst>
+              <a:ext uri="{FF2B5EF4-FFF2-40B4-BE49-F238E27FC236}">
+                <a16:creationId xmlns:a16="http://schemas.microsoft.com/office/drawing/2014/main" id="{54963C13-E1FE-3B45-102A-A808921CC8E8}"/>
+              </a:ext>
+              <a:ext uri="{C183D7F6-B498-43B3-948B-1728B52AA6E4}">
+                <adec:decorative xmlns:adec="http://schemas.microsoft.com/office/drawing/2017/decorative" val="1"/>
+              </a:ext>
+            </a:extLst>
+          </p:cNvPr>
+          <p:cNvSpPr>
+            <a:spLocks noGrp="1" noRot="1" noChangeAspect="1" noMove="1" noResize="1" noEditPoints="1" noAdjustHandles="1" noChangeArrowheads="1" noChangeShapeType="1" noTextEdit="1"/>
+          </p:cNvSpPr>
+          <p:nvPr>
+            <p:extLst>
+              <p:ext uri="{386F3935-93C4-4BCD-93E2-E3B085C9AB24}">
+                <p16:designElem xmlns:p16="http://schemas.microsoft.com/office/powerpoint/2015/main" val="1"/>
+              </p:ext>
+            </p:extLst>
+          </p:nvPr>
+        </p:nvSpPr>
+        <p:spPr>
+          <a:xfrm>
+            <a:off x="-1867" y="0"/>
+            <a:ext cx="8168743" cy="6858000"/>
+          </a:xfrm>
+          <a:prstGeom prst="rect">
+            <a:avLst/>
+          </a:prstGeom>
+          <a:solidFill>
+            <a:schemeClr val="tx2"/>
+          </a:solidFill>
+          <a:ln>
+            <a:noFill/>
+          </a:ln>
+        </p:spPr>
+        <p:style>
+          <a:lnRef idx="2">
+            <a:schemeClr val="accent1">
+              <a:shade val="50000"/>
+            </a:schemeClr>
+          </a:lnRef>
+          <a:fillRef idx="1">
+            <a:schemeClr val="accent1"/>
+          </a:fillRef>
+          <a:effectRef idx="0">
+            <a:schemeClr val="accent1"/>
+          </a:effectRef>
+          <a:fontRef idx="minor">
+            <a:schemeClr val="lt1"/>
+          </a:fontRef>
+        </p:style>
+        <p:txBody>
+          <a:bodyPr rtlCol="0" anchor="ctr"/>
+          <a:lstStyle/>
+          <a:p>
+            <a:pPr algn="ctr"/>
+            <a:endParaRPr lang="en-US" dirty="0"/>
+          </a:p>
+        </p:txBody>
+      </p:sp>
+      <p:sp useBgFill="1">
+        <p:nvSpPr>
+          <p:cNvPr id="15" name="Rectangle 14">
+            <a:extLst>
+              <a:ext uri="{FF2B5EF4-FFF2-40B4-BE49-F238E27FC236}">
+                <a16:creationId xmlns:a16="http://schemas.microsoft.com/office/drawing/2014/main" id="{EF353853-E287-476D-C92D-2FCE97EDFEEA}"/>
+              </a:ext>
+              <a:ext uri="{C183D7F6-B498-43B3-948B-1728B52AA6E4}">
+                <adec:decorative xmlns:adec="http://schemas.microsoft.com/office/drawing/2017/decorative" val="1"/>
+              </a:ext>
+            </a:extLst>
+          </p:cNvPr>
+          <p:cNvSpPr>
+            <a:spLocks noGrp="1" noRot="1" noChangeAspect="1" noMove="1" noResize="1" noEditPoints="1" noAdjustHandles="1" noChangeArrowheads="1" noChangeShapeType="1" noTextEdit="1"/>
+          </p:cNvSpPr>
+          <p:nvPr>
+            <p:extLst>
+              <p:ext uri="{386F3935-93C4-4BCD-93E2-E3B085C9AB24}">
+                <p16:designElem xmlns:p16="http://schemas.microsoft.com/office/powerpoint/2015/main" val="1"/>
+              </p:ext>
+            </p:extLst>
+          </p:nvPr>
+        </p:nvSpPr>
+        <p:spPr>
+          <a:xfrm>
+            <a:off x="643243" y="643464"/>
+            <a:ext cx="6909336" cy="5571072"/>
+          </a:xfrm>
+          <a:prstGeom prst="rect">
+            <a:avLst/>
+          </a:prstGeom>
+          <a:ln w="6350" cap="flat" cmpd="sng" algn="ctr">
+            <a:noFill/>
+            <a:prstDash val="solid"/>
+          </a:ln>
+          <a:effectLst>
+            <a:outerShdw blurRad="50800" algn="ctr" rotWithShape="0">
+              <a:prstClr val="black">
+                <a:alpha val="66000"/>
+              </a:prstClr>
+            </a:outerShdw>
+            <a:softEdge rad="0"/>
+          </a:effectLst>
+        </p:spPr>
+      </p:sp>
+      <p:sp useBgFill="1">
+        <p:nvSpPr>
+          <p:cNvPr id="17" name="Rectangle 16">
+            <a:extLst>
+              <a:ext uri="{FF2B5EF4-FFF2-40B4-BE49-F238E27FC236}">
+                <a16:creationId xmlns:a16="http://schemas.microsoft.com/office/drawing/2014/main" id="{E6EC9366-438C-515D-94F2-217A72520DD5}"/>
+              </a:ext>
+              <a:ext uri="{C183D7F6-B498-43B3-948B-1728B52AA6E4}">
+                <adec:decorative xmlns:adec="http://schemas.microsoft.com/office/drawing/2017/decorative" val="1"/>
+              </a:ext>
+            </a:extLst>
+          </p:cNvPr>
+          <p:cNvSpPr>
+            <a:spLocks noGrp="1" noRot="1" noChangeAspect="1" noMove="1" noResize="1" noEditPoints="1" noAdjustHandles="1" noChangeArrowheads="1" noChangeShapeType="1" noTextEdit="1"/>
+          </p:cNvSpPr>
+          <p:nvPr>
+            <p:extLst>
+              <p:ext uri="{386F3935-93C4-4BCD-93E2-E3B085C9AB24}">
+                <p16:designElem xmlns:p16="http://schemas.microsoft.com/office/powerpoint/2015/main" val="1"/>
+              </p:ext>
+            </p:extLst>
+          </p:nvPr>
+        </p:nvSpPr>
+        <p:spPr>
+          <a:xfrm>
+            <a:off x="806071" y="809244"/>
+            <a:ext cx="6583680" cy="5239512"/>
+          </a:xfrm>
+          <a:prstGeom prst="rect">
+            <a:avLst/>
+          </a:prstGeom>
+          <a:ln w="6350" cap="sq" cmpd="sng" algn="ctr">
+            <a:solidFill>
+              <a:schemeClr val="tx1">
+                <a:lumMod val="65000"/>
+                <a:lumOff val="35000"/>
+              </a:schemeClr>
+            </a:solidFill>
+            <a:prstDash val="solid"/>
+            <a:miter lim="800000"/>
+          </a:ln>
+          <a:effectLst/>
+        </p:spPr>
+      </p:sp>
+      <p:sp>
+        <p:nvSpPr>
+          <p:cNvPr id="19" name="Rectangle 18">
+            <a:extLst>
+              <a:ext uri="{FF2B5EF4-FFF2-40B4-BE49-F238E27FC236}">
+                <a16:creationId xmlns:a16="http://schemas.microsoft.com/office/drawing/2014/main" id="{AF36F9DA-DAD7-E47E-0657-99CE9537B3B9}"/>
+              </a:ext>
+              <a:ext uri="{C183D7F6-B498-43B3-948B-1728B52AA6E4}">
+                <adec:decorative xmlns:adec="http://schemas.microsoft.com/office/drawing/2017/decorative" val="1"/>
+              </a:ext>
+            </a:extLst>
+          </p:cNvPr>
+          <p:cNvSpPr>
+            <a:spLocks noGrp="1" noRot="1" noChangeAspect="1" noMove="1" noResize="1" noEditPoints="1" noAdjustHandles="1" noChangeArrowheads="1" noChangeShapeType="1" noTextEdit="1"/>
+          </p:cNvSpPr>
+          <p:nvPr>
+            <p:extLst>
+              <p:ext uri="{386F3935-93C4-4BCD-93E2-E3B085C9AB24}">
+                <p16:designElem xmlns:p16="http://schemas.microsoft.com/office/powerpoint/2015/main" val="1"/>
+              </p:ext>
+            </p:extLst>
+          </p:nvPr>
+        </p:nvSpPr>
+        <p:spPr>
+          <a:xfrm>
+            <a:off x="8166971" y="-1"/>
+            <a:ext cx="4025029" cy="6858000"/>
+          </a:xfrm>
+          <a:prstGeom prst="rect">
+            <a:avLst/>
+          </a:prstGeom>
+          <a:blipFill dpi="0" rotWithShape="1">
+            <a:blip r:embed="rId3">
+              <a:alphaModFix amt="10000"/>
+              <a:duotone>
+                <a:schemeClr val="accent3">
+                  <a:shade val="45000"/>
+                  <a:satMod val="135000"/>
+                </a:schemeClr>
+                <a:prstClr val="white"/>
+              </a:duotone>
+            </a:blip>
+            <a:srcRect/>
+            <a:tile tx="-31750" ty="-120650" sx="100000" sy="100000" flip="xy" algn="tl"/>
+          </a:blipFill>
+          <a:ln w="19050" cmpd="sng">
+            <a:noFill/>
+            <a:miter lim="800000"/>
+          </a:ln>
+        </p:spPr>
+        <p:style>
+          <a:lnRef idx="2">
+            <a:schemeClr val="accent1">
+              <a:shade val="50000"/>
+            </a:schemeClr>
+          </a:lnRef>
+          <a:fillRef idx="1">
+            <a:schemeClr val="accent1"/>
+          </a:fillRef>
+          <a:effectRef idx="0">
+            <a:schemeClr val="accent1"/>
+          </a:effectRef>
+          <a:fontRef idx="minor">
+            <a:schemeClr val="lt1"/>
+          </a:fontRef>
+        </p:style>
+      </p:sp>
+      <p:sp>
+        <p:nvSpPr>
+          <p:cNvPr id="2" name="Title 1">
+            <a:extLst>
+              <a:ext uri="{FF2B5EF4-FFF2-40B4-BE49-F238E27FC236}">
+                <a16:creationId xmlns:a16="http://schemas.microsoft.com/office/drawing/2014/main" id="{6AB15951-0E2B-22E5-A487-9719D15F2132}"/>
+              </a:ext>
+            </a:extLst>
+          </p:cNvPr>
+          <p:cNvSpPr>
+            <a:spLocks noGrp="1"/>
+          </p:cNvSpPr>
+          <p:nvPr>
+            <p:ph type="title"/>
+          </p:nvPr>
+        </p:nvSpPr>
+        <p:spPr>
+          <a:xfrm>
+            <a:off x="8195822" y="643464"/>
+            <a:ext cx="4025029" cy="5571071"/>
+          </a:xfrm>
+        </p:spPr>
+        <p:txBody>
+          <a:bodyPr>
+            <a:normAutofit/>
+          </a:bodyPr>
+          <a:lstStyle/>
+          <a:p>
+            <a:r>
+              <a:rPr lang="en-US" sz="4200" dirty="0">
+                <a:solidFill>
+                  <a:srgbClr val="FFFFFF"/>
+                </a:solidFill>
+              </a:rPr>
+              <a:t>Circuit Diagram</a:t>
+            </a:r>
+          </a:p>
+        </p:txBody>
+      </p:sp>
+      <p:pic>
+        <p:nvPicPr>
+          <p:cNvPr id="7" name="Picture 6">
+            <a:extLst>
+              <a:ext uri="{FF2B5EF4-FFF2-40B4-BE49-F238E27FC236}">
+                <a16:creationId xmlns:a16="http://schemas.microsoft.com/office/drawing/2014/main" id="{84F3F2E8-22AC-8984-A6ED-475F86E01877}"/>
+              </a:ext>
+            </a:extLst>
+          </p:cNvPr>
+          <p:cNvPicPr>
+            <a:picLocks noChangeAspect="1"/>
+          </p:cNvPicPr>
+          <p:nvPr/>
+        </p:nvPicPr>
+        <p:blipFill>
+          <a:blip r:embed="rId4"/>
+          <a:stretch>
+            <a:fillRect/>
+          </a:stretch>
+        </p:blipFill>
+        <p:spPr>
+          <a:xfrm>
+            <a:off x="824845" y="1392911"/>
+            <a:ext cx="6564906" cy="4225813"/>
+          </a:xfrm>
+          <a:prstGeom prst="rect">
+            <a:avLst/>
+          </a:prstGeom>
+        </p:spPr>
+      </p:pic>
+    </p:spTree>
+    <p:extLst>
+      <p:ext uri="{BB962C8B-B14F-4D97-AF65-F5344CB8AC3E}">
+        <p14:creationId xmlns:p14="http://schemas.microsoft.com/office/powerpoint/2010/main" val="3019254405"/>
       </p:ext>
     </p:extLst>
   </p:cSld>
@@ -16174,16 +12977,20 @@
     <p:bg>
       <p:bgPr>
         <a:solidFill>
-          <a:schemeClr val="bg2">
-            <a:alpha val="0"/>
-          </a:schemeClr>
+          <a:schemeClr val="bg1"/>
         </a:solidFill>
         <a:effectLst/>
       </p:bgPr>
     </p:bg>
     <p:spTree>
       <p:nvGrpSpPr>
-        <p:cNvPr id="1" name=""/>
+        <p:cNvPr id="1" name="">
+          <a:extLst>
+            <a:ext uri="{FF2B5EF4-FFF2-40B4-BE49-F238E27FC236}">
+              <a16:creationId xmlns:a16="http://schemas.microsoft.com/office/drawing/2014/main" id="{5141B71D-AE33-D433-C2D7-AF3F1674052F}"/>
+            </a:ext>
+          </a:extLst>
+        </p:cNvPr>
         <p:cNvGrpSpPr/>
         <p:nvPr/>
       </p:nvGrpSpPr>
@@ -16197,10 +13004,292 @@
       </p:grpSpPr>
       <p:sp>
         <p:nvSpPr>
+          <p:cNvPr id="11" name="Rectangle 10">
+            <a:extLst>
+              <a:ext uri="{FF2B5EF4-FFF2-40B4-BE49-F238E27FC236}">
+                <a16:creationId xmlns:a16="http://schemas.microsoft.com/office/drawing/2014/main" id="{B502A818-CFB3-2A38-321F-95BB19C00A04}"/>
+              </a:ext>
+              <a:ext uri="{C183D7F6-B498-43B3-948B-1728B52AA6E4}">
+                <adec:decorative xmlns:adec="http://schemas.microsoft.com/office/drawing/2017/decorative" val="1"/>
+              </a:ext>
+            </a:extLst>
+          </p:cNvPr>
+          <p:cNvSpPr>
+            <a:spLocks noGrp="1" noRot="1" noChangeAspect="1" noMove="1" noResize="1" noEditPoints="1" noAdjustHandles="1" noChangeArrowheads="1" noChangeShapeType="1" noTextEdit="1"/>
+          </p:cNvSpPr>
+          <p:nvPr>
+            <p:extLst>
+              <p:ext uri="{386F3935-93C4-4BCD-93E2-E3B085C9AB24}">
+                <p16:designElem xmlns:p16="http://schemas.microsoft.com/office/powerpoint/2015/main" val="1"/>
+              </p:ext>
+            </p:extLst>
+          </p:nvPr>
+        </p:nvSpPr>
+        <p:spPr>
+          <a:xfrm>
+            <a:off x="0" y="0"/>
+            <a:ext cx="12192000" cy="6858000"/>
+          </a:xfrm>
+          <a:prstGeom prst="rect">
+            <a:avLst/>
+          </a:prstGeom>
+          <a:solidFill>
+            <a:schemeClr val="accent1"/>
+          </a:solidFill>
+          <a:ln>
+            <a:noFill/>
+          </a:ln>
+        </p:spPr>
+        <p:style>
+          <a:lnRef idx="2">
+            <a:schemeClr val="accent1">
+              <a:shade val="50000"/>
+            </a:schemeClr>
+          </a:lnRef>
+          <a:fillRef idx="1002">
+            <a:schemeClr val="lt2"/>
+          </a:fillRef>
+          <a:effectRef idx="0">
+            <a:schemeClr val="accent1"/>
+          </a:effectRef>
+          <a:fontRef idx="minor">
+            <a:schemeClr val="lt1"/>
+          </a:fontRef>
+        </p:style>
+        <p:txBody>
+          <a:bodyPr rtlCol="0" anchor="ctr"/>
+          <a:lstStyle/>
+          <a:p>
+            <a:pPr algn="ctr"/>
+            <a:endParaRPr lang="en-US" dirty="0"/>
+          </a:p>
+        </p:txBody>
+      </p:sp>
+      <p:sp>
+        <p:nvSpPr>
+          <p:cNvPr id="13" name="Rectangle 12">
+            <a:extLst>
+              <a:ext uri="{FF2B5EF4-FFF2-40B4-BE49-F238E27FC236}">
+                <a16:creationId xmlns:a16="http://schemas.microsoft.com/office/drawing/2014/main" id="{AFBC700C-FC9F-83FA-7ABE-C6D900830D27}"/>
+              </a:ext>
+              <a:ext uri="{C183D7F6-B498-43B3-948B-1728B52AA6E4}">
+                <adec:decorative xmlns:adec="http://schemas.microsoft.com/office/drawing/2017/decorative" val="1"/>
+              </a:ext>
+            </a:extLst>
+          </p:cNvPr>
+          <p:cNvSpPr>
+            <a:spLocks noGrp="1" noRot="1" noChangeAspect="1" noMove="1" noResize="1" noEditPoints="1" noAdjustHandles="1" noChangeArrowheads="1" noChangeShapeType="1" noTextEdit="1"/>
+          </p:cNvSpPr>
+          <p:nvPr>
+            <p:extLst>
+              <p:ext uri="{386F3935-93C4-4BCD-93E2-E3B085C9AB24}">
+                <p16:designElem xmlns:p16="http://schemas.microsoft.com/office/powerpoint/2015/main" val="1"/>
+              </p:ext>
+            </p:extLst>
+          </p:nvPr>
+        </p:nvSpPr>
+        <p:spPr>
+          <a:xfrm>
+            <a:off x="-1867" y="0"/>
+            <a:ext cx="8168743" cy="6858000"/>
+          </a:xfrm>
+          <a:prstGeom prst="rect">
+            <a:avLst/>
+          </a:prstGeom>
+          <a:solidFill>
+            <a:schemeClr val="tx2"/>
+          </a:solidFill>
+          <a:ln>
+            <a:noFill/>
+          </a:ln>
+        </p:spPr>
+        <p:style>
+          <a:lnRef idx="2">
+            <a:schemeClr val="accent1">
+              <a:shade val="50000"/>
+            </a:schemeClr>
+          </a:lnRef>
+          <a:fillRef idx="1">
+            <a:schemeClr val="accent1"/>
+          </a:fillRef>
+          <a:effectRef idx="0">
+            <a:schemeClr val="accent1"/>
+          </a:effectRef>
+          <a:fontRef idx="minor">
+            <a:schemeClr val="lt1"/>
+          </a:fontRef>
+        </p:style>
+        <p:txBody>
+          <a:bodyPr rtlCol="0" anchor="ctr"/>
+          <a:lstStyle/>
+          <a:p>
+            <a:pPr algn="ctr"/>
+            <a:endParaRPr lang="en-US" dirty="0"/>
+          </a:p>
+        </p:txBody>
+      </p:sp>
+      <p:sp useBgFill="1">
+        <p:nvSpPr>
+          <p:cNvPr id="15" name="Rectangle 14">
+            <a:extLst>
+              <a:ext uri="{FF2B5EF4-FFF2-40B4-BE49-F238E27FC236}">
+                <a16:creationId xmlns:a16="http://schemas.microsoft.com/office/drawing/2014/main" id="{6BFEECF7-0711-A3F8-4BEC-1E924E5B43FD}"/>
+              </a:ext>
+              <a:ext uri="{C183D7F6-B498-43B3-948B-1728B52AA6E4}">
+                <adec:decorative xmlns:adec="http://schemas.microsoft.com/office/drawing/2017/decorative" val="1"/>
+              </a:ext>
+            </a:extLst>
+          </p:cNvPr>
+          <p:cNvSpPr>
+            <a:spLocks noGrp="1" noRot="1" noChangeAspect="1" noMove="1" noResize="1" noEditPoints="1" noAdjustHandles="1" noChangeArrowheads="1" noChangeShapeType="1" noTextEdit="1"/>
+          </p:cNvSpPr>
+          <p:nvPr>
+            <p:extLst>
+              <p:ext uri="{386F3935-93C4-4BCD-93E2-E3B085C9AB24}">
+                <p16:designElem xmlns:p16="http://schemas.microsoft.com/office/powerpoint/2015/main" val="1"/>
+              </p:ext>
+            </p:extLst>
+          </p:nvPr>
+        </p:nvSpPr>
+        <p:spPr>
+          <a:xfrm>
+            <a:off x="643243" y="643464"/>
+            <a:ext cx="6909336" cy="5571072"/>
+          </a:xfrm>
+          <a:prstGeom prst="rect">
+            <a:avLst/>
+          </a:prstGeom>
+          <a:ln w="6350" cap="flat" cmpd="sng" algn="ctr">
+            <a:noFill/>
+            <a:prstDash val="solid"/>
+          </a:ln>
+          <a:effectLst>
+            <a:outerShdw blurRad="50800" algn="ctr" rotWithShape="0">
+              <a:prstClr val="black">
+                <a:alpha val="66000"/>
+              </a:prstClr>
+            </a:outerShdw>
+            <a:softEdge rad="0"/>
+          </a:effectLst>
+        </p:spPr>
+      </p:sp>
+      <p:sp useBgFill="1">
+        <p:nvSpPr>
+          <p:cNvPr id="17" name="Rectangle 16">
+            <a:extLst>
+              <a:ext uri="{FF2B5EF4-FFF2-40B4-BE49-F238E27FC236}">
+                <a16:creationId xmlns:a16="http://schemas.microsoft.com/office/drawing/2014/main" id="{17DD4BC1-2651-EB0A-3E52-83228D1E5430}"/>
+              </a:ext>
+              <a:ext uri="{C183D7F6-B498-43B3-948B-1728B52AA6E4}">
+                <adec:decorative xmlns:adec="http://schemas.microsoft.com/office/drawing/2017/decorative" val="1"/>
+              </a:ext>
+            </a:extLst>
+          </p:cNvPr>
+          <p:cNvSpPr>
+            <a:spLocks noGrp="1" noRot="1" noChangeAspect="1" noMove="1" noResize="1" noEditPoints="1" noAdjustHandles="1" noChangeArrowheads="1" noChangeShapeType="1" noTextEdit="1"/>
+          </p:cNvSpPr>
+          <p:nvPr>
+            <p:extLst>
+              <p:ext uri="{386F3935-93C4-4BCD-93E2-E3B085C9AB24}">
+                <p16:designElem xmlns:p16="http://schemas.microsoft.com/office/powerpoint/2015/main" val="1"/>
+              </p:ext>
+            </p:extLst>
+          </p:nvPr>
+        </p:nvSpPr>
+        <p:spPr>
+          <a:xfrm>
+            <a:off x="806071" y="809244"/>
+            <a:ext cx="6583680" cy="5239512"/>
+          </a:xfrm>
+          <a:prstGeom prst="rect">
+            <a:avLst/>
+          </a:prstGeom>
+          <a:ln w="6350" cap="sq" cmpd="sng" algn="ctr">
+            <a:solidFill>
+              <a:schemeClr val="tx1">
+                <a:lumMod val="65000"/>
+                <a:lumOff val="35000"/>
+              </a:schemeClr>
+            </a:solidFill>
+            <a:prstDash val="solid"/>
+            <a:miter lim="800000"/>
+          </a:ln>
+          <a:effectLst/>
+        </p:spPr>
+      </p:sp>
+      <p:sp>
+        <p:nvSpPr>
+          <p:cNvPr id="19" name="Rectangle 18">
+            <a:extLst>
+              <a:ext uri="{FF2B5EF4-FFF2-40B4-BE49-F238E27FC236}">
+                <a16:creationId xmlns:a16="http://schemas.microsoft.com/office/drawing/2014/main" id="{4D6F6D61-3B03-DB70-1C0E-95FC81D8E5B3}"/>
+              </a:ext>
+              <a:ext uri="{C183D7F6-B498-43B3-948B-1728B52AA6E4}">
+                <adec:decorative xmlns:adec="http://schemas.microsoft.com/office/drawing/2017/decorative" val="1"/>
+              </a:ext>
+            </a:extLst>
+          </p:cNvPr>
+          <p:cNvSpPr>
+            <a:spLocks noGrp="1" noRot="1" noChangeAspect="1" noMove="1" noResize="1" noEditPoints="1" noAdjustHandles="1" noChangeArrowheads="1" noChangeShapeType="1" noTextEdit="1"/>
+          </p:cNvSpPr>
+          <p:nvPr>
+            <p:extLst>
+              <p:ext uri="{386F3935-93C4-4BCD-93E2-E3B085C9AB24}">
+                <p16:designElem xmlns:p16="http://schemas.microsoft.com/office/powerpoint/2015/main" val="1"/>
+              </p:ext>
+            </p:extLst>
+          </p:nvPr>
+        </p:nvSpPr>
+        <p:spPr>
+          <a:xfrm>
+            <a:off x="8166971" y="-1"/>
+            <a:ext cx="4025029" cy="6858000"/>
+          </a:xfrm>
+          <a:prstGeom prst="rect">
+            <a:avLst/>
+          </a:prstGeom>
+          <a:blipFill dpi="0" rotWithShape="1">
+            <a:blip r:embed="rId3">
+              <a:alphaModFix amt="10000"/>
+              <a:duotone>
+                <a:schemeClr val="accent3">
+                  <a:shade val="45000"/>
+                  <a:satMod val="135000"/>
+                </a:schemeClr>
+                <a:prstClr val="white"/>
+              </a:duotone>
+            </a:blip>
+            <a:srcRect/>
+            <a:tile tx="-31750" ty="-120650" sx="100000" sy="100000" flip="xy" algn="tl"/>
+          </a:blipFill>
+          <a:ln w="19050" cmpd="sng">
+            <a:noFill/>
+            <a:miter lim="800000"/>
+          </a:ln>
+        </p:spPr>
+        <p:style>
+          <a:lnRef idx="2">
+            <a:schemeClr val="accent1">
+              <a:shade val="50000"/>
+            </a:schemeClr>
+          </a:lnRef>
+          <a:fillRef idx="1">
+            <a:schemeClr val="accent1"/>
+          </a:fillRef>
+          <a:effectRef idx="0">
+            <a:schemeClr val="accent1"/>
+          </a:effectRef>
+          <a:fontRef idx="minor">
+            <a:schemeClr val="lt1"/>
+          </a:fontRef>
+        </p:style>
+      </p:sp>
+      <p:sp>
+        <p:nvSpPr>
           <p:cNvPr id="2" name="Title 1">
             <a:extLst>
               <a:ext uri="{FF2B5EF4-FFF2-40B4-BE49-F238E27FC236}">
-                <a16:creationId xmlns:a16="http://schemas.microsoft.com/office/drawing/2014/main" id="{2FBE61F3-2745-486A-9B37-D1351783A8A7}"/>
+                <a16:creationId xmlns:a16="http://schemas.microsoft.com/office/drawing/2014/main" id="{F222AE33-8558-B728-7797-EFF43A224D00}"/>
               </a:ext>
             </a:extLst>
           </p:cNvPr>
@@ -16213,8 +13302,8 @@
         </p:nvSpPr>
         <p:spPr>
           <a:xfrm>
-            <a:off x="5791200" y="428625"/>
-            <a:ext cx="7038975" cy="1371600"/>
+            <a:off x="8195822" y="643464"/>
+            <a:ext cx="4025029" cy="5571071"/>
           </a:xfrm>
         </p:spPr>
         <p:txBody>
@@ -16223,54 +13312,68 @@
           </a:bodyPr>
           <a:lstStyle/>
           <a:p>
-            <a:pPr algn="ctr"/>
             <a:r>
-              <a:rPr lang="en-US" sz="3200" dirty="0"/>
-              <a:t>Working of the Project</a:t>
+              <a:rPr lang="en-US" sz="4200" dirty="0">
+                <a:solidFill>
+                  <a:srgbClr val="FFFFFF"/>
+                </a:solidFill>
+              </a:rPr>
+              <a:t>Flowchart</a:t>
             </a:r>
+            <a:br>
+              <a:rPr lang="en-US" sz="4200" dirty="0">
+                <a:solidFill>
+                  <a:srgbClr val="FFFFFF"/>
+                </a:solidFill>
+              </a:rPr>
+            </a:br>
+            <a:endParaRPr lang="en-US" sz="4200" dirty="0">
+              <a:solidFill>
+                <a:srgbClr val="FFFFFF"/>
+              </a:solidFill>
+            </a:endParaRPr>
           </a:p>
         </p:txBody>
       </p:sp>
-      <p:graphicFrame>
-        <p:nvGraphicFramePr>
-          <p:cNvPr id="8" name="Content Placeholder 7">
+      <p:pic>
+        <p:nvPicPr>
+          <p:cNvPr id="3" name="Picture 2">
             <a:extLst>
               <a:ext uri="{FF2B5EF4-FFF2-40B4-BE49-F238E27FC236}">
-                <a16:creationId xmlns:a16="http://schemas.microsoft.com/office/drawing/2014/main" id="{26D5D07A-B138-959B-EBBE-B99A254D7A20}"/>
+                <a16:creationId xmlns:a16="http://schemas.microsoft.com/office/drawing/2014/main" id="{BF3B90F1-2277-C25A-114E-9D3F6E4CAA58}"/>
               </a:ext>
             </a:extLst>
           </p:cNvPr>
-          <p:cNvGraphicFramePr>
-            <a:graphicFrameLocks noGrp="1"/>
-          </p:cNvGraphicFramePr>
-          <p:nvPr>
-            <p:ph idx="1"/>
-            <p:extLst>
-              <p:ext uri="{D42A27DB-BD31-4B8C-83A1-F6EECF244321}">
-                <p14:modId xmlns:p14="http://schemas.microsoft.com/office/powerpoint/2010/main" val="2661636194"/>
-              </p:ext>
-            </p:extLst>
-          </p:nvPr>
-        </p:nvGraphicFramePr>
-        <p:xfrm>
-          <a:off x="314325" y="361950"/>
-          <a:ext cx="11410950" cy="6067425"/>
-        </p:xfrm>
-        <a:graphic>
-          <a:graphicData uri="http://schemas.openxmlformats.org/drawingml/2006/diagram">
-            <dgm:relIds xmlns:dgm="http://schemas.openxmlformats.org/drawingml/2006/diagram" xmlns:r="http://schemas.openxmlformats.org/officeDocument/2006/relationships" r:dm="rId3" r:lo="rId4" r:qs="rId5" r:cs="rId6"/>
-          </a:graphicData>
-        </a:graphic>
-      </p:graphicFrame>
+          <p:cNvPicPr>
+            <a:picLocks noChangeAspect="1"/>
+          </p:cNvPicPr>
+          <p:nvPr/>
+        </p:nvPicPr>
+        <p:blipFill>
+          <a:blip r:embed="rId4"/>
+          <a:stretch>
+            <a:fillRect/>
+          </a:stretch>
+        </p:blipFill>
+        <p:spPr>
+          <a:xfrm>
+            <a:off x="1749022" y="0"/>
+            <a:ext cx="4994677" cy="6840072"/>
+          </a:xfrm>
+          <a:prstGeom prst="rect">
+            <a:avLst/>
+          </a:prstGeom>
+        </p:spPr>
+      </p:pic>
     </p:spTree>
     <p:extLst>
       <p:ext uri="{BB962C8B-B14F-4D97-AF65-F5344CB8AC3E}">
-        <p14:creationId xmlns:p14="http://schemas.microsoft.com/office/powerpoint/2010/main" val="491186029"/>
+        <p14:creationId xmlns:p14="http://schemas.microsoft.com/office/powerpoint/2010/main" val="2127536981"/>
       </p:ext>
     </p:extLst>
   </p:cSld>
   <p:clrMapOvr>
-    <a:masterClrMapping/>
+    <a:overrideClrMapping bg1="lt1" tx1="dk1" bg2="lt2" tx2="dk2" accent1="accent1" accent2="accent2" accent3="accent3" accent4="accent4" accent5="accent5" accent6="accent6" hlink="hlink" folHlink="folHlink"/>
   </p:clrMapOvr>
 </p:sld>
 </file>
@@ -18039,21 +15142,21 @@
 </file>
 
 <file path=customXml/item1.xml><?xml version="1.0" encoding="utf-8"?>
+<?mso-contentType ?>
+<FormTemplates xmlns="http://schemas.microsoft.com/sharepoint/v3/contenttype/forms">
+  <Display>DocumentLibraryForm</Display>
+  <Edit>DocumentLibraryForm</Edit>
+  <New>DocumentLibraryForm</New>
+</FormTemplates>
+</file>
+
+<file path=customXml/item2.xml><?xml version="1.0" encoding="utf-8"?>
 <p:properties xmlns:p="http://schemas.microsoft.com/office/2006/metadata/properties" xmlns:xsi="http://www.w3.org/2001/XMLSchema-instance" xmlns:pc="http://schemas.microsoft.com/office/infopath/2007/PartnerControls">
   <documentManagement>
     <Status xmlns="71af3243-3dd4-4a8d-8c0d-dd76da1f02a5">Not started</Status>
     <MediaServiceKeyPoints xmlns="71af3243-3dd4-4a8d-8c0d-dd76da1f02a5" xsi:nil="true"/>
   </documentManagement>
 </p:properties>
-</file>
-
-<file path=customXml/item2.xml><?xml version="1.0" encoding="utf-8"?>
-<?mso-contentType ?>
-<FormTemplates xmlns="http://schemas.microsoft.com/sharepoint/v3/contenttype/forms">
-  <Display>DocumentLibraryForm</Display>
-  <Edit>DocumentLibraryForm</Edit>
-  <New>DocumentLibraryForm</New>
-</FormTemplates>
 </file>
 
 <file path=customXml/item3.xml><?xml version="1.0" encoding="utf-8"?>
@@ -18278,19 +15381,19 @@
 </file>
 
 <file path=customXml/itemProps1.xml><?xml version="1.0" encoding="utf-8"?>
+<ds:datastoreItem xmlns:ds="http://schemas.openxmlformats.org/officeDocument/2006/customXml" ds:itemID="{B3949939-2C9E-4399-80BE-3FEFB064CF1C}">
+  <ds:schemaRefs>
+    <ds:schemaRef ds:uri="http://schemas.microsoft.com/sharepoint/v3/contenttype/forms"/>
+  </ds:schemaRefs>
+</ds:datastoreItem>
+</file>
+
+<file path=customXml/itemProps2.xml><?xml version="1.0" encoding="utf-8"?>
 <ds:datastoreItem xmlns:ds="http://schemas.openxmlformats.org/officeDocument/2006/customXml" ds:itemID="{B9FC83A0-AB98-4659-ACD5-D2185007C703}">
   <ds:schemaRefs>
     <ds:schemaRef ds:uri="http://schemas.microsoft.com/office/2006/metadata/properties"/>
     <ds:schemaRef ds:uri="http://schemas.microsoft.com/office/infopath/2007/PartnerControls"/>
     <ds:schemaRef ds:uri="71af3243-3dd4-4a8d-8c0d-dd76da1f02a5"/>
-  </ds:schemaRefs>
-</ds:datastoreItem>
-</file>
-
-<file path=customXml/itemProps2.xml><?xml version="1.0" encoding="utf-8"?>
-<ds:datastoreItem xmlns:ds="http://schemas.openxmlformats.org/officeDocument/2006/customXml" ds:itemID="{B3949939-2C9E-4399-80BE-3FEFB064CF1C}">
-  <ds:schemaRefs>
-    <ds:schemaRef ds:uri="http://schemas.microsoft.com/sharepoint/v3/contenttype/forms"/>
   </ds:schemaRefs>
 </ds:datastoreItem>
 </file>
